--- a/Prepoznavanje.pptx
+++ b/Prepoznavanje.pptx
@@ -3992,12 +3992,16 @@
           </a:p>
           <a:p>
             <a:r>
-              <a:rPr lang="en-US" sz="2000" dirty="0">
+              <a:rPr lang="en-US" sz="2000">
                 <a:latin typeface="Cascadia Code SemiBold" panose="020B0609020000020004" pitchFamily="49" charset="0"/>
                 <a:cs typeface="Cascadia Code SemiBold" panose="020B0609020000020004" pitchFamily="49" charset="0"/>
               </a:rPr>
-              <a:t>28.5.2024</a:t>
-            </a:r>
+              <a:t>28.5.2024.</a:t>
+            </a:r>
+            <a:endParaRPr lang="en-US" sz="2000" dirty="0">
+              <a:latin typeface="Cascadia Code SemiBold" panose="020B0609020000020004" pitchFamily="49" charset="0"/>
+              <a:cs typeface="Cascadia Code SemiBold" panose="020B0609020000020004" pitchFamily="49" charset="0"/>
+            </a:endParaRPr>
           </a:p>
           <a:p>
             <a:r>
@@ -6286,13 +6290,13 @@
   <p:clrMapOvr>
     <a:masterClrMapping/>
   </p:clrMapOvr>
-  <mc:AlternateContent xmlns:mc="http://schemas.openxmlformats.org/markup-compatibility/2006">
-    <mc:Choice xmlns:p159="http://schemas.microsoft.com/office/powerpoint/2015/09/main" Requires="p159">
+  <mc:AlternateContent xmlns:mc="http://schemas.openxmlformats.org/markup-compatibility/2006" xmlns:p159="http://schemas.microsoft.com/office/powerpoint/2015/09/main">
+    <mc:Choice Requires="p159">
       <p:transition xmlns:p14="http://schemas.microsoft.com/office/powerpoint/2010/main" spd="slow" p14:dur="2000">
         <p159:morph option="byObject"/>
       </p:transition>
     </mc:Choice>
-    <mc:Fallback>
+    <mc:Fallback xmlns="">
       <p:transition spd="slow">
         <p:fade/>
       </p:transition>
@@ -8189,13 +8193,13 @@
   <p:clrMapOvr>
     <a:masterClrMapping/>
   </p:clrMapOvr>
-  <mc:AlternateContent xmlns:mc="http://schemas.openxmlformats.org/markup-compatibility/2006">
-    <mc:Choice xmlns:p159="http://schemas.microsoft.com/office/powerpoint/2015/09/main" Requires="p159">
+  <mc:AlternateContent xmlns:mc="http://schemas.openxmlformats.org/markup-compatibility/2006" xmlns:p159="http://schemas.microsoft.com/office/powerpoint/2015/09/main">
+    <mc:Choice Requires="p159">
       <p:transition xmlns:p14="http://schemas.microsoft.com/office/powerpoint/2010/main" spd="slow" p14:dur="2000">
         <p159:morph option="byObject"/>
       </p:transition>
     </mc:Choice>
-    <mc:Fallback>
+    <mc:Fallback xmlns="">
       <p:transition spd="slow">
         <p:fade/>
       </p:transition>
@@ -10208,13 +10212,13 @@
   <p:clrMapOvr>
     <a:masterClrMapping/>
   </p:clrMapOvr>
-  <mc:AlternateContent xmlns:mc="http://schemas.openxmlformats.org/markup-compatibility/2006">
-    <mc:Choice xmlns:p159="http://schemas.microsoft.com/office/powerpoint/2015/09/main" Requires="p159">
+  <mc:AlternateContent xmlns:mc="http://schemas.openxmlformats.org/markup-compatibility/2006" xmlns:p159="http://schemas.microsoft.com/office/powerpoint/2015/09/main">
+    <mc:Choice Requires="p159">
       <p:transition xmlns:p14="http://schemas.microsoft.com/office/powerpoint/2010/main" spd="slow" p14:dur="2000">
         <p159:morph option="byObject"/>
       </p:transition>
     </mc:Choice>
-    <mc:Fallback>
+    <mc:Fallback xmlns="">
       <p:transition spd="slow">
         <p:fade/>
       </p:transition>
@@ -12440,13 +12444,13 @@
   <p:clrMapOvr>
     <a:masterClrMapping/>
   </p:clrMapOvr>
-  <mc:AlternateContent xmlns:mc="http://schemas.openxmlformats.org/markup-compatibility/2006">
-    <mc:Choice xmlns:p159="http://schemas.microsoft.com/office/powerpoint/2015/09/main" Requires="p159">
+  <mc:AlternateContent xmlns:mc="http://schemas.openxmlformats.org/markup-compatibility/2006" xmlns:p159="http://schemas.microsoft.com/office/powerpoint/2015/09/main">
+    <mc:Choice Requires="p159">
       <p:transition xmlns:p14="http://schemas.microsoft.com/office/powerpoint/2010/main" spd="slow" p14:dur="2000">
         <p159:morph option="byObject"/>
       </p:transition>
     </mc:Choice>
-    <mc:Fallback>
+    <mc:Fallback xmlns="">
       <p:transition spd="slow">
         <p:fade/>
       </p:transition>
@@ -14549,13 +14553,13 @@
   <p:clrMapOvr>
     <a:masterClrMapping/>
   </p:clrMapOvr>
-  <mc:AlternateContent xmlns:mc="http://schemas.openxmlformats.org/markup-compatibility/2006">
-    <mc:Choice xmlns:p159="http://schemas.microsoft.com/office/powerpoint/2015/09/main" Requires="p159">
+  <mc:AlternateContent xmlns:mc="http://schemas.openxmlformats.org/markup-compatibility/2006" xmlns:p159="http://schemas.microsoft.com/office/powerpoint/2015/09/main">
+    <mc:Choice Requires="p159">
       <p:transition xmlns:p14="http://schemas.microsoft.com/office/powerpoint/2010/main" spd="slow" p14:dur="2000">
         <p159:morph option="byObject"/>
       </p:transition>
     </mc:Choice>
-    <mc:Fallback>
+    <mc:Fallback xmlns="">
       <p:transition spd="slow">
         <p:fade/>
       </p:transition>
@@ -20713,13 +20717,13 @@
   <p:clrMapOvr>
     <a:masterClrMapping/>
   </p:clrMapOvr>
-  <mc:AlternateContent xmlns:mc="http://schemas.openxmlformats.org/markup-compatibility/2006">
-    <mc:Choice xmlns:p159="http://schemas.microsoft.com/office/powerpoint/2015/09/main" Requires="p159">
+  <mc:AlternateContent xmlns:mc="http://schemas.openxmlformats.org/markup-compatibility/2006" xmlns:p159="http://schemas.microsoft.com/office/powerpoint/2015/09/main">
+    <mc:Choice Requires="p159">
       <p:transition xmlns:p14="http://schemas.microsoft.com/office/powerpoint/2010/main" spd="slow" p14:dur="2000">
         <p159:morph option="byObject"/>
       </p:transition>
     </mc:Choice>
-    <mc:Fallback>
+    <mc:Fallback xmlns="">
       <p:transition spd="slow">
         <p:fade/>
       </p:transition>
@@ -25423,13 +25427,13 @@
   <p:clrMapOvr>
     <a:masterClrMapping/>
   </p:clrMapOvr>
-  <mc:AlternateContent xmlns:mc="http://schemas.openxmlformats.org/markup-compatibility/2006">
-    <mc:Choice xmlns:p159="http://schemas.microsoft.com/office/powerpoint/2015/09/main" Requires="p159">
+  <mc:AlternateContent xmlns:mc="http://schemas.openxmlformats.org/markup-compatibility/2006" xmlns:p159="http://schemas.microsoft.com/office/powerpoint/2015/09/main">
+    <mc:Choice Requires="p159">
       <p:transition xmlns:p14="http://schemas.microsoft.com/office/powerpoint/2010/main" spd="slow" p14:dur="2000">
         <p159:morph option="byObject"/>
       </p:transition>
     </mc:Choice>
-    <mc:Fallback>
+    <mc:Fallback xmlns="">
       <p:transition spd="slow">
         <p:fade/>
       </p:transition>
@@ -25985,13 +25989,13 @@
   <p:clrMapOvr>
     <a:masterClrMapping/>
   </p:clrMapOvr>
-  <mc:AlternateContent xmlns:mc="http://schemas.openxmlformats.org/markup-compatibility/2006">
-    <mc:Choice xmlns:p159="http://schemas.microsoft.com/office/powerpoint/2015/09/main" Requires="p159">
+  <mc:AlternateContent xmlns:mc="http://schemas.openxmlformats.org/markup-compatibility/2006" xmlns:p159="http://schemas.microsoft.com/office/powerpoint/2015/09/main">
+    <mc:Choice Requires="p159">
       <p:transition xmlns:p14="http://schemas.microsoft.com/office/powerpoint/2010/main" spd="slow" p14:dur="2000">
         <p159:morph option="byObject"/>
       </p:transition>
     </mc:Choice>
-    <mc:Fallback>
+    <mc:Fallback xmlns="">
       <p:transition spd="slow">
         <p:fade/>
       </p:transition>
@@ -34582,13 +34586,13 @@
   <p:clrMapOvr>
     <a:masterClrMapping/>
   </p:clrMapOvr>
-  <mc:AlternateContent xmlns:mc="http://schemas.openxmlformats.org/markup-compatibility/2006">
-    <mc:Choice xmlns:p159="http://schemas.microsoft.com/office/powerpoint/2015/09/main" Requires="p159">
+  <mc:AlternateContent xmlns:mc="http://schemas.openxmlformats.org/markup-compatibility/2006" xmlns:p159="http://schemas.microsoft.com/office/powerpoint/2015/09/main">
+    <mc:Choice Requires="p159">
       <p:transition xmlns:p14="http://schemas.microsoft.com/office/powerpoint/2010/main" spd="slow" p14:dur="2000">
         <p159:morph option="byObject"/>
       </p:transition>
     </mc:Choice>
-    <mc:Fallback>
+    <mc:Fallback xmlns="">
       <p:transition spd="slow">
         <p:fade/>
       </p:transition>
@@ -35919,13 +35923,13 @@
   <p:clrMapOvr>
     <a:masterClrMapping/>
   </p:clrMapOvr>
-  <mc:AlternateContent xmlns:mc="http://schemas.openxmlformats.org/markup-compatibility/2006">
-    <mc:Choice xmlns:p14="http://schemas.microsoft.com/office/powerpoint/2010/main" Requires="p14">
+  <mc:AlternateContent xmlns:mc="http://schemas.openxmlformats.org/markup-compatibility/2006" xmlns:p14="http://schemas.microsoft.com/office/powerpoint/2010/main">
+    <mc:Choice Requires="p14">
       <p:transition spd="med" p14:dur="700">
         <p:fade/>
       </p:transition>
     </mc:Choice>
-    <mc:Fallback>
+    <mc:Fallback xmlns="">
       <p:transition spd="med">
         <p:fade/>
       </p:transition>
@@ -37556,13 +37560,13 @@
   <p:clrMapOvr>
     <a:masterClrMapping/>
   </p:clrMapOvr>
-  <mc:AlternateContent xmlns:mc="http://schemas.openxmlformats.org/markup-compatibility/2006">
-    <mc:Choice xmlns:p159="http://schemas.microsoft.com/office/powerpoint/2015/09/main" Requires="p159">
+  <mc:AlternateContent xmlns:mc="http://schemas.openxmlformats.org/markup-compatibility/2006" xmlns:p159="http://schemas.microsoft.com/office/powerpoint/2015/09/main">
+    <mc:Choice Requires="p159">
       <p:transition xmlns:p14="http://schemas.microsoft.com/office/powerpoint/2010/main" spd="slow" p14:dur="2000">
         <p159:morph option="byObject"/>
       </p:transition>
     </mc:Choice>
-    <mc:Fallback>
+    <mc:Fallback xmlns="">
       <p:transition spd="slow">
         <p:fade/>
       </p:transition>

--- a/Prepoznavanje.pptx
+++ b/Prepoznavanje.pptx
@@ -5,7 +5,7 @@
     <p:sldMasterId id="2147483648" r:id="rId1"/>
   </p:sldMasterIdLst>
   <p:notesMasterIdLst>
-    <p:notesMasterId r:id="rId23"/>
+    <p:notesMasterId r:id="rId22"/>
   </p:notesMasterIdLst>
   <p:sldIdLst>
     <p:sldId id="256" r:id="rId2"/>
@@ -24,11 +24,10 @@
     <p:sldId id="269" r:id="rId15"/>
     <p:sldId id="270" r:id="rId16"/>
     <p:sldId id="271" r:id="rId17"/>
-    <p:sldId id="272" r:id="rId18"/>
-    <p:sldId id="273" r:id="rId19"/>
-    <p:sldId id="274" r:id="rId20"/>
-    <p:sldId id="275" r:id="rId21"/>
-    <p:sldId id="276" r:id="rId22"/>
+    <p:sldId id="273" r:id="rId18"/>
+    <p:sldId id="274" r:id="rId19"/>
+    <p:sldId id="275" r:id="rId20"/>
+    <p:sldId id="276" r:id="rId21"/>
   </p:sldIdLst>
   <p:sldSz cx="12192000" cy="6858000"/>
   <p:notesSz cx="6858000" cy="9144000"/>
@@ -5595,7 +5594,7 @@
         <p:spPr>
           <a:xfrm>
             <a:off x="386166" y="1006373"/>
-            <a:ext cx="5956747" cy="3785652"/>
+            <a:ext cx="5956747" cy="1938992"/>
           </a:xfrm>
           <a:prstGeom prst="rect">
             <a:avLst/>
@@ -5633,372 +5632,42 @@
               <a:rPr lang="en-US" sz="2400" dirty="0">
                 <a:latin typeface="Bahnschrift SemiBold" panose="020B0502040204020203" pitchFamily="34" charset="0"/>
               </a:rPr>
-              <a:t> </a:t>
-            </a:r>
-            <a:r>
-              <a:rPr lang="en-US" sz="2400" dirty="0" err="1">
-                <a:latin typeface="Bahnschrift SemiBold" panose="020B0502040204020203" pitchFamily="34" charset="0"/>
-              </a:rPr>
-              <a:t>koristi</a:t>
-            </a:r>
-            <a:r>
-              <a:rPr lang="en-US" sz="2400" dirty="0">
-                <a:latin typeface="Bahnschrift SemiBold" panose="020B0502040204020203" pitchFamily="34" charset="0"/>
-              </a:rPr>
-              <a:t> se za </a:t>
-            </a:r>
-            <a:r>
-              <a:rPr lang="en-US" sz="2400" dirty="0" err="1">
-                <a:latin typeface="Bahnschrift SemiBold" panose="020B0502040204020203" pitchFamily="34" charset="0"/>
-              </a:rPr>
-              <a:t>otkrivanje</a:t>
-            </a:r>
-            <a:r>
-              <a:rPr lang="en-US" sz="2400" dirty="0">
-                <a:latin typeface="Bahnschrift SemiBold" panose="020B0502040204020203" pitchFamily="34" charset="0"/>
-              </a:rPr>
-              <a:t> </a:t>
-            </a:r>
-            <a:r>
-              <a:rPr lang="en-US" sz="2400" dirty="0" err="1">
-                <a:latin typeface="Bahnschrift SemiBold" panose="020B0502040204020203" pitchFamily="34" charset="0"/>
-              </a:rPr>
-              <a:t>ivica</a:t>
-            </a:r>
-            <a:r>
-              <a:rPr lang="en-US" sz="2400" dirty="0">
-                <a:latin typeface="Bahnschrift SemiBold" panose="020B0502040204020203" pitchFamily="34" charset="0"/>
-              </a:rPr>
-              <a:t> </a:t>
-            </a:r>
-            <a:r>
-              <a:rPr lang="en-US" sz="2400" dirty="0" err="1">
-                <a:latin typeface="Bahnschrift SemiBold" panose="020B0502040204020203" pitchFamily="34" charset="0"/>
-              </a:rPr>
-              <a:t>na</a:t>
-            </a:r>
-            <a:r>
-              <a:rPr lang="en-US" sz="2400" dirty="0">
-                <a:latin typeface="Bahnschrift SemiBold" panose="020B0502040204020203" pitchFamily="34" charset="0"/>
-              </a:rPr>
-              <a:t> </a:t>
-            </a:r>
-            <a:r>
-              <a:rPr lang="en-US" sz="2400" dirty="0" err="1">
-                <a:latin typeface="Bahnschrift SemiBold" panose="020B0502040204020203" pitchFamily="34" charset="0"/>
-              </a:rPr>
-              <a:t>slici</a:t>
-            </a:r>
-            <a:r>
-              <a:rPr lang="en-US" sz="2400" dirty="0">
-                <a:latin typeface="Bahnschrift SemiBold" panose="020B0502040204020203" pitchFamily="34" charset="0"/>
-              </a:rPr>
-              <a:t>. U </a:t>
-            </a:r>
-            <a:r>
-              <a:rPr lang="en-US" sz="2400" dirty="0" err="1">
-                <a:latin typeface="Bahnschrift SemiBold" panose="020B0502040204020203" pitchFamily="34" charset="0"/>
-              </a:rPr>
-              <a:t>ovom</a:t>
-            </a:r>
-            <a:r>
-              <a:rPr lang="en-US" sz="2400" dirty="0">
-                <a:latin typeface="Bahnschrift SemiBold" panose="020B0502040204020203" pitchFamily="34" charset="0"/>
-              </a:rPr>
-              <a:t> </a:t>
-            </a:r>
-            <a:r>
-              <a:rPr lang="en-US" sz="2400" dirty="0" err="1">
-                <a:latin typeface="Bahnschrift SemiBold" panose="020B0502040204020203" pitchFamily="34" charset="0"/>
-              </a:rPr>
-              <a:t>slučaju</a:t>
-            </a:r>
-            <a:r>
-              <a:rPr lang="en-US" sz="2400" dirty="0">
-                <a:latin typeface="Bahnschrift SemiBold" panose="020B0502040204020203" pitchFamily="34" charset="0"/>
-              </a:rPr>
-              <a:t>, </a:t>
-            </a:r>
-            <a:r>
-              <a:rPr lang="en-US" sz="2400" dirty="0" err="1">
-                <a:latin typeface="Bahnschrift SemiBold" panose="020B0502040204020203" pitchFamily="34" charset="0"/>
-              </a:rPr>
-              <a:t>koristi</a:t>
-            </a:r>
-            <a:r>
-              <a:rPr lang="en-US" sz="2400" dirty="0">
-                <a:latin typeface="Bahnschrift SemiBold" panose="020B0502040204020203" pitchFamily="34" charset="0"/>
-              </a:rPr>
-              <a:t> se ‘</a:t>
-            </a:r>
-            <a:r>
-              <a:rPr lang="en-US" sz="2400" dirty="0">
-                <a:solidFill>
-                  <a:srgbClr val="FF0000"/>
-                </a:solidFill>
-                <a:latin typeface="Bahnschrift SemiBold" panose="020B0502040204020203" pitchFamily="34" charset="0"/>
-              </a:rPr>
-              <a:t>Canny</a:t>
-            </a:r>
-            <a:r>
-              <a:rPr lang="en-US" sz="2400" dirty="0">
-                <a:latin typeface="Bahnschrift SemiBold" panose="020B0502040204020203" pitchFamily="34" charset="0"/>
-              </a:rPr>
-              <a:t>’ </a:t>
-            </a:r>
-            <a:r>
-              <a:rPr lang="en-US" sz="2400" dirty="0" err="1">
-                <a:latin typeface="Bahnschrift SemiBold" panose="020B0502040204020203" pitchFamily="34" charset="0"/>
-              </a:rPr>
-              <a:t>metoda</a:t>
-            </a:r>
-            <a:r>
-              <a:rPr lang="en-US" sz="2400" dirty="0">
-                <a:latin typeface="Bahnschrift SemiBold" panose="020B0502040204020203" pitchFamily="34" charset="0"/>
-              </a:rPr>
-              <a:t> za </a:t>
-            </a:r>
-            <a:r>
-              <a:rPr lang="en-US" sz="2400" dirty="0" err="1">
-                <a:latin typeface="Bahnschrift SemiBold" panose="020B0502040204020203" pitchFamily="34" charset="0"/>
-              </a:rPr>
-              <a:t>otkrivanje</a:t>
-            </a:r>
-            <a:r>
-              <a:rPr lang="en-US" sz="2400" dirty="0">
-                <a:latin typeface="Bahnschrift SemiBold" panose="020B0502040204020203" pitchFamily="34" charset="0"/>
-              </a:rPr>
-              <a:t> </a:t>
-            </a:r>
-            <a:r>
-              <a:rPr lang="en-US" sz="2400" dirty="0" err="1">
-                <a:latin typeface="Bahnschrift SemiBold" panose="020B0502040204020203" pitchFamily="34" charset="0"/>
-              </a:rPr>
-              <a:t>ivica</a:t>
-            </a:r>
-            <a:r>
-              <a:rPr lang="en-US" sz="2400" dirty="0">
-                <a:latin typeface="Bahnschrift SemiBold" panose="020B0502040204020203" pitchFamily="34" charset="0"/>
-              </a:rPr>
-              <a:t>, </a:t>
-            </a:r>
-            <a:r>
-              <a:rPr lang="en-US" sz="2400" dirty="0" err="1">
-                <a:latin typeface="Bahnschrift SemiBold" panose="020B0502040204020203" pitchFamily="34" charset="0"/>
-              </a:rPr>
-              <a:t>koja</a:t>
-            </a:r>
-            <a:r>
-              <a:rPr lang="en-US" sz="2400" dirty="0">
-                <a:latin typeface="Bahnschrift SemiBold" panose="020B0502040204020203" pitchFamily="34" charset="0"/>
-              </a:rPr>
-              <a:t> </a:t>
-            </a:r>
-            <a:r>
-              <a:rPr lang="pl-PL" sz="2400" dirty="0">
-                <a:latin typeface="Bahnschrift SemiBold" panose="020B0502040204020203" pitchFamily="34" charset="0"/>
-              </a:rPr>
-              <a:t>je poznata po svojoj sposobnosti da otkrije ivice i potiskuje šum.</a:t>
-            </a:r>
-            <a:br>
-              <a:rPr lang="en-US" sz="2400" dirty="0">
-                <a:latin typeface="Bahnschrift SemiBold" panose="020B0502040204020203" pitchFamily="34" charset="0"/>
-              </a:rPr>
-            </a:br>
-            <a:r>
-              <a:rPr lang="en-US" sz="2400" dirty="0" err="1">
-                <a:latin typeface="Bahnschrift SemiBold" panose="020B0502040204020203" pitchFamily="34" charset="0"/>
-              </a:rPr>
-              <a:t>Osim</a:t>
-            </a:r>
-            <a:r>
-              <a:rPr lang="en-US" sz="2400" dirty="0">
-                <a:latin typeface="Bahnschrift SemiBold" panose="020B0502040204020203" pitchFamily="34" charset="0"/>
-              </a:rPr>
-              <a:t> ‘Canny’, </a:t>
-            </a:r>
-            <a:r>
-              <a:rPr lang="en-US" sz="2400" dirty="0" err="1">
-                <a:latin typeface="Bahnschrift SemiBold" panose="020B0502040204020203" pitchFamily="34" charset="0"/>
-              </a:rPr>
-              <a:t>postoje</a:t>
-            </a:r>
-            <a:r>
-              <a:rPr lang="en-US" sz="2400" dirty="0">
-                <a:latin typeface="Bahnschrift SemiBold" panose="020B0502040204020203" pitchFamily="34" charset="0"/>
-              </a:rPr>
-              <a:t> </a:t>
-            </a:r>
-            <a:r>
-              <a:rPr lang="en-US" sz="2400" dirty="0" err="1">
-                <a:latin typeface="Bahnschrift SemiBold" panose="020B0502040204020203" pitchFamily="34" charset="0"/>
-              </a:rPr>
-              <a:t>i</a:t>
-            </a:r>
-            <a:r>
-              <a:rPr lang="en-US" sz="2400" dirty="0">
-                <a:latin typeface="Bahnschrift SemiBold" panose="020B0502040204020203" pitchFamily="34" charset="0"/>
-              </a:rPr>
-              <a:t> ‘</a:t>
-            </a:r>
-            <a:r>
-              <a:rPr lang="en-US" sz="2400" dirty="0">
-                <a:solidFill>
-                  <a:srgbClr val="0070C0"/>
-                </a:solidFill>
-                <a:latin typeface="Bahnschrift SemiBold" panose="020B0502040204020203" pitchFamily="34" charset="0"/>
-              </a:rPr>
-              <a:t>Sobel</a:t>
-            </a:r>
-            <a:r>
-              <a:rPr lang="en-US" sz="2400" dirty="0">
-                <a:latin typeface="Bahnschrift SemiBold" panose="020B0502040204020203" pitchFamily="34" charset="0"/>
-              </a:rPr>
-              <a:t>’, ‘</a:t>
-            </a:r>
-            <a:r>
-              <a:rPr lang="en-US" sz="2400" dirty="0">
-                <a:solidFill>
-                  <a:srgbClr val="0070C0"/>
-                </a:solidFill>
-                <a:latin typeface="Bahnschrift SemiBold" panose="020B0502040204020203" pitchFamily="34" charset="0"/>
-              </a:rPr>
-              <a:t>Prewitt</a:t>
-            </a:r>
-            <a:r>
-              <a:rPr lang="en-US" sz="2400" dirty="0">
-                <a:latin typeface="Bahnschrift SemiBold" panose="020B0502040204020203" pitchFamily="34" charset="0"/>
-              </a:rPr>
-              <a:t>’, ‘</a:t>
-            </a:r>
-            <a:r>
-              <a:rPr lang="en-US" sz="2400" dirty="0">
-                <a:solidFill>
-                  <a:srgbClr val="0070C0"/>
-                </a:solidFill>
-                <a:latin typeface="Bahnschrift SemiBold" panose="020B0502040204020203" pitchFamily="34" charset="0"/>
-              </a:rPr>
-              <a:t>Roberts</a:t>
-            </a:r>
-            <a:r>
-              <a:rPr lang="en-US" sz="2400" dirty="0">
-                <a:latin typeface="Bahnschrift SemiBold" panose="020B0502040204020203" pitchFamily="34" charset="0"/>
-              </a:rPr>
-              <a:t>’, ‘</a:t>
-            </a:r>
-            <a:r>
-              <a:rPr lang="en-US" sz="2400" dirty="0">
-                <a:solidFill>
-                  <a:srgbClr val="0070C0"/>
-                </a:solidFill>
-                <a:latin typeface="Bahnschrift SemiBold" panose="020B0502040204020203" pitchFamily="34" charset="0"/>
-              </a:rPr>
-              <a:t>log</a:t>
-            </a:r>
-            <a:r>
-              <a:rPr lang="en-US" sz="2400" dirty="0">
-                <a:latin typeface="Bahnschrift SemiBold" panose="020B0502040204020203" pitchFamily="34" charset="0"/>
-              </a:rPr>
-              <a:t>’, ‘</a:t>
-            </a:r>
-            <a:r>
-              <a:rPr lang="en-US" sz="2400" dirty="0" err="1">
-                <a:solidFill>
-                  <a:srgbClr val="0070C0"/>
-                </a:solidFill>
-                <a:latin typeface="Bahnschrift SemiBold" panose="020B0502040204020203" pitchFamily="34" charset="0"/>
-              </a:rPr>
-              <a:t>zerocross</a:t>
-            </a:r>
-            <a:r>
-              <a:rPr lang="en-US" sz="2400" dirty="0">
-                <a:latin typeface="Bahnschrift SemiBold" panose="020B0502040204020203" pitchFamily="34" charset="0"/>
-              </a:rPr>
-              <a:t>’, </a:t>
-            </a:r>
-            <a:r>
-              <a:rPr lang="en-US" sz="2400" dirty="0" err="1">
-                <a:latin typeface="Bahnschrift SemiBold" panose="020B0502040204020203" pitchFamily="34" charset="0"/>
-              </a:rPr>
-              <a:t>itd</a:t>
-            </a:r>
-            <a:r>
-              <a:rPr lang="en-US" sz="2400" dirty="0">
-                <a:latin typeface="Bahnschrift SemiBold" panose="020B0502040204020203" pitchFamily="34" charset="0"/>
-              </a:rPr>
-              <a:t>. me</a:t>
+              <a:t>.</a:t>
+            </a:r>
+          </a:p>
+          <a:p>
+            <a:endParaRPr lang="en-US" sz="2400" dirty="0">
+              <a:latin typeface="Bahnschrift SemiBold" panose="020B0502040204020203" pitchFamily="34" charset="0"/>
+            </a:endParaRPr>
+          </a:p>
+          <a:p>
+            <a:endParaRPr lang="en-US" sz="2400" dirty="0">
+              <a:latin typeface="Bahnschrift SemiBold" panose="020B0502040204020203" pitchFamily="34" charset="0"/>
+            </a:endParaRPr>
+          </a:p>
+          <a:p>
+            <a:endParaRPr lang="en-US" sz="2400" dirty="0">
+              <a:latin typeface="Bahnschrift SemiBold" panose="020B0502040204020203" pitchFamily="34" charset="0"/>
+            </a:endParaRPr>
+          </a:p>
+          <a:p>
+            <a:r>
+              <a:rPr lang="en-US" sz="2400" dirty="0">
+                <a:latin typeface="Bahnschrift SemiBold" panose="020B0502040204020203" pitchFamily="34" charset="0"/>
+              </a:rPr>
+              <a:t>■ Za</a:t>
             </a:r>
             <a:r>
               <a:rPr lang="sr-Latn-ME" sz="2400" dirty="0">
                 <a:latin typeface="Bahnschrift SemiBold" panose="020B0502040204020203" pitchFamily="34" charset="0"/>
               </a:rPr>
-              <a:t>đutim Canny</a:t>
-            </a:r>
-            <a:r>
-              <a:rPr lang="en-US" sz="2400" dirty="0">
-                <a:latin typeface="Bahnschrift SemiBold" panose="020B0502040204020203" pitchFamily="34" charset="0"/>
-              </a:rPr>
-              <a:t> se u </a:t>
-            </a:r>
-            <a:r>
-              <a:rPr lang="sr-Latn-ME" sz="2400" dirty="0">
-                <a:latin typeface="Bahnschrift SemiBold" panose="020B0502040204020203" pitchFamily="34" charset="0"/>
-              </a:rPr>
-              <a:t>našem slučaju ispostavio najefikasnije</a:t>
-            </a:r>
-            <a:r>
-              <a:rPr lang="en-US" sz="2400" dirty="0">
-                <a:latin typeface="Bahnschrift SemiBold" panose="020B0502040204020203" pitchFamily="34" charset="0"/>
-              </a:rPr>
-              <a:t>, </a:t>
-            </a:r>
-            <a:r>
-              <a:rPr lang="en-US" sz="2400" dirty="0" err="1">
-                <a:latin typeface="Bahnschrift SemiBold" panose="020B0502040204020203" pitchFamily="34" charset="0"/>
-              </a:rPr>
-              <a:t>iako</a:t>
-            </a:r>
-            <a:r>
-              <a:rPr lang="en-US" sz="2400" dirty="0">
-                <a:latin typeface="Bahnschrift SemiBold" panose="020B0502040204020203" pitchFamily="34" charset="0"/>
-              </a:rPr>
-              <a:t> je </a:t>
-            </a:r>
-            <a:r>
-              <a:rPr lang="en-US" sz="2400" dirty="0" err="1">
-                <a:latin typeface="Bahnschrift SemiBold" panose="020B0502040204020203" pitchFamily="34" charset="0"/>
-              </a:rPr>
-              <a:t>sporija</a:t>
-            </a:r>
-            <a:r>
-              <a:rPr lang="en-US" sz="2400" dirty="0">
-                <a:latin typeface="Bahnschrift SemiBold" panose="020B0502040204020203" pitchFamily="34" charset="0"/>
-              </a:rPr>
-              <a:t> od </a:t>
-            </a:r>
-            <a:r>
-              <a:rPr lang="en-US" sz="2400" dirty="0" err="1">
-                <a:latin typeface="Bahnschrift SemiBold" panose="020B0502040204020203" pitchFamily="34" charset="0"/>
-              </a:rPr>
-              <a:t>navedenih</a:t>
-            </a:r>
-            <a:r>
-              <a:rPr lang="en-US" sz="2400" dirty="0">
-                <a:latin typeface="Bahnschrift SemiBold" panose="020B0502040204020203" pitchFamily="34" charset="0"/>
-              </a:rPr>
-              <a:t> I </a:t>
-            </a:r>
-            <a:r>
-              <a:rPr lang="en-US" sz="2400" dirty="0" err="1">
-                <a:latin typeface="Bahnschrift SemiBold" panose="020B0502040204020203" pitchFamily="34" charset="0"/>
-              </a:rPr>
-              <a:t>kompleksnija</a:t>
-            </a:r>
-            <a:r>
-              <a:rPr lang="en-US" sz="2400" dirty="0">
-                <a:latin typeface="Bahnschrift SemiBold" panose="020B0502040204020203" pitchFamily="34" charset="0"/>
-              </a:rPr>
-              <a:t>.</a:t>
+              <a:t>što se koristi parametar </a:t>
+            </a:r>
+            <a:r>
+              <a:rPr lang="en-US" sz="2400" dirty="0">
+                <a:latin typeface="Bahnschrift SemiBold" panose="020B0502040204020203" pitchFamily="34" charset="0"/>
+              </a:rPr>
+              <a:t>‘Canny’?</a:t>
             </a:r>
           </a:p>
         </p:txBody>
@@ -6018,7 +5687,7 @@
         <p:spPr>
           <a:xfrm>
             <a:off x="358569" y="5073230"/>
-            <a:ext cx="11370586" cy="1384995"/>
+            <a:ext cx="11370586" cy="523220"/>
           </a:xfrm>
           <a:prstGeom prst="rect">
             <a:avLst/>
@@ -6035,247 +5704,19 @@
               <a:rPr lang="en-US" sz="2800" dirty="0">
                 <a:latin typeface="Bahnschrift SemiBold" panose="020B0502040204020203" pitchFamily="34" charset="0"/>
               </a:rPr>
-              <a:t>■ Na </a:t>
-            </a:r>
-            <a:r>
-              <a:rPr lang="en-US" sz="2800" dirty="0" err="1">
-                <a:latin typeface="Bahnschrift SemiBold" panose="020B0502040204020203" pitchFamily="34" charset="0"/>
-              </a:rPr>
-              <a:t>kraju</a:t>
+              <a:t>■ </a:t>
+            </a:r>
+            <a:r>
+              <a:rPr lang="sr-Latn-ME" sz="2800" dirty="0">
+                <a:latin typeface="Bahnschrift SemiBold" panose="020B0502040204020203" pitchFamily="34" charset="0"/>
+              </a:rPr>
+              <a:t>Šta vraća ova funkcija</a:t>
             </a:r>
             <a:r>
               <a:rPr lang="en-US" sz="2800" dirty="0">
                 <a:latin typeface="Bahnschrift SemiBold" panose="020B0502040204020203" pitchFamily="34" charset="0"/>
               </a:rPr>
-              <a:t>, ova </a:t>
-            </a:r>
-            <a:r>
-              <a:rPr lang="en-US" sz="2800" dirty="0" err="1">
-                <a:latin typeface="Bahnschrift SemiBold" panose="020B0502040204020203" pitchFamily="34" charset="0"/>
-              </a:rPr>
-              <a:t>funkcija</a:t>
-            </a:r>
-            <a:r>
-              <a:rPr lang="en-US" sz="2800" dirty="0">
-                <a:latin typeface="Bahnschrift SemiBold" panose="020B0502040204020203" pitchFamily="34" charset="0"/>
-              </a:rPr>
-              <a:t> </a:t>
-            </a:r>
-            <a:r>
-              <a:rPr lang="en-US" sz="2800" dirty="0" err="1">
-                <a:latin typeface="Bahnschrift SemiBold" panose="020B0502040204020203" pitchFamily="34" charset="0"/>
-              </a:rPr>
-              <a:t>vraća</a:t>
-            </a:r>
-            <a:r>
-              <a:rPr lang="en-US" sz="2800" dirty="0">
-                <a:latin typeface="Bahnschrift SemiBold" panose="020B0502040204020203" pitchFamily="34" charset="0"/>
-              </a:rPr>
-              <a:t> </a:t>
-            </a:r>
-            <a:r>
-              <a:rPr lang="en-US" sz="2800" dirty="0" err="1">
-                <a:solidFill>
-                  <a:srgbClr val="FF0000"/>
-                </a:solidFill>
-                <a:latin typeface="Bahnschrift SemiBold" panose="020B0502040204020203" pitchFamily="34" charset="0"/>
-              </a:rPr>
-              <a:t>binarnu</a:t>
-            </a:r>
-            <a:r>
-              <a:rPr lang="en-US" sz="2800" dirty="0">
-                <a:solidFill>
-                  <a:srgbClr val="FF0000"/>
-                </a:solidFill>
-                <a:latin typeface="Bahnschrift SemiBold" panose="020B0502040204020203" pitchFamily="34" charset="0"/>
-              </a:rPr>
-              <a:t> </a:t>
-            </a:r>
-            <a:r>
-              <a:rPr lang="en-US" sz="2800" dirty="0" err="1">
-                <a:solidFill>
-                  <a:srgbClr val="FF0000"/>
-                </a:solidFill>
-                <a:latin typeface="Bahnschrift SemiBold" panose="020B0502040204020203" pitchFamily="34" charset="0"/>
-              </a:rPr>
-              <a:t>sliku</a:t>
-            </a:r>
-            <a:r>
-              <a:rPr lang="en-US" sz="2800" dirty="0">
-                <a:solidFill>
-                  <a:srgbClr val="FF0000"/>
-                </a:solidFill>
-                <a:latin typeface="Bahnschrift SemiBold" panose="020B0502040204020203" pitchFamily="34" charset="0"/>
-              </a:rPr>
-              <a:t> </a:t>
-            </a:r>
-            <a:r>
-              <a:rPr lang="en-US" sz="2800" dirty="0" err="1">
-                <a:latin typeface="Bahnschrift SemiBold" panose="020B0502040204020203" pitchFamily="34" charset="0"/>
-              </a:rPr>
-              <a:t>gde</a:t>
-            </a:r>
-            <a:r>
-              <a:rPr lang="en-US" sz="2800" dirty="0">
-                <a:latin typeface="Bahnschrift SemiBold" panose="020B0502040204020203" pitchFamily="34" charset="0"/>
-              </a:rPr>
-              <a:t> </a:t>
-            </a:r>
-            <a:r>
-              <a:rPr lang="en-US" sz="2800" dirty="0" err="1">
-                <a:latin typeface="Bahnschrift SemiBold" panose="020B0502040204020203" pitchFamily="34" charset="0"/>
-              </a:rPr>
-              <a:t>su</a:t>
-            </a:r>
-            <a:r>
-              <a:rPr lang="en-US" sz="2800" dirty="0">
-                <a:latin typeface="Bahnschrift SemiBold" panose="020B0502040204020203" pitchFamily="34" charset="0"/>
-              </a:rPr>
-              <a:t> </a:t>
-            </a:r>
-            <a:r>
-              <a:rPr lang="en-US" sz="2800" dirty="0" err="1">
-                <a:latin typeface="Bahnschrift SemiBold" panose="020B0502040204020203" pitchFamily="34" charset="0"/>
-              </a:rPr>
-              <a:t>pikseli</a:t>
-            </a:r>
-            <a:r>
-              <a:rPr lang="en-US" sz="2800" dirty="0">
-                <a:latin typeface="Bahnschrift SemiBold" panose="020B0502040204020203" pitchFamily="34" charset="0"/>
-              </a:rPr>
-              <a:t> koji </a:t>
-            </a:r>
-            <a:r>
-              <a:rPr lang="en-US" sz="2800" dirty="0" err="1">
-                <a:latin typeface="Bahnschrift SemiBold" panose="020B0502040204020203" pitchFamily="34" charset="0"/>
-              </a:rPr>
-              <a:t>pripadaju</a:t>
-            </a:r>
-            <a:r>
-              <a:rPr lang="en-US" sz="2800" dirty="0">
-                <a:latin typeface="Bahnschrift SemiBold" panose="020B0502040204020203" pitchFamily="34" charset="0"/>
-              </a:rPr>
-              <a:t> </a:t>
-            </a:r>
-            <a:r>
-              <a:rPr lang="en-US" sz="2800" dirty="0" err="1">
-                <a:latin typeface="Bahnschrift SemiBold" panose="020B0502040204020203" pitchFamily="34" charset="0"/>
-              </a:rPr>
-              <a:t>ivicama</a:t>
-            </a:r>
-            <a:r>
-              <a:rPr lang="en-US" sz="2800" dirty="0">
-                <a:latin typeface="Bahnschrift SemiBold" panose="020B0502040204020203" pitchFamily="34" charset="0"/>
-              </a:rPr>
-              <a:t> </a:t>
-            </a:r>
-            <a:r>
-              <a:rPr lang="en-US" sz="2800" dirty="0" err="1">
-                <a:latin typeface="Bahnschrift SemiBold" panose="020B0502040204020203" pitchFamily="34" charset="0"/>
-              </a:rPr>
-              <a:t>označeni</a:t>
-            </a:r>
-            <a:r>
-              <a:rPr lang="en-US" sz="2800" dirty="0">
-                <a:latin typeface="Bahnschrift SemiBold" panose="020B0502040204020203" pitchFamily="34" charset="0"/>
-              </a:rPr>
-              <a:t> </a:t>
-            </a:r>
-            <a:r>
-              <a:rPr lang="en-US" sz="2800" dirty="0" err="1">
-                <a:latin typeface="Bahnschrift SemiBold" panose="020B0502040204020203" pitchFamily="34" charset="0"/>
-              </a:rPr>
-              <a:t>sa</a:t>
-            </a:r>
-            <a:r>
-              <a:rPr lang="en-US" sz="2800" dirty="0">
-                <a:latin typeface="Bahnschrift SemiBold" panose="020B0502040204020203" pitchFamily="34" charset="0"/>
-              </a:rPr>
-              <a:t> 1 (</a:t>
-            </a:r>
-            <a:r>
-              <a:rPr lang="en-US" sz="2800" dirty="0" err="1">
-                <a:latin typeface="Bahnschrift SemiBold" panose="020B0502040204020203" pitchFamily="34" charset="0"/>
-              </a:rPr>
-              <a:t>beli</a:t>
-            </a:r>
-            <a:r>
-              <a:rPr lang="en-US" sz="2800" dirty="0">
-                <a:latin typeface="Bahnschrift SemiBold" panose="020B0502040204020203" pitchFamily="34" charset="0"/>
-              </a:rPr>
-              <a:t> </a:t>
-            </a:r>
-            <a:r>
-              <a:rPr lang="en-US" sz="2800" dirty="0" err="1">
-                <a:latin typeface="Bahnschrift SemiBold" panose="020B0502040204020203" pitchFamily="34" charset="0"/>
-              </a:rPr>
-              <a:t>pikseli</a:t>
-            </a:r>
-            <a:r>
-              <a:rPr lang="en-US" sz="2800" dirty="0">
-                <a:latin typeface="Bahnschrift SemiBold" panose="020B0502040204020203" pitchFamily="34" charset="0"/>
-              </a:rPr>
-              <a:t>), a </a:t>
-            </a:r>
-            <a:r>
-              <a:rPr lang="en-US" sz="2800" dirty="0" err="1">
-                <a:latin typeface="Bahnschrift SemiBold" panose="020B0502040204020203" pitchFamily="34" charset="0"/>
-              </a:rPr>
-              <a:t>ostali</a:t>
-            </a:r>
-            <a:r>
-              <a:rPr lang="en-US" sz="2800" dirty="0">
-                <a:latin typeface="Bahnschrift SemiBold" panose="020B0502040204020203" pitchFamily="34" charset="0"/>
-              </a:rPr>
-              <a:t> </a:t>
-            </a:r>
-            <a:r>
-              <a:rPr lang="en-US" sz="2800" dirty="0" err="1">
-                <a:latin typeface="Bahnschrift SemiBold" panose="020B0502040204020203" pitchFamily="34" charset="0"/>
-              </a:rPr>
-              <a:t>pikseli</a:t>
-            </a:r>
-            <a:r>
-              <a:rPr lang="en-US" sz="2800" dirty="0">
-                <a:latin typeface="Bahnschrift SemiBold" panose="020B0502040204020203" pitchFamily="34" charset="0"/>
-              </a:rPr>
-              <a:t> </a:t>
-            </a:r>
-            <a:r>
-              <a:rPr lang="en-US" sz="2800" dirty="0" err="1">
-                <a:latin typeface="Bahnschrift SemiBold" panose="020B0502040204020203" pitchFamily="34" charset="0"/>
-              </a:rPr>
-              <a:t>sa</a:t>
-            </a:r>
-            <a:r>
-              <a:rPr lang="en-US" sz="2800" dirty="0">
-                <a:latin typeface="Bahnschrift SemiBold" panose="020B0502040204020203" pitchFamily="34" charset="0"/>
-              </a:rPr>
-              <a:t> 0 (</a:t>
-            </a:r>
-            <a:r>
-              <a:rPr lang="en-US" sz="2800" dirty="0" err="1">
-                <a:latin typeface="Bahnschrift SemiBold" panose="020B0502040204020203" pitchFamily="34" charset="0"/>
-              </a:rPr>
-              <a:t>crni</a:t>
-            </a:r>
-            <a:r>
-              <a:rPr lang="en-US" sz="2800" dirty="0">
-                <a:latin typeface="Bahnschrift SemiBold" panose="020B0502040204020203" pitchFamily="34" charset="0"/>
-              </a:rPr>
-              <a:t> </a:t>
-            </a:r>
-            <a:r>
-              <a:rPr lang="en-US" sz="2800" dirty="0" err="1">
-                <a:latin typeface="Bahnschrift SemiBold" panose="020B0502040204020203" pitchFamily="34" charset="0"/>
-              </a:rPr>
-              <a:t>pikseli</a:t>
-            </a:r>
-            <a:r>
-              <a:rPr lang="en-US" sz="2800" dirty="0">
-                <a:latin typeface="Bahnschrift SemiBold" panose="020B0502040204020203" pitchFamily="34" charset="0"/>
-              </a:rPr>
-              <a:t>).</a:t>
+              <a:t>?</a:t>
             </a:r>
           </a:p>
         </p:txBody>
@@ -7766,7 +7207,7 @@
         </p:nvSpPr>
         <p:spPr>
           <a:xfrm>
-            <a:off x="386166" y="2268621"/>
+            <a:off x="386166" y="4471047"/>
             <a:ext cx="6033488" cy="2031325"/>
           </a:xfrm>
           <a:prstGeom prst="rect">
@@ -7786,9 +7227,12 @@
               </a:rPr>
               <a:t>Parametri</a:t>
             </a:r>
-            <a:endParaRPr lang="en-US" dirty="0">
-              <a:latin typeface="Bahnschrift SemiBold" panose="020B0502040204020203" pitchFamily="34" charset="0"/>
-            </a:endParaRPr>
+            <a:r>
+              <a:rPr lang="en-US" dirty="0">
+                <a:latin typeface="Bahnschrift SemiBold" panose="020B0502040204020203" pitchFamily="34" charset="0"/>
+              </a:rPr>
+              <a:t>:</a:t>
+            </a:r>
           </a:p>
           <a:p>
             <a:r>
@@ -9325,7 +8769,7 @@
         <p:spPr>
           <a:xfrm>
             <a:off x="5868139" y="1120676"/>
-            <a:ext cx="5688544" cy="2677656"/>
+            <a:ext cx="5688544" cy="2246769"/>
           </a:xfrm>
           <a:prstGeom prst="rect">
             <a:avLst/>
@@ -9363,259 +8807,36 @@
               <a:rPr lang="en-US" sz="2800" dirty="0">
                 <a:latin typeface="Bahnschrift SemiBold" panose="020B0502040204020203" pitchFamily="34" charset="0"/>
               </a:rPr>
-              <a:t> </a:t>
-            </a:r>
-            <a:r>
-              <a:rPr lang="en-US" sz="2800" dirty="0" err="1">
-                <a:latin typeface="Bahnschrift SemiBold" panose="020B0502040204020203" pitchFamily="34" charset="0"/>
-              </a:rPr>
-              <a:t>koristi</a:t>
+              <a:t>.</a:t>
+            </a:r>
+          </a:p>
+          <a:p>
+            <a:endParaRPr lang="en-US" sz="2800" dirty="0">
+              <a:latin typeface="Bahnschrift SemiBold" panose="020B0502040204020203" pitchFamily="34" charset="0"/>
+            </a:endParaRPr>
+          </a:p>
+          <a:p>
+            <a:endParaRPr lang="en-US" sz="2800" dirty="0">
+              <a:latin typeface="Bahnschrift SemiBold" panose="020B0502040204020203" pitchFamily="34" charset="0"/>
+            </a:endParaRPr>
+          </a:p>
+          <a:p>
+            <a:endParaRPr lang="en-US" sz="2800" dirty="0">
+              <a:latin typeface="Bahnschrift SemiBold" panose="020B0502040204020203" pitchFamily="34" charset="0"/>
+            </a:endParaRPr>
+          </a:p>
+          <a:p>
+            <a:r>
+              <a:rPr lang="sr-Latn-ME" sz="2800" dirty="0">
+                <a:latin typeface="Bahnschrift SemiBold" panose="020B0502040204020203" pitchFamily="34" charset="0"/>
+              </a:rPr>
+              <a:t>Šta je dilatacija</a:t>
             </a:r>
             <a:r>
               <a:rPr lang="en-US" sz="2800" dirty="0">
                 <a:latin typeface="Bahnschrift SemiBold" panose="020B0502040204020203" pitchFamily="34" charset="0"/>
               </a:rPr>
-              <a:t> se za </a:t>
-            </a:r>
-            <a:r>
-              <a:rPr lang="en-US" sz="2800" dirty="0" err="1">
-                <a:latin typeface="Bahnschrift SemiBold" panose="020B0502040204020203" pitchFamily="34" charset="0"/>
-              </a:rPr>
-              <a:t>dilataciju</a:t>
-            </a:r>
-            <a:r>
-              <a:rPr lang="en-US" sz="2800" dirty="0">
-                <a:latin typeface="Bahnschrift SemiBold" panose="020B0502040204020203" pitchFamily="34" charset="0"/>
-              </a:rPr>
-              <a:t> </a:t>
-            </a:r>
-            <a:r>
-              <a:rPr lang="en-US" sz="2800" dirty="0" err="1">
-                <a:latin typeface="Bahnschrift SemiBold" panose="020B0502040204020203" pitchFamily="34" charset="0"/>
-              </a:rPr>
-              <a:t>binarne</a:t>
-            </a:r>
-            <a:r>
-              <a:rPr lang="en-US" sz="2800" dirty="0">
-                <a:latin typeface="Bahnschrift SemiBold" panose="020B0502040204020203" pitchFamily="34" charset="0"/>
-              </a:rPr>
-              <a:t> </a:t>
-            </a:r>
-            <a:r>
-              <a:rPr lang="en-US" sz="2800" dirty="0" err="1">
-                <a:latin typeface="Bahnschrift SemiBold" panose="020B0502040204020203" pitchFamily="34" charset="0"/>
-              </a:rPr>
-              <a:t>slike</a:t>
-            </a:r>
-            <a:r>
-              <a:rPr lang="en-US" sz="2800" dirty="0">
-                <a:latin typeface="Bahnschrift SemiBold" panose="020B0502040204020203" pitchFamily="34" charset="0"/>
-              </a:rPr>
-              <a:t> </a:t>
-            </a:r>
-            <a:r>
-              <a:rPr lang="en-US" sz="2800" dirty="0" err="1">
-                <a:latin typeface="Bahnschrift SemiBold" panose="020B0502040204020203" pitchFamily="34" charset="0"/>
-              </a:rPr>
-              <a:t>koristeći</a:t>
-            </a:r>
-            <a:r>
-              <a:rPr lang="en-US" sz="2800" dirty="0">
-                <a:latin typeface="Bahnschrift SemiBold" panose="020B0502040204020203" pitchFamily="34" charset="0"/>
-              </a:rPr>
-              <a:t> </a:t>
-            </a:r>
-            <a:r>
-              <a:rPr lang="en-US" sz="2800" dirty="0" err="1">
-                <a:latin typeface="Bahnschrift SemiBold" panose="020B0502040204020203" pitchFamily="34" charset="0"/>
-              </a:rPr>
-              <a:t>određeni</a:t>
-            </a:r>
-            <a:r>
-              <a:rPr lang="en-US" sz="2800" dirty="0">
-                <a:latin typeface="Bahnschrift SemiBold" panose="020B0502040204020203" pitchFamily="34" charset="0"/>
-              </a:rPr>
-              <a:t> </a:t>
-            </a:r>
-            <a:r>
-              <a:rPr lang="en-US" sz="2800" dirty="0" err="1">
-                <a:latin typeface="Bahnschrift SemiBold" panose="020B0502040204020203" pitchFamily="34" charset="0"/>
-              </a:rPr>
-              <a:t>strukturni</a:t>
-            </a:r>
-            <a:r>
-              <a:rPr lang="en-US" sz="2800" dirty="0">
-                <a:latin typeface="Bahnschrift SemiBold" panose="020B0502040204020203" pitchFamily="34" charset="0"/>
-              </a:rPr>
-              <a:t> element. </a:t>
-            </a:r>
-            <a:r>
-              <a:rPr lang="en-US" sz="2800" dirty="0" err="1">
-                <a:latin typeface="Bahnschrift SemiBold" panose="020B0502040204020203" pitchFamily="34" charset="0"/>
-              </a:rPr>
-              <a:t>Dilatacija</a:t>
-            </a:r>
-            <a:r>
-              <a:rPr lang="en-US" sz="2800" dirty="0">
-                <a:latin typeface="Bahnschrift SemiBold" panose="020B0502040204020203" pitchFamily="34" charset="0"/>
-              </a:rPr>
-              <a:t> je </a:t>
-            </a:r>
-            <a:r>
-              <a:rPr lang="en-US" sz="2800" dirty="0" err="1">
-                <a:latin typeface="Bahnschrift SemiBold" panose="020B0502040204020203" pitchFamily="34" charset="0"/>
-              </a:rPr>
-              <a:t>morfološka</a:t>
-            </a:r>
-            <a:r>
-              <a:rPr lang="en-US" sz="2800" dirty="0">
-                <a:latin typeface="Bahnschrift SemiBold" panose="020B0502040204020203" pitchFamily="34" charset="0"/>
-              </a:rPr>
-              <a:t> </a:t>
-            </a:r>
-            <a:r>
-              <a:rPr lang="en-US" sz="2800" dirty="0" err="1">
-                <a:latin typeface="Bahnschrift SemiBold" panose="020B0502040204020203" pitchFamily="34" charset="0"/>
-              </a:rPr>
-              <a:t>operacija</a:t>
-            </a:r>
-            <a:r>
-              <a:rPr lang="en-US" sz="2800" dirty="0">
-                <a:latin typeface="Bahnschrift SemiBold" panose="020B0502040204020203" pitchFamily="34" charset="0"/>
-              </a:rPr>
-              <a:t> </a:t>
-            </a:r>
-            <a:r>
-              <a:rPr lang="en-US" sz="2800" dirty="0" err="1">
-                <a:latin typeface="Bahnschrift SemiBold" panose="020B0502040204020203" pitchFamily="34" charset="0"/>
-              </a:rPr>
-              <a:t>koja</a:t>
-            </a:r>
-            <a:r>
-              <a:rPr lang="en-US" sz="2800" dirty="0">
-                <a:latin typeface="Bahnschrift SemiBold" panose="020B0502040204020203" pitchFamily="34" charset="0"/>
-              </a:rPr>
-              <a:t> </a:t>
-            </a:r>
-            <a:r>
-              <a:rPr lang="en-US" sz="2800" dirty="0" err="1">
-                <a:solidFill>
-                  <a:srgbClr val="FF0000"/>
-                </a:solidFill>
-                <a:latin typeface="Bahnschrift SemiBold" panose="020B0502040204020203" pitchFamily="34" charset="0"/>
-              </a:rPr>
-              <a:t>proširuje</a:t>
-            </a:r>
-            <a:r>
-              <a:rPr lang="en-US" sz="2800" dirty="0">
-                <a:solidFill>
-                  <a:srgbClr val="FF0000"/>
-                </a:solidFill>
-                <a:latin typeface="Bahnschrift SemiBold" panose="020B0502040204020203" pitchFamily="34" charset="0"/>
-              </a:rPr>
-              <a:t> </a:t>
-            </a:r>
-            <a:r>
-              <a:rPr lang="en-US" sz="2800" dirty="0" err="1">
-                <a:solidFill>
-                  <a:srgbClr val="FF0000"/>
-                </a:solidFill>
-                <a:latin typeface="Bahnschrift SemiBold" panose="020B0502040204020203" pitchFamily="34" charset="0"/>
-              </a:rPr>
-              <a:t>bele</a:t>
-            </a:r>
-            <a:r>
-              <a:rPr lang="en-US" sz="2800" dirty="0">
-                <a:solidFill>
-                  <a:srgbClr val="FF0000"/>
-                </a:solidFill>
-                <a:latin typeface="Bahnschrift SemiBold" panose="020B0502040204020203" pitchFamily="34" charset="0"/>
-              </a:rPr>
-              <a:t> </a:t>
-            </a:r>
-            <a:r>
-              <a:rPr lang="en-US" sz="2800" dirty="0" err="1">
-                <a:solidFill>
-                  <a:srgbClr val="FF0000"/>
-                </a:solidFill>
-                <a:latin typeface="Bahnschrift SemiBold" panose="020B0502040204020203" pitchFamily="34" charset="0"/>
-              </a:rPr>
-              <a:t>regione</a:t>
-            </a:r>
-            <a:r>
-              <a:rPr lang="en-US" sz="2800" dirty="0">
-                <a:solidFill>
-                  <a:srgbClr val="FF0000"/>
-                </a:solidFill>
-                <a:latin typeface="Bahnschrift SemiBold" panose="020B0502040204020203" pitchFamily="34" charset="0"/>
-              </a:rPr>
-              <a:t> </a:t>
-            </a:r>
-            <a:r>
-              <a:rPr lang="en-US" sz="2800" dirty="0">
-                <a:latin typeface="Bahnschrift SemiBold" panose="020B0502040204020203" pitchFamily="34" charset="0"/>
-              </a:rPr>
-              <a:t>(</a:t>
-            </a:r>
-            <a:r>
-              <a:rPr lang="en-US" sz="2800" dirty="0" err="1">
-                <a:latin typeface="Bahnschrift SemiBold" panose="020B0502040204020203" pitchFamily="34" charset="0"/>
-              </a:rPr>
-              <a:t>piksele</a:t>
-            </a:r>
-            <a:r>
-              <a:rPr lang="en-US" sz="2800" dirty="0">
-                <a:latin typeface="Bahnschrift SemiBold" panose="020B0502040204020203" pitchFamily="34" charset="0"/>
-              </a:rPr>
-              <a:t> </a:t>
-            </a:r>
-            <a:r>
-              <a:rPr lang="en-US" sz="2800" dirty="0" err="1">
-                <a:latin typeface="Bahnschrift SemiBold" panose="020B0502040204020203" pitchFamily="34" charset="0"/>
-              </a:rPr>
-              <a:t>sa</a:t>
-            </a:r>
-            <a:r>
-              <a:rPr lang="en-US" sz="2800" dirty="0">
-                <a:latin typeface="Bahnschrift SemiBold" panose="020B0502040204020203" pitchFamily="34" charset="0"/>
-              </a:rPr>
-              <a:t> </a:t>
-            </a:r>
-            <a:r>
-              <a:rPr lang="en-US" sz="2800" dirty="0" err="1">
-                <a:latin typeface="Bahnschrift SemiBold" panose="020B0502040204020203" pitchFamily="34" charset="0"/>
-              </a:rPr>
-              <a:t>vrednošću</a:t>
-            </a:r>
-            <a:r>
-              <a:rPr lang="en-US" sz="2800" dirty="0">
-                <a:latin typeface="Bahnschrift SemiBold" panose="020B0502040204020203" pitchFamily="34" charset="0"/>
-              </a:rPr>
-              <a:t> 1) </a:t>
-            </a:r>
-            <a:r>
-              <a:rPr lang="en-US" sz="2800" dirty="0" err="1">
-                <a:latin typeface="Bahnschrift SemiBold" panose="020B0502040204020203" pitchFamily="34" charset="0"/>
-              </a:rPr>
-              <a:t>na</a:t>
-            </a:r>
-            <a:r>
-              <a:rPr lang="en-US" sz="2800" dirty="0">
-                <a:latin typeface="Bahnschrift SemiBold" panose="020B0502040204020203" pitchFamily="34" charset="0"/>
-              </a:rPr>
-              <a:t> </a:t>
-            </a:r>
-            <a:r>
-              <a:rPr lang="en-US" sz="2800" dirty="0" err="1">
-                <a:latin typeface="Bahnschrift SemiBold" panose="020B0502040204020203" pitchFamily="34" charset="0"/>
-              </a:rPr>
-              <a:t>slici</a:t>
-            </a:r>
-            <a:r>
-              <a:rPr lang="en-US" sz="2800" dirty="0">
-                <a:latin typeface="Bahnschrift SemiBold" panose="020B0502040204020203" pitchFamily="34" charset="0"/>
-              </a:rPr>
-              <a:t>.</a:t>
+              <a:t>?</a:t>
             </a:r>
           </a:p>
         </p:txBody>
@@ -9634,8 +8855,8 @@
         </p:nvSpPr>
         <p:spPr>
           <a:xfrm>
-            <a:off x="88603" y="3936137"/>
-            <a:ext cx="12014791" cy="2677656"/>
+            <a:off x="88603" y="5166765"/>
+            <a:ext cx="12014791" cy="1200329"/>
           </a:xfrm>
           <a:prstGeom prst="rect">
             <a:avLst/>
@@ -9804,394 +9025,6 @@
                 <a:latin typeface="Bahnschrift SemiBold" panose="020B0502040204020203" pitchFamily="34" charset="0"/>
               </a:rPr>
               <a:t>dilatacije</a:t>
-            </a:r>
-            <a:r>
-              <a:rPr lang="en-US" sz="2400" dirty="0">
-                <a:latin typeface="Bahnschrift SemiBold" panose="020B0502040204020203" pitchFamily="34" charset="0"/>
-              </a:rPr>
-              <a:t>.</a:t>
-            </a:r>
-          </a:p>
-          <a:p>
-            <a:r>
-              <a:rPr lang="en-US" sz="2400" dirty="0" err="1">
-                <a:latin typeface="Bahnschrift SemiBold" panose="020B0502040204020203" pitchFamily="34" charset="0"/>
-              </a:rPr>
-              <a:t>Opis</a:t>
-            </a:r>
-            <a:endParaRPr lang="en-US" sz="2400" dirty="0">
-              <a:latin typeface="Bahnschrift SemiBold" panose="020B0502040204020203" pitchFamily="34" charset="0"/>
-            </a:endParaRPr>
-          </a:p>
-          <a:p>
-            <a:r>
-              <a:rPr lang="en-US" sz="2400" dirty="0" err="1">
-                <a:latin typeface="Bahnschrift SemiBold" panose="020B0502040204020203" pitchFamily="34" charset="0"/>
-              </a:rPr>
-              <a:t>Funkcija</a:t>
-            </a:r>
-            <a:r>
-              <a:rPr lang="en-US" sz="2400" dirty="0">
-                <a:latin typeface="Bahnschrift SemiBold" panose="020B0502040204020203" pitchFamily="34" charset="0"/>
-              </a:rPr>
-              <a:t> </a:t>
-            </a:r>
-            <a:r>
-              <a:rPr lang="en-US" sz="2400" dirty="0" err="1">
-                <a:solidFill>
-                  <a:srgbClr val="FF0000"/>
-                </a:solidFill>
-                <a:latin typeface="Bahnschrift SemiBold" panose="020B0502040204020203" pitchFamily="34" charset="0"/>
-              </a:rPr>
-              <a:t>imdilate</a:t>
-            </a:r>
-            <a:r>
-              <a:rPr lang="en-US" sz="2400" dirty="0">
-                <a:latin typeface="Bahnschrift SemiBold" panose="020B0502040204020203" pitchFamily="34" charset="0"/>
-              </a:rPr>
-              <a:t> </a:t>
-            </a:r>
-            <a:r>
-              <a:rPr lang="en-US" sz="2400" dirty="0" err="1">
-                <a:latin typeface="Bahnschrift SemiBold" panose="020B0502040204020203" pitchFamily="34" charset="0"/>
-              </a:rPr>
-              <a:t>proširuje</a:t>
-            </a:r>
-            <a:r>
-              <a:rPr lang="en-US" sz="2400" dirty="0">
-                <a:latin typeface="Bahnschrift SemiBold" panose="020B0502040204020203" pitchFamily="34" charset="0"/>
-              </a:rPr>
-              <a:t> </a:t>
-            </a:r>
-            <a:r>
-              <a:rPr lang="en-US" sz="2400" dirty="0" err="1">
-                <a:latin typeface="Bahnschrift SemiBold" panose="020B0502040204020203" pitchFamily="34" charset="0"/>
-              </a:rPr>
-              <a:t>bele</a:t>
-            </a:r>
-            <a:r>
-              <a:rPr lang="en-US" sz="2400" dirty="0">
-                <a:latin typeface="Bahnschrift SemiBold" panose="020B0502040204020203" pitchFamily="34" charset="0"/>
-              </a:rPr>
-              <a:t> </a:t>
-            </a:r>
-            <a:r>
-              <a:rPr lang="en-US" sz="2400" dirty="0" err="1">
-                <a:latin typeface="Bahnschrift SemiBold" panose="020B0502040204020203" pitchFamily="34" charset="0"/>
-              </a:rPr>
-              <a:t>piksele</a:t>
-            </a:r>
-            <a:r>
-              <a:rPr lang="en-US" sz="2400" dirty="0">
-                <a:latin typeface="Bahnschrift SemiBold" panose="020B0502040204020203" pitchFamily="34" charset="0"/>
-              </a:rPr>
-              <a:t> </a:t>
-            </a:r>
-            <a:r>
-              <a:rPr lang="en-US" sz="2400" dirty="0" err="1">
-                <a:latin typeface="Bahnschrift SemiBold" panose="020B0502040204020203" pitchFamily="34" charset="0"/>
-              </a:rPr>
-              <a:t>na</a:t>
-            </a:r>
-            <a:r>
-              <a:rPr lang="en-US" sz="2400" dirty="0">
-                <a:latin typeface="Bahnschrift SemiBold" panose="020B0502040204020203" pitchFamily="34" charset="0"/>
-              </a:rPr>
-              <a:t> </a:t>
-            </a:r>
-            <a:r>
-              <a:rPr lang="en-US" sz="2400" dirty="0" err="1">
-                <a:latin typeface="Bahnschrift SemiBold" panose="020B0502040204020203" pitchFamily="34" charset="0"/>
-              </a:rPr>
-              <a:t>slici</a:t>
-            </a:r>
-            <a:r>
-              <a:rPr lang="en-US" sz="2400" dirty="0">
-                <a:latin typeface="Bahnschrift SemiBold" panose="020B0502040204020203" pitchFamily="34" charset="0"/>
-              </a:rPr>
-              <a:t> edges </a:t>
-            </a:r>
-            <a:r>
-              <a:rPr lang="en-US" sz="2400" dirty="0" err="1">
-                <a:latin typeface="Bahnschrift SemiBold" panose="020B0502040204020203" pitchFamily="34" charset="0"/>
-              </a:rPr>
-              <a:t>koristeći</a:t>
-            </a:r>
-            <a:r>
-              <a:rPr lang="en-US" sz="2400" dirty="0">
-                <a:latin typeface="Bahnschrift SemiBold" panose="020B0502040204020203" pitchFamily="34" charset="0"/>
-              </a:rPr>
-              <a:t> </a:t>
-            </a:r>
-            <a:r>
-              <a:rPr lang="en-US" sz="2400" dirty="0" err="1">
-                <a:latin typeface="Bahnschrift SemiBold" panose="020B0502040204020203" pitchFamily="34" charset="0"/>
-              </a:rPr>
-              <a:t>prav</a:t>
-            </a:r>
-            <a:r>
-              <a:rPr lang="en-US" sz="2400" dirty="0" err="1">
-                <a:solidFill>
-                  <a:srgbClr val="FF0000"/>
-                </a:solidFill>
-                <a:latin typeface="Bahnschrift SemiBold" panose="020B0502040204020203" pitchFamily="34" charset="0"/>
-              </a:rPr>
-              <a:t>ougaoni</a:t>
-            </a:r>
-            <a:r>
-              <a:rPr lang="en-US" sz="2400" dirty="0">
-                <a:solidFill>
-                  <a:srgbClr val="FF0000"/>
-                </a:solidFill>
-                <a:latin typeface="Bahnschrift SemiBold" panose="020B0502040204020203" pitchFamily="34" charset="0"/>
-              </a:rPr>
-              <a:t> </a:t>
-            </a:r>
-            <a:r>
-              <a:rPr lang="en-US" sz="2400" dirty="0" err="1">
-                <a:solidFill>
-                  <a:srgbClr val="FF0000"/>
-                </a:solidFill>
-                <a:latin typeface="Bahnschrift SemiBold" panose="020B0502040204020203" pitchFamily="34" charset="0"/>
-              </a:rPr>
-              <a:t>strukturni</a:t>
-            </a:r>
-            <a:r>
-              <a:rPr lang="en-US" sz="2400" dirty="0">
-                <a:solidFill>
-                  <a:srgbClr val="FF0000"/>
-                </a:solidFill>
-                <a:latin typeface="Bahnschrift SemiBold" panose="020B0502040204020203" pitchFamily="34" charset="0"/>
-              </a:rPr>
-              <a:t> element se</a:t>
-            </a:r>
-            <a:r>
-              <a:rPr lang="en-US" sz="2400" dirty="0">
-                <a:latin typeface="Bahnschrift SemiBold" panose="020B0502040204020203" pitchFamily="34" charset="0"/>
-              </a:rPr>
-              <a:t>. Ovo </a:t>
-            </a:r>
-            <a:r>
-              <a:rPr lang="en-US" sz="2400" dirty="0" err="1">
-                <a:latin typeface="Bahnschrift SemiBold" panose="020B0502040204020203" pitchFamily="34" charset="0"/>
-              </a:rPr>
-              <a:t>pomaže</a:t>
-            </a:r>
-            <a:r>
-              <a:rPr lang="en-US" sz="2400" dirty="0">
-                <a:latin typeface="Bahnschrift SemiBold" panose="020B0502040204020203" pitchFamily="34" charset="0"/>
-              </a:rPr>
-              <a:t> u </a:t>
-            </a:r>
-            <a:r>
-              <a:rPr lang="en-US" sz="2400" dirty="0" err="1">
-                <a:latin typeface="Bahnschrift SemiBold" panose="020B0502040204020203" pitchFamily="34" charset="0"/>
-              </a:rPr>
-              <a:t>zatvaranju</a:t>
-            </a:r>
-            <a:r>
-              <a:rPr lang="en-US" sz="2400" dirty="0">
-                <a:latin typeface="Bahnschrift SemiBold" panose="020B0502040204020203" pitchFamily="34" charset="0"/>
-              </a:rPr>
-              <a:t> </a:t>
-            </a:r>
-            <a:r>
-              <a:rPr lang="en-US" sz="2400" dirty="0" err="1">
-                <a:latin typeface="Bahnschrift SemiBold" panose="020B0502040204020203" pitchFamily="34" charset="0"/>
-              </a:rPr>
-              <a:t>praznina</a:t>
-            </a:r>
-            <a:r>
-              <a:rPr lang="en-US" sz="2400" dirty="0">
-                <a:latin typeface="Bahnschrift SemiBold" panose="020B0502040204020203" pitchFamily="34" charset="0"/>
-              </a:rPr>
-              <a:t> </a:t>
-            </a:r>
-            <a:r>
-              <a:rPr lang="en-US" sz="2400" dirty="0" err="1">
-                <a:latin typeface="Bahnschrift SemiBold" panose="020B0502040204020203" pitchFamily="34" charset="0"/>
-              </a:rPr>
-              <a:t>između</a:t>
-            </a:r>
-            <a:r>
-              <a:rPr lang="en-US" sz="2400" dirty="0">
-                <a:latin typeface="Bahnschrift SemiBold" panose="020B0502040204020203" pitchFamily="34" charset="0"/>
-              </a:rPr>
-              <a:t> </a:t>
-            </a:r>
-            <a:r>
-              <a:rPr lang="en-US" sz="2400" dirty="0" err="1">
-                <a:latin typeface="Bahnschrift SemiBold" panose="020B0502040204020203" pitchFamily="34" charset="0"/>
-              </a:rPr>
-              <a:t>delova</a:t>
-            </a:r>
-            <a:r>
-              <a:rPr lang="en-US" sz="2400" dirty="0">
-                <a:latin typeface="Bahnschrift SemiBold" panose="020B0502040204020203" pitchFamily="34" charset="0"/>
-              </a:rPr>
-              <a:t> </a:t>
-            </a:r>
-            <a:r>
-              <a:rPr lang="en-US" sz="2400" dirty="0" err="1">
-                <a:latin typeface="Bahnschrift SemiBold" panose="020B0502040204020203" pitchFamily="34" charset="0"/>
-              </a:rPr>
-              <a:t>ivica</a:t>
-            </a:r>
-            <a:r>
-              <a:rPr lang="en-US" sz="2400" dirty="0">
-                <a:latin typeface="Bahnschrift SemiBold" panose="020B0502040204020203" pitchFamily="34" charset="0"/>
-              </a:rPr>
-              <a:t>, </a:t>
-            </a:r>
-            <a:r>
-              <a:rPr lang="en-US" sz="2400" dirty="0" err="1">
-                <a:latin typeface="Bahnschrift SemiBold" panose="020B0502040204020203" pitchFamily="34" charset="0"/>
-              </a:rPr>
-              <a:t>što</a:t>
-            </a:r>
-            <a:r>
-              <a:rPr lang="en-US" sz="2400" dirty="0">
-                <a:latin typeface="Bahnschrift SemiBold" panose="020B0502040204020203" pitchFamily="34" charset="0"/>
-              </a:rPr>
-              <a:t> </a:t>
-            </a:r>
-            <a:r>
-              <a:rPr lang="en-US" sz="2400" dirty="0" err="1">
-                <a:latin typeface="Bahnschrift SemiBold" panose="020B0502040204020203" pitchFamily="34" charset="0"/>
-              </a:rPr>
-              <a:t>može</a:t>
-            </a:r>
-            <a:r>
-              <a:rPr lang="en-US" sz="2400" dirty="0">
-                <a:latin typeface="Bahnschrift SemiBold" panose="020B0502040204020203" pitchFamily="34" charset="0"/>
-              </a:rPr>
-              <a:t> </a:t>
-            </a:r>
-            <a:r>
-              <a:rPr lang="en-US" sz="2400" dirty="0" err="1">
-                <a:latin typeface="Bahnschrift SemiBold" panose="020B0502040204020203" pitchFamily="34" charset="0"/>
-              </a:rPr>
-              <a:t>biti</a:t>
-            </a:r>
-            <a:r>
-              <a:rPr lang="en-US" sz="2400" dirty="0">
-                <a:latin typeface="Bahnschrift SemiBold" panose="020B0502040204020203" pitchFamily="34" charset="0"/>
-              </a:rPr>
-              <a:t> </a:t>
-            </a:r>
-            <a:r>
-              <a:rPr lang="en-US" sz="2400" dirty="0" err="1">
-                <a:latin typeface="Bahnschrift SemiBold" panose="020B0502040204020203" pitchFamily="34" charset="0"/>
-              </a:rPr>
-              <a:t>korisno</a:t>
-            </a:r>
-            <a:r>
-              <a:rPr lang="en-US" sz="2400" dirty="0">
-                <a:latin typeface="Bahnschrift SemiBold" panose="020B0502040204020203" pitchFamily="34" charset="0"/>
-              </a:rPr>
-              <a:t> za </a:t>
-            </a:r>
-            <a:r>
-              <a:rPr lang="en-US" sz="2400" dirty="0" err="1">
-                <a:latin typeface="Bahnschrift SemiBold" panose="020B0502040204020203" pitchFamily="34" charset="0"/>
-              </a:rPr>
-              <a:t>naknadnu</a:t>
-            </a:r>
-            <a:r>
-              <a:rPr lang="en-US" sz="2400" dirty="0">
-                <a:latin typeface="Bahnschrift SemiBold" panose="020B0502040204020203" pitchFamily="34" charset="0"/>
-              </a:rPr>
-              <a:t> </a:t>
-            </a:r>
-            <a:r>
-              <a:rPr lang="en-US" sz="2400" dirty="0" err="1">
-                <a:latin typeface="Bahnschrift SemiBold" panose="020B0502040204020203" pitchFamily="34" charset="0"/>
-              </a:rPr>
-              <a:t>obradu</a:t>
-            </a:r>
-            <a:r>
-              <a:rPr lang="en-US" sz="2400" dirty="0">
-                <a:latin typeface="Bahnschrift SemiBold" panose="020B0502040204020203" pitchFamily="34" charset="0"/>
-              </a:rPr>
-              <a:t> </a:t>
-            </a:r>
-            <a:r>
-              <a:rPr lang="en-US" sz="2400" dirty="0" err="1">
-                <a:latin typeface="Bahnschrift SemiBold" panose="020B0502040204020203" pitchFamily="34" charset="0"/>
-              </a:rPr>
-              <a:t>slike</a:t>
-            </a:r>
-            <a:r>
-              <a:rPr lang="en-US" sz="2400" dirty="0">
-                <a:latin typeface="Bahnschrift SemiBold" panose="020B0502040204020203" pitchFamily="34" charset="0"/>
-              </a:rPr>
-              <a:t>, </a:t>
-            </a:r>
-            <a:r>
-              <a:rPr lang="en-US" sz="2400" dirty="0" err="1">
-                <a:latin typeface="Bahnschrift SemiBold" panose="020B0502040204020203" pitchFamily="34" charset="0"/>
-              </a:rPr>
-              <a:t>kao</a:t>
-            </a:r>
-            <a:r>
-              <a:rPr lang="en-US" sz="2400" dirty="0">
-                <a:latin typeface="Bahnschrift SemiBold" panose="020B0502040204020203" pitchFamily="34" charset="0"/>
-              </a:rPr>
-              <a:t> </a:t>
-            </a:r>
-            <a:r>
-              <a:rPr lang="en-US" sz="2400" dirty="0" err="1">
-                <a:latin typeface="Bahnschrift SemiBold" panose="020B0502040204020203" pitchFamily="34" charset="0"/>
-              </a:rPr>
-              <a:t>što</a:t>
-            </a:r>
-            <a:r>
-              <a:rPr lang="en-US" sz="2400" dirty="0">
-                <a:latin typeface="Bahnschrift SemiBold" panose="020B0502040204020203" pitchFamily="34" charset="0"/>
-              </a:rPr>
-              <a:t> je </a:t>
-            </a:r>
-            <a:r>
-              <a:rPr lang="en-US" sz="2400" dirty="0" err="1">
-                <a:latin typeface="Bahnschrift SemiBold" panose="020B0502040204020203" pitchFamily="34" charset="0"/>
-              </a:rPr>
-              <a:t>segmentacija</a:t>
-            </a:r>
-            <a:r>
-              <a:rPr lang="en-US" sz="2400" dirty="0">
-                <a:latin typeface="Bahnschrift SemiBold" panose="020B0502040204020203" pitchFamily="34" charset="0"/>
-              </a:rPr>
-              <a:t> </a:t>
-            </a:r>
-            <a:r>
-              <a:rPr lang="en-US" sz="2400" dirty="0" err="1">
-                <a:latin typeface="Bahnschrift SemiBold" panose="020B0502040204020203" pitchFamily="34" charset="0"/>
-              </a:rPr>
-              <a:t>ili</a:t>
-            </a:r>
-            <a:r>
-              <a:rPr lang="en-US" sz="2400" dirty="0">
-                <a:latin typeface="Bahnschrift SemiBold" panose="020B0502040204020203" pitchFamily="34" charset="0"/>
-              </a:rPr>
-              <a:t> </a:t>
-            </a:r>
-            <a:r>
-              <a:rPr lang="en-US" sz="2400" dirty="0" err="1">
-                <a:latin typeface="Bahnschrift SemiBold" panose="020B0502040204020203" pitchFamily="34" charset="0"/>
-              </a:rPr>
-              <a:t>analiza</a:t>
-            </a:r>
-            <a:r>
-              <a:rPr lang="en-US" sz="2400" dirty="0">
-                <a:latin typeface="Bahnschrift SemiBold" panose="020B0502040204020203" pitchFamily="34" charset="0"/>
-              </a:rPr>
-              <a:t> </a:t>
-            </a:r>
-            <a:r>
-              <a:rPr lang="en-US" sz="2400" dirty="0" err="1">
-                <a:latin typeface="Bahnschrift SemiBold" panose="020B0502040204020203" pitchFamily="34" charset="0"/>
-              </a:rPr>
-              <a:t>oblika</a:t>
             </a:r>
             <a:r>
               <a:rPr lang="en-US" sz="2400" dirty="0">
@@ -11637,7 +10470,7 @@
         <p:spPr>
           <a:xfrm>
             <a:off x="204935" y="756867"/>
-            <a:ext cx="11611927" cy="2677656"/>
+            <a:ext cx="11611927" cy="2308324"/>
           </a:xfrm>
           <a:prstGeom prst="rect">
             <a:avLst/>
@@ -11679,30 +10512,22 @@
             </a:endParaRPr>
           </a:p>
           <a:p>
-            <a:r>
-              <a:rPr lang="en-US" sz="2400" dirty="0" err="1">
-                <a:latin typeface="Bahnschrift SemiBold" panose="020B0502040204020203" pitchFamily="34" charset="0"/>
-              </a:rPr>
-              <a:t>Funkcija</a:t>
-            </a:r>
-            <a:r>
-              <a:rPr lang="en-US" sz="2400" dirty="0">
-                <a:latin typeface="Bahnschrift SemiBold" panose="020B0502040204020203" pitchFamily="34" charset="0"/>
-              </a:rPr>
-              <a:t> </a:t>
-            </a:r>
-            <a:r>
-              <a:rPr lang="en-US" sz="2400" dirty="0" err="1">
-                <a:latin typeface="Bahnschrift SemiBold" panose="020B0502040204020203" pitchFamily="34" charset="0"/>
-              </a:rPr>
-              <a:t>bwboundaries</a:t>
-            </a:r>
-            <a:r>
-              <a:rPr lang="en-US" sz="2400" dirty="0">
-                <a:latin typeface="Bahnschrift SemiBold" panose="020B0502040204020203" pitchFamily="34" charset="0"/>
-              </a:rPr>
-              <a:t> </a:t>
-            </a:r>
+            <a:endParaRPr lang="en-US" sz="2400" dirty="0">
+              <a:solidFill>
+                <a:srgbClr val="0070C0"/>
+              </a:solidFill>
+              <a:latin typeface="Bahnschrift SemiBold" panose="020B0502040204020203" pitchFamily="34" charset="0"/>
+            </a:endParaRPr>
+          </a:p>
+          <a:p>
+            <a:endParaRPr lang="en-US" sz="2400" dirty="0">
+              <a:solidFill>
+                <a:srgbClr val="0070C0"/>
+              </a:solidFill>
+              <a:latin typeface="Bahnschrift SemiBold" panose="020B0502040204020203" pitchFamily="34" charset="0"/>
+            </a:endParaRPr>
+          </a:p>
+          <a:p>
             <a:r>
               <a:rPr lang="en-US" sz="2400" dirty="0" err="1">
                 <a:solidFill>
@@ -11710,119 +10535,6 @@
                 </a:solidFill>
                 <a:latin typeface="Bahnschrift SemiBold" panose="020B0502040204020203" pitchFamily="34" charset="0"/>
               </a:rPr>
-              <a:t>pronalazi</a:t>
-            </a:r>
-            <a:r>
-              <a:rPr lang="en-US" sz="2400" dirty="0">
-                <a:solidFill>
-                  <a:srgbClr val="0070C0"/>
-                </a:solidFill>
-                <a:latin typeface="Bahnschrift SemiBold" panose="020B0502040204020203" pitchFamily="34" charset="0"/>
-              </a:rPr>
-              <a:t> </a:t>
-            </a:r>
-            <a:r>
-              <a:rPr lang="en-US" sz="2400" dirty="0" err="1">
-                <a:solidFill>
-                  <a:srgbClr val="0070C0"/>
-                </a:solidFill>
-                <a:latin typeface="Bahnschrift SemiBold" panose="020B0502040204020203" pitchFamily="34" charset="0"/>
-              </a:rPr>
-              <a:t>granice</a:t>
-            </a:r>
-            <a:r>
-              <a:rPr lang="en-US" sz="2400" dirty="0">
-                <a:solidFill>
-                  <a:srgbClr val="0070C0"/>
-                </a:solidFill>
-                <a:latin typeface="Bahnschrift SemiBold" panose="020B0502040204020203" pitchFamily="34" charset="0"/>
-              </a:rPr>
-              <a:t> (</a:t>
-            </a:r>
-            <a:r>
-              <a:rPr lang="en-US" sz="2400" dirty="0" err="1">
-                <a:solidFill>
-                  <a:srgbClr val="0070C0"/>
-                </a:solidFill>
-                <a:latin typeface="Bahnschrift SemiBold" panose="020B0502040204020203" pitchFamily="34" charset="0"/>
-              </a:rPr>
-              <a:t>konture</a:t>
-            </a:r>
-            <a:r>
-              <a:rPr lang="en-US" sz="2400" dirty="0">
-                <a:solidFill>
-                  <a:srgbClr val="0070C0"/>
-                </a:solidFill>
-                <a:latin typeface="Bahnschrift SemiBold" panose="020B0502040204020203" pitchFamily="34" charset="0"/>
-              </a:rPr>
-              <a:t>) </a:t>
-            </a:r>
-            <a:r>
-              <a:rPr lang="en-US" sz="2400" dirty="0" err="1">
-                <a:solidFill>
-                  <a:srgbClr val="0070C0"/>
-                </a:solidFill>
-                <a:latin typeface="Bahnschrift SemiBold" panose="020B0502040204020203" pitchFamily="34" charset="0"/>
-              </a:rPr>
-              <a:t>povezanih</a:t>
-            </a:r>
-            <a:r>
-              <a:rPr lang="en-US" sz="2400" dirty="0">
-                <a:solidFill>
-                  <a:srgbClr val="0070C0"/>
-                </a:solidFill>
-                <a:latin typeface="Bahnschrift SemiBold" panose="020B0502040204020203" pitchFamily="34" charset="0"/>
-              </a:rPr>
-              <a:t> </a:t>
-            </a:r>
-            <a:r>
-              <a:rPr lang="en-US" sz="2400" dirty="0" err="1">
-                <a:solidFill>
-                  <a:srgbClr val="0070C0"/>
-                </a:solidFill>
-                <a:latin typeface="Bahnschrift SemiBold" panose="020B0502040204020203" pitchFamily="34" charset="0"/>
-              </a:rPr>
-              <a:t>komponenti</a:t>
-            </a:r>
-            <a:r>
-              <a:rPr lang="en-US" sz="2400" dirty="0">
-                <a:latin typeface="Bahnschrift SemiBold" panose="020B0502040204020203" pitchFamily="34" charset="0"/>
-              </a:rPr>
-              <a:t> u </a:t>
-            </a:r>
-            <a:r>
-              <a:rPr lang="en-US" sz="2400" dirty="0" err="1">
-                <a:latin typeface="Bahnschrift SemiBold" panose="020B0502040204020203" pitchFamily="34" charset="0"/>
-              </a:rPr>
-              <a:t>binarnoj</a:t>
-            </a:r>
-            <a:r>
-              <a:rPr lang="en-US" sz="2400" dirty="0">
-                <a:latin typeface="Bahnschrift SemiBold" panose="020B0502040204020203" pitchFamily="34" charset="0"/>
-              </a:rPr>
-              <a:t> </a:t>
-            </a:r>
-            <a:r>
-              <a:rPr lang="en-US" sz="2400" dirty="0" err="1">
-                <a:latin typeface="Bahnschrift SemiBold" panose="020B0502040204020203" pitchFamily="34" charset="0"/>
-              </a:rPr>
-              <a:t>slici</a:t>
-            </a:r>
-            <a:r>
-              <a:rPr lang="en-US" sz="2400" dirty="0">
-                <a:latin typeface="Bahnschrift SemiBold" panose="020B0502040204020203" pitchFamily="34" charset="0"/>
-              </a:rPr>
-              <a:t>.</a:t>
-            </a:r>
-          </a:p>
-          <a:p>
-            <a:r>
-              <a:rPr lang="en-US" sz="2400" dirty="0" err="1">
-                <a:solidFill>
-                  <a:srgbClr val="0070C0"/>
-                </a:solidFill>
-                <a:latin typeface="Bahnschrift SemiBold" panose="020B0502040204020203" pitchFamily="34" charset="0"/>
-              </a:rPr>
               <a:t>Parametri</a:t>
             </a:r>
             <a:r>
@@ -11842,72 +10554,9 @@
               </a:rPr>
               <a:t>edgesDilated</a:t>
             </a:r>
-            <a:r>
-              <a:rPr lang="en-US" sz="2400" dirty="0">
-                <a:latin typeface="Bahnschrift SemiBold" panose="020B0502040204020203" pitchFamily="34" charset="0"/>
-              </a:rPr>
-              <a:t>: </a:t>
-            </a:r>
-            <a:r>
-              <a:rPr lang="en-US" sz="2400" dirty="0" err="1">
-                <a:latin typeface="Bahnschrift SemiBold" panose="020B0502040204020203" pitchFamily="34" charset="0"/>
-              </a:rPr>
-              <a:t>Binarna</a:t>
-            </a:r>
-            <a:r>
-              <a:rPr lang="en-US" sz="2400" dirty="0">
-                <a:latin typeface="Bahnschrift SemiBold" panose="020B0502040204020203" pitchFamily="34" charset="0"/>
-              </a:rPr>
-              <a:t> </a:t>
-            </a:r>
-            <a:r>
-              <a:rPr lang="en-US" sz="2400" dirty="0" err="1">
-                <a:latin typeface="Bahnschrift SemiBold" panose="020B0502040204020203" pitchFamily="34" charset="0"/>
-              </a:rPr>
-              <a:t>slika</a:t>
-            </a:r>
-            <a:r>
-              <a:rPr lang="en-US" sz="2400" dirty="0">
-                <a:latin typeface="Bahnschrift SemiBold" panose="020B0502040204020203" pitchFamily="34" charset="0"/>
-              </a:rPr>
-              <a:t> u </a:t>
-            </a:r>
-            <a:r>
-              <a:rPr lang="en-US" sz="2400" dirty="0" err="1">
-                <a:latin typeface="Bahnschrift SemiBold" panose="020B0502040204020203" pitchFamily="34" charset="0"/>
-              </a:rPr>
-              <a:t>kojoj</a:t>
-            </a:r>
-            <a:r>
-              <a:rPr lang="en-US" sz="2400" dirty="0">
-                <a:latin typeface="Bahnschrift SemiBold" panose="020B0502040204020203" pitchFamily="34" charset="0"/>
-              </a:rPr>
-              <a:t> </a:t>
-            </a:r>
-            <a:r>
-              <a:rPr lang="en-US" sz="2400" dirty="0" err="1">
-                <a:latin typeface="Bahnschrift SemiBold" panose="020B0502040204020203" pitchFamily="34" charset="0"/>
-              </a:rPr>
-              <a:t>tražimo</a:t>
-            </a:r>
-            <a:r>
-              <a:rPr lang="en-US" sz="2400" dirty="0">
-                <a:latin typeface="Bahnschrift SemiBold" panose="020B0502040204020203" pitchFamily="34" charset="0"/>
-              </a:rPr>
-              <a:t> </a:t>
-            </a:r>
-            <a:r>
-              <a:rPr lang="en-US" sz="2400" dirty="0" err="1">
-                <a:latin typeface="Bahnschrift SemiBold" panose="020B0502040204020203" pitchFamily="34" charset="0"/>
-              </a:rPr>
-              <a:t>konture</a:t>
-            </a:r>
-            <a:r>
-              <a:rPr lang="en-US" sz="2400" dirty="0">
-                <a:latin typeface="Bahnschrift SemiBold" panose="020B0502040204020203" pitchFamily="34" charset="0"/>
-              </a:rPr>
-              <a:t>.</a:t>
-            </a:r>
+            <a:endParaRPr lang="en-US" sz="2400" dirty="0">
+              <a:latin typeface="Bahnschrift SemiBold" panose="020B0502040204020203" pitchFamily="34" charset="0"/>
+            </a:endParaRPr>
           </a:p>
           <a:p>
             <a:r>
@@ -11930,130 +10579,16 @@
             </a:r>
             <a:r>
               <a:rPr lang="en-US" sz="2400" dirty="0">
-                <a:latin typeface="Bahnschrift SemiBold" panose="020B0502040204020203" pitchFamily="34" charset="0"/>
-              </a:rPr>
-              <a:t>': </a:t>
-            </a:r>
-            <a:r>
-              <a:rPr lang="en-US" sz="2400" dirty="0" err="1">
-                <a:latin typeface="Bahnschrift SemiBold" panose="020B0502040204020203" pitchFamily="34" charset="0"/>
-              </a:rPr>
-              <a:t>Opcija</a:t>
-            </a:r>
-            <a:r>
-              <a:rPr lang="en-US" sz="2400" dirty="0">
-                <a:latin typeface="Bahnschrift SemiBold" panose="020B0502040204020203" pitchFamily="34" charset="0"/>
-              </a:rPr>
-              <a:t> </a:t>
-            </a:r>
-            <a:r>
-              <a:rPr lang="en-US" sz="2400" dirty="0" err="1">
-                <a:latin typeface="Bahnschrift SemiBold" panose="020B0502040204020203" pitchFamily="34" charset="0"/>
-              </a:rPr>
-              <a:t>koja</a:t>
-            </a:r>
-            <a:r>
-              <a:rPr lang="en-US" sz="2400" dirty="0">
-                <a:latin typeface="Bahnschrift SemiBold" panose="020B0502040204020203" pitchFamily="34" charset="0"/>
-              </a:rPr>
-              <a:t> </a:t>
-            </a:r>
-            <a:r>
-              <a:rPr lang="en-US" sz="2400" dirty="0" err="1">
-                <a:latin typeface="Bahnschrift SemiBold" panose="020B0502040204020203" pitchFamily="34" charset="0"/>
-              </a:rPr>
-              <a:t>određuje</a:t>
-            </a:r>
-            <a:r>
-              <a:rPr lang="en-US" sz="2400" dirty="0">
-                <a:latin typeface="Bahnschrift SemiBold" panose="020B0502040204020203" pitchFamily="34" charset="0"/>
-              </a:rPr>
-              <a:t> da se </a:t>
-            </a:r>
-            <a:r>
-              <a:rPr lang="en-US" sz="2400" dirty="0" err="1">
-                <a:latin typeface="Bahnschrift SemiBold" panose="020B0502040204020203" pitchFamily="34" charset="0"/>
-              </a:rPr>
-              <a:t>granice</a:t>
-            </a:r>
-            <a:r>
-              <a:rPr lang="en-US" sz="2400" dirty="0">
-                <a:latin typeface="Bahnschrift SemiBold" panose="020B0502040204020203" pitchFamily="34" charset="0"/>
-              </a:rPr>
-              <a:t> </a:t>
-            </a:r>
-            <a:r>
-              <a:rPr lang="en-US" sz="2400" dirty="0" err="1">
-                <a:latin typeface="Bahnschrift SemiBold" panose="020B0502040204020203" pitchFamily="34" charset="0"/>
-              </a:rPr>
-              <a:t>traže</a:t>
-            </a:r>
-            <a:r>
-              <a:rPr lang="en-US" sz="2400" dirty="0">
-                <a:latin typeface="Bahnschrift SemiBold" panose="020B0502040204020203" pitchFamily="34" charset="0"/>
-              </a:rPr>
-              <a:t> </a:t>
-            </a:r>
-            <a:r>
-              <a:rPr lang="en-US" sz="2400" dirty="0" err="1">
-                <a:latin typeface="Bahnschrift SemiBold" panose="020B0502040204020203" pitchFamily="34" charset="0"/>
-              </a:rPr>
-              <a:t>samo</a:t>
-            </a:r>
-            <a:r>
-              <a:rPr lang="en-US" sz="2400" dirty="0">
-                <a:latin typeface="Bahnschrift SemiBold" panose="020B0502040204020203" pitchFamily="34" charset="0"/>
-              </a:rPr>
-              <a:t> za </a:t>
-            </a:r>
-            <a:r>
-              <a:rPr lang="en-US" sz="2400" dirty="0" err="1">
-                <a:latin typeface="Bahnschrift SemiBold" panose="020B0502040204020203" pitchFamily="34" charset="0"/>
-              </a:rPr>
-              <a:t>spoljašnje</a:t>
-            </a:r>
-            <a:r>
-              <a:rPr lang="en-US" sz="2400" dirty="0">
-                <a:latin typeface="Bahnschrift SemiBold" panose="020B0502040204020203" pitchFamily="34" charset="0"/>
-              </a:rPr>
-              <a:t> </a:t>
-            </a:r>
-            <a:r>
-              <a:rPr lang="en-US" sz="2400" dirty="0" err="1">
-                <a:latin typeface="Bahnschrift SemiBold" panose="020B0502040204020203" pitchFamily="34" charset="0"/>
-              </a:rPr>
-              <a:t>regione</a:t>
-            </a:r>
-            <a:r>
-              <a:rPr lang="en-US" sz="2400" dirty="0">
-                <a:latin typeface="Bahnschrift SemiBold" panose="020B0502040204020203" pitchFamily="34" charset="0"/>
-              </a:rPr>
-              <a:t> (bez </a:t>
-            </a:r>
-            <a:r>
-              <a:rPr lang="en-US" sz="2400" dirty="0" err="1">
-                <a:latin typeface="Bahnschrift SemiBold" panose="020B0502040204020203" pitchFamily="34" charset="0"/>
-              </a:rPr>
-              <a:t>unutrašnjih</a:t>
-            </a:r>
-            <a:r>
-              <a:rPr lang="en-US" sz="2400" dirty="0">
-                <a:latin typeface="Bahnschrift SemiBold" panose="020B0502040204020203" pitchFamily="34" charset="0"/>
-              </a:rPr>
-              <a:t> </a:t>
-            </a:r>
-            <a:r>
-              <a:rPr lang="en-US" sz="2400" dirty="0" err="1">
-                <a:latin typeface="Bahnschrift SemiBold" panose="020B0502040204020203" pitchFamily="34" charset="0"/>
-              </a:rPr>
-              <a:t>rupa</a:t>
-            </a:r>
-            <a:r>
-              <a:rPr lang="en-US" sz="2400" dirty="0">
-                <a:latin typeface="Bahnschrift SemiBold" panose="020B0502040204020203" pitchFamily="34" charset="0"/>
-              </a:rPr>
-              <a:t>).</a:t>
-            </a:r>
+                <a:solidFill>
+                  <a:srgbClr val="FF0000"/>
+                </a:solidFill>
+                <a:latin typeface="Bahnschrift SemiBold" panose="020B0502040204020203" pitchFamily="34" charset="0"/>
+              </a:rPr>
+              <a:t>’</a:t>
+            </a:r>
+            <a:endParaRPr lang="en-US" sz="2400" dirty="0">
+              <a:latin typeface="Bahnschrift SemiBold" panose="020B0502040204020203" pitchFamily="34" charset="0"/>
+            </a:endParaRPr>
           </a:p>
         </p:txBody>
       </p:sp>
@@ -13789,7 +12324,7 @@
         <p:spPr>
           <a:xfrm>
             <a:off x="334981" y="827618"/>
-            <a:ext cx="11266312" cy="3046988"/>
+            <a:ext cx="11266312" cy="1938992"/>
           </a:xfrm>
           <a:prstGeom prst="rect">
             <a:avLst/>
@@ -13823,108 +12358,9 @@
               </a:rPr>
               <a:t>regionprops</a:t>
             </a:r>
-            <a:r>
-              <a:rPr lang="en-US" sz="2400" dirty="0">
-                <a:latin typeface="Bahnschrift SemiBold" panose="020B0502040204020203" pitchFamily="34" charset="0"/>
-              </a:rPr>
-              <a:t> meri </a:t>
-            </a:r>
-            <a:r>
-              <a:rPr lang="en-US" sz="2400" dirty="0" err="1">
-                <a:latin typeface="Bahnschrift SemiBold" panose="020B0502040204020203" pitchFamily="34" charset="0"/>
-              </a:rPr>
-              <a:t>osobine</a:t>
-            </a:r>
-            <a:r>
-              <a:rPr lang="en-US" sz="2400" dirty="0">
-                <a:latin typeface="Bahnschrift SemiBold" panose="020B0502040204020203" pitchFamily="34" charset="0"/>
-              </a:rPr>
-              <a:t> </a:t>
-            </a:r>
-            <a:r>
-              <a:rPr lang="en-US" sz="2400" dirty="0" err="1">
-                <a:latin typeface="Bahnschrift SemiBold" panose="020B0502040204020203" pitchFamily="34" charset="0"/>
-              </a:rPr>
-              <a:t>povezanih</a:t>
-            </a:r>
-            <a:r>
-              <a:rPr lang="en-US" sz="2400" dirty="0">
-                <a:latin typeface="Bahnschrift SemiBold" panose="020B0502040204020203" pitchFamily="34" charset="0"/>
-              </a:rPr>
-              <a:t> </a:t>
-            </a:r>
-            <a:r>
-              <a:rPr lang="en-US" sz="2400" dirty="0" err="1">
-                <a:latin typeface="Bahnschrift SemiBold" panose="020B0502040204020203" pitchFamily="34" charset="0"/>
-              </a:rPr>
-              <a:t>komponenti</a:t>
-            </a:r>
-            <a:r>
-              <a:rPr lang="en-US" sz="2400" dirty="0">
-                <a:latin typeface="Bahnschrift SemiBold" panose="020B0502040204020203" pitchFamily="34" charset="0"/>
-              </a:rPr>
-              <a:t> u </a:t>
-            </a:r>
-            <a:r>
-              <a:rPr lang="en-US" sz="2400" dirty="0" err="1">
-                <a:latin typeface="Bahnschrift SemiBold" panose="020B0502040204020203" pitchFamily="34" charset="0"/>
-              </a:rPr>
-              <a:t>binarnoj</a:t>
-            </a:r>
-            <a:r>
-              <a:rPr lang="en-US" sz="2400" dirty="0">
-                <a:latin typeface="Bahnschrift SemiBold" panose="020B0502040204020203" pitchFamily="34" charset="0"/>
-              </a:rPr>
-              <a:t> </a:t>
-            </a:r>
-            <a:r>
-              <a:rPr lang="en-US" sz="2400" dirty="0" err="1">
-                <a:latin typeface="Bahnschrift SemiBold" panose="020B0502040204020203" pitchFamily="34" charset="0"/>
-              </a:rPr>
-              <a:t>slici</a:t>
-            </a:r>
-            <a:r>
-              <a:rPr lang="en-US" sz="2400" dirty="0">
-                <a:latin typeface="Bahnschrift SemiBold" panose="020B0502040204020203" pitchFamily="34" charset="0"/>
-              </a:rPr>
-              <a:t> </a:t>
-            </a:r>
-            <a:r>
-              <a:rPr lang="en-US" sz="2400" dirty="0" err="1">
-                <a:latin typeface="Bahnschrift SemiBold" panose="020B0502040204020203" pitchFamily="34" charset="0"/>
-              </a:rPr>
-              <a:t>ili</a:t>
-            </a:r>
-            <a:r>
-              <a:rPr lang="en-US" sz="2400" dirty="0">
-                <a:latin typeface="Bahnschrift SemiBold" panose="020B0502040204020203" pitchFamily="34" charset="0"/>
-              </a:rPr>
-              <a:t> </a:t>
-            </a:r>
-            <a:r>
-              <a:rPr lang="en-US" sz="2400" dirty="0" err="1">
-                <a:latin typeface="Bahnschrift SemiBold" panose="020B0502040204020203" pitchFamily="34" charset="0"/>
-              </a:rPr>
-              <a:t>slici</a:t>
-            </a:r>
-            <a:r>
-              <a:rPr lang="en-US" sz="2400" dirty="0">
-                <a:latin typeface="Bahnschrift SemiBold" panose="020B0502040204020203" pitchFamily="34" charset="0"/>
-              </a:rPr>
-              <a:t> </a:t>
-            </a:r>
-            <a:r>
-              <a:rPr lang="en-US" sz="2400" dirty="0" err="1">
-                <a:latin typeface="Bahnschrift SemiBold" panose="020B0502040204020203" pitchFamily="34" charset="0"/>
-              </a:rPr>
-              <a:t>oznaka</a:t>
-            </a:r>
-            <a:r>
-              <a:rPr lang="en-US" sz="2400" dirty="0">
-                <a:latin typeface="Bahnschrift SemiBold" panose="020B0502040204020203" pitchFamily="34" charset="0"/>
-              </a:rPr>
-              <a:t>.</a:t>
-            </a:r>
+            <a:endParaRPr lang="en-US" sz="2400" dirty="0">
+              <a:latin typeface="Bahnschrift SemiBold" panose="020B0502040204020203" pitchFamily="34" charset="0"/>
+            </a:endParaRPr>
           </a:p>
           <a:p>
             <a:r>
@@ -14013,12 +12449,9 @@
               </a:rPr>
               <a:t>bwboundaries</a:t>
             </a:r>
-            <a:r>
-              <a:rPr lang="en-US" sz="2400" dirty="0">
-                <a:latin typeface="Bahnschrift SemiBold" panose="020B0502040204020203" pitchFamily="34" charset="0"/>
-              </a:rPr>
-              <a:t>.</a:t>
-            </a:r>
+            <a:endParaRPr lang="en-US" sz="2400" dirty="0">
+              <a:latin typeface="Bahnschrift SemiBold" panose="020B0502040204020203" pitchFamily="34" charset="0"/>
+            </a:endParaRPr>
           </a:p>
           <a:p>
             <a:r>
@@ -14052,42 +12485,6 @@
               <a:rPr lang="en-US" sz="2400" dirty="0" err="1">
                 <a:latin typeface="Bahnschrift SemiBold" panose="020B0502040204020203" pitchFamily="34" charset="0"/>
               </a:rPr>
-              <a:t>Osobina</a:t>
-            </a:r>
-            <a:r>
-              <a:rPr lang="en-US" sz="2400" dirty="0">
-                <a:latin typeface="Bahnschrift SemiBold" panose="020B0502040204020203" pitchFamily="34" charset="0"/>
-              </a:rPr>
-              <a:t> </a:t>
-            </a:r>
-            <a:r>
-              <a:rPr lang="en-US" sz="2400" dirty="0" err="1">
-                <a:latin typeface="Bahnschrift SemiBold" panose="020B0502040204020203" pitchFamily="34" charset="0"/>
-              </a:rPr>
-              <a:t>koja</a:t>
-            </a:r>
-            <a:r>
-              <a:rPr lang="en-US" sz="2400" dirty="0">
-                <a:latin typeface="Bahnschrift SemiBold" panose="020B0502040204020203" pitchFamily="34" charset="0"/>
-              </a:rPr>
-              <a:t> </a:t>
-            </a:r>
-            <a:r>
-              <a:rPr lang="en-US" sz="2400" dirty="0" err="1">
-                <a:latin typeface="Bahnschrift SemiBold" panose="020B0502040204020203" pitchFamily="34" charset="0"/>
-              </a:rPr>
-              <a:t>definiše</a:t>
-            </a:r>
-            <a:r>
-              <a:rPr lang="en-US" sz="2400" dirty="0">
-                <a:latin typeface="Bahnschrift SemiBold" panose="020B0502040204020203" pitchFamily="34" charset="0"/>
-              </a:rPr>
-              <a:t> </a:t>
-            </a:r>
-            <a:r>
-              <a:rPr lang="en-US" sz="2400" dirty="0" err="1">
-                <a:latin typeface="Bahnschrift SemiBold" panose="020B0502040204020203" pitchFamily="34" charset="0"/>
-              </a:rPr>
               <a:t>pravougaonik</a:t>
             </a:r>
             <a:r>
@@ -14177,30 +12574,6 @@
               <a:rPr lang="en-US" sz="2400" dirty="0" err="1">
                 <a:latin typeface="Bahnschrift SemiBold" panose="020B0502040204020203" pitchFamily="34" charset="0"/>
               </a:rPr>
-              <a:t>Osobina</a:t>
-            </a:r>
-            <a:r>
-              <a:rPr lang="en-US" sz="2400" dirty="0">
-                <a:latin typeface="Bahnschrift SemiBold" panose="020B0502040204020203" pitchFamily="34" charset="0"/>
-              </a:rPr>
-              <a:t> </a:t>
-            </a:r>
-            <a:r>
-              <a:rPr lang="en-US" sz="2400" dirty="0" err="1">
-                <a:latin typeface="Bahnschrift SemiBold" panose="020B0502040204020203" pitchFamily="34" charset="0"/>
-              </a:rPr>
-              <a:t>koja</a:t>
-            </a:r>
-            <a:r>
-              <a:rPr lang="en-US" sz="2400" dirty="0">
-                <a:latin typeface="Bahnschrift SemiBold" panose="020B0502040204020203" pitchFamily="34" charset="0"/>
-              </a:rPr>
-              <a:t> </a:t>
-            </a:r>
-            <a:r>
-              <a:rPr lang="en-US" sz="2400" dirty="0" err="1">
-                <a:latin typeface="Bahnschrift SemiBold" panose="020B0502040204020203" pitchFamily="34" charset="0"/>
-              </a:rPr>
               <a:t>definiše</a:t>
             </a:r>
             <a:r>
@@ -14222,31 +12595,7 @@
               <a:rPr lang="en-US" sz="2400" dirty="0">
                 <a:latin typeface="Bahnschrift SemiBold" panose="020B0502040204020203" pitchFamily="34" charset="0"/>
               </a:rPr>
-              <a:t> (</a:t>
-            </a:r>
-            <a:r>
-              <a:rPr lang="en-US" sz="2400" dirty="0" err="1">
-                <a:latin typeface="Bahnschrift SemiBold" panose="020B0502040204020203" pitchFamily="34" charset="0"/>
-              </a:rPr>
-              <a:t>broj</a:t>
-            </a:r>
-            <a:r>
-              <a:rPr lang="en-US" sz="2400" dirty="0">
-                <a:latin typeface="Bahnschrift SemiBold" panose="020B0502040204020203" pitchFamily="34" charset="0"/>
-              </a:rPr>
-              <a:t> </a:t>
-            </a:r>
-            <a:r>
-              <a:rPr lang="en-US" sz="2400" dirty="0" err="1">
-                <a:latin typeface="Bahnschrift SemiBold" panose="020B0502040204020203" pitchFamily="34" charset="0"/>
-              </a:rPr>
-              <a:t>piksela</a:t>
-            </a:r>
-            <a:r>
-              <a:rPr lang="en-US" sz="2400" dirty="0">
-                <a:latin typeface="Bahnschrift SemiBold" panose="020B0502040204020203" pitchFamily="34" charset="0"/>
-              </a:rPr>
-              <a:t>) </a:t>
+              <a:t> </a:t>
             </a:r>
             <a:r>
               <a:rPr lang="en-US" sz="2400" dirty="0" err="1">
@@ -16311,7 +14660,7 @@
         <p:spPr>
           <a:xfrm>
             <a:off x="232596" y="1148219"/>
-            <a:ext cx="6116389" cy="2739211"/>
+            <a:ext cx="6116389" cy="1631216"/>
           </a:xfrm>
           <a:prstGeom prst="rect">
             <a:avLst/>
@@ -16325,106 +14674,10 @@
           <a:lstStyle/>
           <a:p>
             <a:r>
-              <a:rPr lang="en-US" sz="2400" dirty="0" err="1">
-                <a:latin typeface="Bahnschrift SemiBold" panose="020B0502040204020203" pitchFamily="34" charset="0"/>
-              </a:rPr>
-              <a:t>Nakon</a:t>
-            </a:r>
-            <a:r>
-              <a:rPr lang="en-US" sz="2400" dirty="0">
-                <a:latin typeface="Bahnschrift SemiBold" panose="020B0502040204020203" pitchFamily="34" charset="0"/>
-              </a:rPr>
-              <a:t> </a:t>
-            </a:r>
-            <a:r>
-              <a:rPr lang="en-US" sz="2400" dirty="0" err="1">
-                <a:latin typeface="Bahnschrift SemiBold" panose="020B0502040204020203" pitchFamily="34" charset="0"/>
-              </a:rPr>
-              <a:t>svih</a:t>
-            </a:r>
-            <a:r>
-              <a:rPr lang="en-US" sz="2400" dirty="0">
-                <a:latin typeface="Bahnschrift SemiBold" panose="020B0502040204020203" pitchFamily="34" charset="0"/>
-              </a:rPr>
-              <a:t> </a:t>
-            </a:r>
-            <a:r>
-              <a:rPr lang="en-US" sz="2400" dirty="0" err="1">
-                <a:latin typeface="Bahnschrift SemiBold" panose="020B0502040204020203" pitchFamily="34" charset="0"/>
-              </a:rPr>
-              <a:t>modifikacija</a:t>
-            </a:r>
-            <a:r>
-              <a:rPr lang="en-US" sz="2400" dirty="0">
-                <a:latin typeface="Bahnschrift SemiBold" panose="020B0502040204020203" pitchFamily="34" charset="0"/>
-              </a:rPr>
-              <a:t> </a:t>
-            </a:r>
-            <a:r>
-              <a:rPr lang="en-US" sz="2400" dirty="0" err="1">
-                <a:latin typeface="Bahnschrift SemiBold" panose="020B0502040204020203" pitchFamily="34" charset="0"/>
-              </a:rPr>
-              <a:t>slike</a:t>
-            </a:r>
-            <a:r>
-              <a:rPr lang="en-US" sz="2400" dirty="0">
-                <a:latin typeface="Bahnschrift SemiBold" panose="020B0502040204020203" pitchFamily="34" charset="0"/>
-              </a:rPr>
-              <a:t>, </a:t>
-            </a:r>
-            <a:r>
-              <a:rPr lang="en-US" sz="2400" dirty="0" err="1">
-                <a:latin typeface="Bahnschrift SemiBold" panose="020B0502040204020203" pitchFamily="34" charset="0"/>
-              </a:rPr>
-              <a:t>koje</a:t>
-            </a:r>
-            <a:r>
-              <a:rPr lang="en-US" sz="2400" dirty="0">
-                <a:latin typeface="Bahnschrift SemiBold" panose="020B0502040204020203" pitchFamily="34" charset="0"/>
-              </a:rPr>
-              <a:t> bi </a:t>
-            </a:r>
-            <a:r>
-              <a:rPr lang="en-US" sz="2400" dirty="0" err="1">
-                <a:latin typeface="Bahnschrift SemiBold" panose="020B0502040204020203" pitchFamily="34" charset="0"/>
-              </a:rPr>
-              <a:t>nam</a:t>
-            </a:r>
-            <a:r>
-              <a:rPr lang="en-US" sz="2400" dirty="0">
-                <a:latin typeface="Bahnschrift SemiBold" panose="020B0502040204020203" pitchFamily="34" charset="0"/>
-              </a:rPr>
-              <a:t> </a:t>
-            </a:r>
-            <a:r>
-              <a:rPr lang="en-US" sz="2400" dirty="0" err="1">
-                <a:latin typeface="Bahnschrift SemiBold" panose="020B0502040204020203" pitchFamily="34" charset="0"/>
-              </a:rPr>
-              <a:t>pomogle</a:t>
-            </a:r>
-            <a:r>
-              <a:rPr lang="en-US" sz="2400" dirty="0">
-                <a:latin typeface="Bahnschrift SemiBold" panose="020B0502040204020203" pitchFamily="34" charset="0"/>
-              </a:rPr>
-              <a:t> </a:t>
-            </a:r>
-            <a:r>
-              <a:rPr lang="en-US" sz="2400" dirty="0" err="1">
-                <a:latin typeface="Bahnschrift SemiBold" panose="020B0502040204020203" pitchFamily="34" charset="0"/>
-              </a:rPr>
-              <a:t>pri</a:t>
-            </a:r>
-            <a:r>
-              <a:rPr lang="en-US" sz="2400" dirty="0">
-                <a:latin typeface="Bahnschrift SemiBold" panose="020B0502040204020203" pitchFamily="34" charset="0"/>
-              </a:rPr>
-              <a:t> </a:t>
-            </a:r>
-            <a:r>
               <a:rPr lang="sr-Latn-ME" sz="2400" dirty="0">
                 <a:latin typeface="Bahnschrift SemiBold" panose="020B0502040204020203" pitchFamily="34" charset="0"/>
               </a:rPr>
-              <a:t>lakšoj detekciji slova, na red dolazi samo prepoznavanje teksta iz niza piksela. Matlab ima ugrađene kompleksne funkcije koje se bave ovim stvarima. Jedna od tih funkcija jeste </a:t>
+              <a:t>Matlab ima ugrađene kompleksne funkcije koje se bave ovim stvarima. Jedna od tih funkcija jeste </a:t>
             </a:r>
             <a:r>
               <a:rPr lang="sr-Latn-ME" sz="2800" dirty="0">
@@ -17685,7 +15938,7 @@
         <p:spPr>
           <a:xfrm>
             <a:off x="232596" y="1148219"/>
-            <a:ext cx="6116389" cy="3416320"/>
+            <a:ext cx="6116389" cy="5262979"/>
           </a:xfrm>
           <a:prstGeom prst="rect">
             <a:avLst/>
@@ -17893,6 +16146,31 @@
               </a:rPr>
               <a:t>.</a:t>
             </a:r>
+          </a:p>
+          <a:p>
+            <a:endParaRPr lang="en-US" sz="2400" dirty="0">
+              <a:latin typeface="Bahnschrift SemiBold" panose="020B0502040204020203" pitchFamily="34" charset="0"/>
+            </a:endParaRPr>
+          </a:p>
+          <a:p>
+            <a:endParaRPr lang="en-US" sz="2400" dirty="0">
+              <a:latin typeface="Bahnschrift SemiBold" panose="020B0502040204020203" pitchFamily="34" charset="0"/>
+            </a:endParaRPr>
+          </a:p>
+          <a:p>
+            <a:endParaRPr lang="en-US" sz="2400" dirty="0">
+              <a:latin typeface="Bahnschrift SemiBold" panose="020B0502040204020203" pitchFamily="34" charset="0"/>
+            </a:endParaRPr>
+          </a:p>
+          <a:p>
+            <a:endParaRPr lang="en-US" sz="2400" dirty="0">
+              <a:latin typeface="Bahnschrift SemiBold" panose="020B0502040204020203" pitchFamily="34" charset="0"/>
+            </a:endParaRPr>
+          </a:p>
+          <a:p>
+            <a:endParaRPr lang="en-US" sz="2400" dirty="0">
+              <a:latin typeface="Bahnschrift SemiBold" panose="020B0502040204020203" pitchFamily="34" charset="0"/>
+            </a:endParaRPr>
           </a:p>
           <a:p>
             <a:endParaRPr lang="en-US" sz="2400" dirty="0">
@@ -18889,35 +17167,20 @@
               <a:t> </a:t>
             </a:r>
             <a:r>
-              <a:rPr lang="en-US" sz="3600" dirty="0" err="1">
-                <a:latin typeface="Bahnschrift SemiBold" panose="020B0502040204020203" pitchFamily="34" charset="0"/>
-              </a:rPr>
-              <a:t>Prepoznavanje</a:t>
-            </a:r>
-            <a:r>
               <a:rPr lang="en-US" sz="3600" dirty="0">
                 <a:latin typeface="Bahnschrift SemiBold" panose="020B0502040204020203" pitchFamily="34" charset="0"/>
               </a:rPr>
-              <a:t> </a:t>
-            </a:r>
-            <a:r>
-              <a:rPr lang="en-US" sz="3600" dirty="0" err="1">
-                <a:latin typeface="Bahnschrift SemiBold" panose="020B0502040204020203" pitchFamily="34" charset="0"/>
-              </a:rPr>
-              <a:t>teksta</a:t>
-            </a:r>
-            <a:endParaRPr lang="en-US" sz="3600" dirty="0">
-              <a:latin typeface="Bahnschrift SemiBold" panose="020B0502040204020203" pitchFamily="34" charset="0"/>
-            </a:endParaRPr>
+              <a:t>OCR</a:t>
+            </a:r>
           </a:p>
         </p:txBody>
       </p:sp>
       <p:pic>
         <p:nvPicPr>
-          <p:cNvPr id="9" name="Picture 8">
+          <p:cNvPr id="13" name="Picture 12">
             <a:extLst>
               <a:ext uri="{FF2B5EF4-FFF2-40B4-BE49-F238E27FC236}">
-                <a16:creationId xmlns:a16="http://schemas.microsoft.com/office/drawing/2014/main" id="{EB7B7902-01C9-8CCB-DC67-C167F92340C0}"/>
+                <a16:creationId xmlns:a16="http://schemas.microsoft.com/office/drawing/2014/main" id="{02C0457D-51B8-2E6E-19B3-12E530AA047F}"/>
               </a:ext>
             </a:extLst>
           </p:cNvPr>
@@ -18934,8 +17197,8 @@
         </p:blipFill>
         <p:spPr>
           <a:xfrm>
-            <a:off x="12654843" y="4212403"/>
-            <a:ext cx="5114925" cy="2838450"/>
+            <a:off x="233082" y="1112034"/>
+            <a:ext cx="3357446" cy="2300694"/>
           </a:xfrm>
           <a:prstGeom prst="rect">
             <a:avLst/>
@@ -18944,10 +17207,10 @@
       </p:pic>
       <p:sp>
         <p:nvSpPr>
-          <p:cNvPr id="5" name="TextBox 4">
+          <p:cNvPr id="15" name="TextBox 14">
             <a:extLst>
               <a:ext uri="{FF2B5EF4-FFF2-40B4-BE49-F238E27FC236}">
-                <a16:creationId xmlns:a16="http://schemas.microsoft.com/office/drawing/2014/main" id="{760EBC57-CFAE-B503-E216-AD7A176D7CB8}"/>
+                <a16:creationId xmlns:a16="http://schemas.microsoft.com/office/drawing/2014/main" id="{97176779-9B43-A80F-4536-6598D4A01F1C}"/>
               </a:ext>
             </a:extLst>
           </p:cNvPr>
@@ -18956,8 +17219,8 @@
         </p:nvSpPr>
         <p:spPr>
           <a:xfrm>
-            <a:off x="12654843" y="766862"/>
-            <a:ext cx="11266312" cy="3046988"/>
+            <a:off x="3639670" y="1108219"/>
+            <a:ext cx="8089485" cy="2308324"/>
           </a:xfrm>
           <a:prstGeom prst="rect">
             <a:avLst/>
@@ -18971,17 +17234,48 @@
           <a:lstStyle/>
           <a:p>
             <a:r>
+              <a:rPr lang="en-US" sz="2400" dirty="0">
+                <a:solidFill>
+                  <a:srgbClr val="FF0000"/>
+                </a:solidFill>
+                <a:latin typeface="Bahnschrift SemiBold" panose="020B0502040204020203" pitchFamily="34" charset="0"/>
+              </a:rPr>
+              <a:t>I</a:t>
+            </a:r>
+            <a:r>
+              <a:rPr lang="en-US" sz="2400" dirty="0">
+                <a:latin typeface="Bahnschrift SemiBold" panose="020B0502040204020203" pitchFamily="34" charset="0"/>
+              </a:rPr>
+              <a:t>: </a:t>
+            </a:r>
+            <a:r>
               <a:rPr lang="en-US" sz="2400" dirty="0" err="1">
                 <a:latin typeface="Bahnschrift SemiBold" panose="020B0502040204020203" pitchFamily="34" charset="0"/>
               </a:rPr>
-              <a:t>Funkcija</a:t>
-            </a:r>
-            <a:r>
-              <a:rPr lang="en-US" sz="2400" dirty="0">
-                <a:latin typeface="Bahnschrift SemiBold" panose="020B0502040204020203" pitchFamily="34" charset="0"/>
-              </a:rPr>
-              <a:t> </a:t>
-            </a:r>
+              <a:t>Ulazna</a:t>
+            </a:r>
+            <a:r>
+              <a:rPr lang="en-US" sz="2400" dirty="0">
+                <a:latin typeface="Bahnschrift SemiBold" panose="020B0502040204020203" pitchFamily="34" charset="0"/>
+              </a:rPr>
+              <a:t> </a:t>
+            </a:r>
+            <a:r>
+              <a:rPr lang="en-US" sz="2400" dirty="0" err="1">
+                <a:latin typeface="Bahnschrift SemiBold" panose="020B0502040204020203" pitchFamily="34" charset="0"/>
+              </a:rPr>
+              <a:t>slika</a:t>
+            </a:r>
+            <a:endParaRPr lang="en-US" sz="2400" dirty="0">
+              <a:latin typeface="Bahnschrift SemiBold" panose="020B0502040204020203" pitchFamily="34" charset="0"/>
+            </a:endParaRPr>
+          </a:p>
+          <a:p>
+            <a:endParaRPr lang="en-US" sz="2400" dirty="0">
+              <a:latin typeface="Bahnschrift SemiBold" panose="020B0502040204020203" pitchFamily="34" charset="0"/>
+            </a:endParaRPr>
+          </a:p>
+          <a:p>
             <a:r>
               <a:rPr lang="en-US" sz="2400" dirty="0" err="1">
                 <a:solidFill>
@@ -18989,238 +17283,53 @@
                 </a:solidFill>
                 <a:latin typeface="Bahnschrift SemiBold" panose="020B0502040204020203" pitchFamily="34" charset="0"/>
               </a:rPr>
-              <a:t>regionprops</a:t>
-            </a:r>
-            <a:r>
-              <a:rPr lang="en-US" sz="2400" dirty="0">
-                <a:latin typeface="Bahnschrift SemiBold" panose="020B0502040204020203" pitchFamily="34" charset="0"/>
-              </a:rPr>
-              <a:t> meri </a:t>
-            </a:r>
-            <a:r>
-              <a:rPr lang="en-US" sz="2400" dirty="0" err="1">
-                <a:latin typeface="Bahnschrift SemiBold" panose="020B0502040204020203" pitchFamily="34" charset="0"/>
-              </a:rPr>
-              <a:t>osobine</a:t>
-            </a:r>
-            <a:r>
-              <a:rPr lang="en-US" sz="2400" dirty="0">
-                <a:latin typeface="Bahnschrift SemiBold" panose="020B0502040204020203" pitchFamily="34" charset="0"/>
-              </a:rPr>
-              <a:t> </a:t>
-            </a:r>
-            <a:r>
-              <a:rPr lang="en-US" sz="2400" dirty="0" err="1">
-                <a:latin typeface="Bahnschrift SemiBold" panose="020B0502040204020203" pitchFamily="34" charset="0"/>
-              </a:rPr>
-              <a:t>povezanih</a:t>
-            </a:r>
-            <a:r>
-              <a:rPr lang="en-US" sz="2400" dirty="0">
-                <a:latin typeface="Bahnschrift SemiBold" panose="020B0502040204020203" pitchFamily="34" charset="0"/>
-              </a:rPr>
-              <a:t> </a:t>
-            </a:r>
-            <a:r>
-              <a:rPr lang="en-US" sz="2400" dirty="0" err="1">
-                <a:latin typeface="Bahnschrift SemiBold" panose="020B0502040204020203" pitchFamily="34" charset="0"/>
-              </a:rPr>
-              <a:t>komponenti</a:t>
-            </a:r>
-            <a:r>
-              <a:rPr lang="en-US" sz="2400" dirty="0">
-                <a:latin typeface="Bahnschrift SemiBold" panose="020B0502040204020203" pitchFamily="34" charset="0"/>
-              </a:rPr>
-              <a:t> u </a:t>
-            </a:r>
-            <a:r>
-              <a:rPr lang="en-US" sz="2400" dirty="0" err="1">
-                <a:latin typeface="Bahnschrift SemiBold" panose="020B0502040204020203" pitchFamily="34" charset="0"/>
-              </a:rPr>
-              <a:t>binarnoj</a:t>
-            </a:r>
-            <a:r>
-              <a:rPr lang="en-US" sz="2400" dirty="0">
-                <a:latin typeface="Bahnschrift SemiBold" panose="020B0502040204020203" pitchFamily="34" charset="0"/>
-              </a:rPr>
-              <a:t> </a:t>
-            </a:r>
-            <a:r>
-              <a:rPr lang="en-US" sz="2400" dirty="0" err="1">
-                <a:latin typeface="Bahnschrift SemiBold" panose="020B0502040204020203" pitchFamily="34" charset="0"/>
-              </a:rPr>
-              <a:t>slici</a:t>
-            </a:r>
-            <a:r>
-              <a:rPr lang="en-US" sz="2400" dirty="0">
-                <a:latin typeface="Bahnschrift SemiBold" panose="020B0502040204020203" pitchFamily="34" charset="0"/>
-              </a:rPr>
-              <a:t> </a:t>
-            </a:r>
-            <a:r>
-              <a:rPr lang="en-US" sz="2400" dirty="0" err="1">
-                <a:latin typeface="Bahnschrift SemiBold" panose="020B0502040204020203" pitchFamily="34" charset="0"/>
-              </a:rPr>
-              <a:t>ili</a:t>
-            </a:r>
-            <a:r>
-              <a:rPr lang="en-US" sz="2400" dirty="0">
-                <a:latin typeface="Bahnschrift SemiBold" panose="020B0502040204020203" pitchFamily="34" charset="0"/>
-              </a:rPr>
-              <a:t> </a:t>
-            </a:r>
-            <a:r>
-              <a:rPr lang="en-US" sz="2400" dirty="0" err="1">
-                <a:latin typeface="Bahnschrift SemiBold" panose="020B0502040204020203" pitchFamily="34" charset="0"/>
-              </a:rPr>
-              <a:t>slici</a:t>
-            </a:r>
-            <a:r>
-              <a:rPr lang="en-US" sz="2400" dirty="0">
-                <a:latin typeface="Bahnschrift SemiBold" panose="020B0502040204020203" pitchFamily="34" charset="0"/>
-              </a:rPr>
-              <a:t> </a:t>
-            </a:r>
-            <a:r>
-              <a:rPr lang="en-US" sz="2400" dirty="0" err="1">
-                <a:latin typeface="Bahnschrift SemiBold" panose="020B0502040204020203" pitchFamily="34" charset="0"/>
-              </a:rPr>
-              <a:t>oznaka</a:t>
-            </a:r>
-            <a:r>
-              <a:rPr lang="en-US" sz="2400" dirty="0">
-                <a:latin typeface="Bahnschrift SemiBold" panose="020B0502040204020203" pitchFamily="34" charset="0"/>
-              </a:rPr>
-              <a:t>.</a:t>
-            </a:r>
-          </a:p>
-          <a:p>
-            <a:r>
-              <a:rPr lang="en-US" sz="2400" dirty="0" err="1">
-                <a:latin typeface="Bahnschrift SemiBold" panose="020B0502040204020203" pitchFamily="34" charset="0"/>
-              </a:rPr>
-              <a:t>Parametri</a:t>
-            </a:r>
-            <a:r>
-              <a:rPr lang="en-US" sz="2400" dirty="0">
-                <a:latin typeface="Bahnschrift SemiBold" panose="020B0502040204020203" pitchFamily="34" charset="0"/>
-              </a:rPr>
-              <a:t> :</a:t>
-            </a:r>
-          </a:p>
-          <a:p>
-            <a:r>
-              <a:rPr lang="en-US" sz="2400" dirty="0">
-                <a:solidFill>
-                  <a:srgbClr val="0070C0"/>
-                </a:solidFill>
-                <a:latin typeface="Bahnschrift SemiBold" panose="020B0502040204020203" pitchFamily="34" charset="0"/>
-              </a:rPr>
-              <a:t>L</a:t>
-            </a:r>
-            <a:r>
-              <a:rPr lang="en-US" sz="2400" dirty="0">
-                <a:latin typeface="Bahnschrift SemiBold" panose="020B0502040204020203" pitchFamily="34" charset="0"/>
-              </a:rPr>
-              <a:t> : </a:t>
-            </a:r>
-            <a:r>
-              <a:rPr lang="en-US" sz="2400" dirty="0" err="1">
-                <a:latin typeface="Bahnschrift SemiBold" panose="020B0502040204020203" pitchFamily="34" charset="0"/>
-              </a:rPr>
-              <a:t>Matrica</a:t>
-            </a:r>
-            <a:r>
-              <a:rPr lang="en-US" sz="2400" dirty="0">
-                <a:latin typeface="Bahnschrift SemiBold" panose="020B0502040204020203" pitchFamily="34" charset="0"/>
-              </a:rPr>
-              <a:t> </a:t>
-            </a:r>
-            <a:r>
-              <a:rPr lang="en-US" sz="2400" dirty="0" err="1">
-                <a:latin typeface="Bahnschrift SemiBold" panose="020B0502040204020203" pitchFamily="34" charset="0"/>
-              </a:rPr>
-              <a:t>oznaka</a:t>
-            </a:r>
-            <a:r>
-              <a:rPr lang="en-US" sz="2400" dirty="0">
-                <a:latin typeface="Bahnschrift SemiBold" panose="020B0502040204020203" pitchFamily="34" charset="0"/>
-              </a:rPr>
-              <a:t> </a:t>
-            </a:r>
-            <a:r>
-              <a:rPr lang="en-US" sz="2400" dirty="0" err="1">
-                <a:latin typeface="Bahnschrift SemiBold" panose="020B0502040204020203" pitchFamily="34" charset="0"/>
-              </a:rPr>
-              <a:t>dobijena</a:t>
-            </a:r>
-            <a:r>
-              <a:rPr lang="en-US" sz="2400" dirty="0">
-                <a:latin typeface="Bahnschrift SemiBold" panose="020B0502040204020203" pitchFamily="34" charset="0"/>
-              </a:rPr>
-              <a:t> </a:t>
-            </a:r>
-            <a:r>
-              <a:rPr lang="en-US" sz="2400" dirty="0" err="1">
-                <a:latin typeface="Bahnschrift SemiBold" panose="020B0502040204020203" pitchFamily="34" charset="0"/>
-              </a:rPr>
-              <a:t>iz</a:t>
-            </a:r>
-            <a:r>
-              <a:rPr lang="en-US" sz="2400" dirty="0">
-                <a:latin typeface="Bahnschrift SemiBold" panose="020B0502040204020203" pitchFamily="34" charset="0"/>
-              </a:rPr>
-              <a:t> </a:t>
-            </a:r>
-            <a:r>
-              <a:rPr lang="en-US" sz="2400" dirty="0" err="1">
+              <a:t>roi</a:t>
+            </a:r>
+            <a:r>
+              <a:rPr lang="en-US" sz="2400" dirty="0">
+                <a:latin typeface="Bahnschrift SemiBold" panose="020B0502040204020203" pitchFamily="34" charset="0"/>
+              </a:rPr>
+              <a:t>: Region of Interest</a:t>
+            </a:r>
+          </a:p>
+          <a:p>
+            <a:endParaRPr lang="en-US" sz="2400" dirty="0">
+              <a:latin typeface="Bahnschrift SemiBold" panose="020B0502040204020203" pitchFamily="34" charset="0"/>
+            </a:endParaRPr>
+          </a:p>
+          <a:p>
+            <a:r>
+              <a:rPr lang="en-US" sz="2400" dirty="0">
                 <a:solidFill>
                   <a:srgbClr val="FF0000"/>
                 </a:solidFill>
                 <a:latin typeface="Bahnschrift SemiBold" panose="020B0502040204020203" pitchFamily="34" charset="0"/>
               </a:rPr>
-              <a:t>bwboundaries</a:t>
-            </a:r>
-            <a:r>
-              <a:rPr lang="en-US" sz="2400" dirty="0">
-                <a:latin typeface="Bahnschrift SemiBold" panose="020B0502040204020203" pitchFamily="34" charset="0"/>
-              </a:rPr>
-              <a:t>.</a:t>
-            </a:r>
-          </a:p>
-          <a:p>
-            <a:r>
-              <a:rPr lang="en-US" sz="2400" dirty="0">
-                <a:solidFill>
-                  <a:schemeClr val="tx1">
-                    <a:lumMod val="95000"/>
-                    <a:lumOff val="5000"/>
-                  </a:schemeClr>
-                </a:solidFill>
-                <a:latin typeface="Bahnschrift SemiBold" panose="020B0502040204020203" pitchFamily="34" charset="0"/>
-              </a:rPr>
-              <a:t>'</a:t>
+              <a:t>Name, Value</a:t>
+            </a:r>
+            <a:r>
+              <a:rPr lang="en-US" sz="2400" dirty="0">
+                <a:latin typeface="Bahnschrift SemiBold" panose="020B0502040204020203" pitchFamily="34" charset="0"/>
+              </a:rPr>
+              <a:t>: </a:t>
             </a:r>
             <a:r>
               <a:rPr lang="en-US" sz="2400" dirty="0" err="1">
-                <a:solidFill>
-                  <a:srgbClr val="00B0F0"/>
-                </a:solidFill>
-                <a:latin typeface="Bahnschrift SemiBold" panose="020B0502040204020203" pitchFamily="34" charset="0"/>
-              </a:rPr>
-              <a:t>BoundingBox</a:t>
-            </a:r>
-            <a:r>
-              <a:rPr lang="en-US" sz="2400" dirty="0">
-                <a:latin typeface="Bahnschrift SemiBold" panose="020B0502040204020203" pitchFamily="34" charset="0"/>
-              </a:rPr>
-              <a:t>': </a:t>
+                <a:latin typeface="Bahnschrift SemiBold" panose="020B0502040204020203" pitchFamily="34" charset="0"/>
+              </a:rPr>
+              <a:t>Parovi</a:t>
+            </a:r>
+            <a:r>
+              <a:rPr lang="en-US" sz="2400" dirty="0">
+                <a:latin typeface="Bahnschrift SemiBold" panose="020B0502040204020203" pitchFamily="34" charset="0"/>
+              </a:rPr>
+              <a:t> za </a:t>
             </a:r>
             <a:r>
               <a:rPr lang="en-US" sz="2400" dirty="0" err="1">
                 <a:latin typeface="Bahnschrift SemiBold" panose="020B0502040204020203" pitchFamily="34" charset="0"/>
               </a:rPr>
-              <a:t>Osobina</a:t>
+              <a:t>dodatne</a:t>
             </a:r>
             <a:r>
               <a:rPr lang="en-US" sz="2400" dirty="0">
@@ -19232,235 +17341,59 @@
               <a:rPr lang="en-US" sz="2400" dirty="0" err="1">
                 <a:latin typeface="Bahnschrift SemiBold" panose="020B0502040204020203" pitchFamily="34" charset="0"/>
               </a:rPr>
-              <a:t>koja</a:t>
-            </a:r>
-            <a:r>
-              <a:rPr lang="en-US" sz="2400" dirty="0">
-                <a:latin typeface="Bahnschrift SemiBold" panose="020B0502040204020203" pitchFamily="34" charset="0"/>
-              </a:rPr>
-              <a:t> </a:t>
+              <a:t>opcije</a:t>
+            </a:r>
+            <a:r>
+              <a:rPr lang="en-US" sz="2400" dirty="0">
+                <a:latin typeface="Bahnschrift SemiBold" panose="020B0502040204020203" pitchFamily="34" charset="0"/>
+              </a:rPr>
+              <a:t> (</a:t>
             </a:r>
             <a:r>
               <a:rPr lang="en-US" sz="2400" dirty="0" err="1">
                 <a:latin typeface="Bahnschrift SemiBold" panose="020B0502040204020203" pitchFamily="34" charset="0"/>
               </a:rPr>
-              <a:t>definiše</a:t>
-            </a:r>
-            <a:r>
-              <a:rPr lang="en-US" sz="2400" dirty="0">
-                <a:latin typeface="Bahnschrift SemiBold" panose="020B0502040204020203" pitchFamily="34" charset="0"/>
-              </a:rPr>
-              <a:t> </a:t>
+              <a:t>na</a:t>
+            </a:r>
+            <a:r>
+              <a:rPr lang="en-US" sz="2400" dirty="0">
+                <a:latin typeface="Bahnschrift SemiBold" panose="020B0502040204020203" pitchFamily="34" charset="0"/>
+              </a:rPr>
+              <a:t> primer, </a:t>
             </a:r>
             <a:r>
               <a:rPr lang="en-US" sz="2400" dirty="0" err="1">
                 <a:latin typeface="Bahnschrift SemiBold" panose="020B0502040204020203" pitchFamily="34" charset="0"/>
               </a:rPr>
-              <a:t>pravougaonik</a:t>
-            </a:r>
-            <a:r>
-              <a:rPr lang="en-US" sz="2400" dirty="0">
-                <a:latin typeface="Bahnschrift SemiBold" panose="020B0502040204020203" pitchFamily="34" charset="0"/>
-              </a:rPr>
-              <a:t> koji </a:t>
+              <a:t>jezik</a:t>
+            </a:r>
+            <a:r>
+              <a:rPr lang="en-US" sz="2400" dirty="0">
+                <a:latin typeface="Bahnschrift SemiBold" panose="020B0502040204020203" pitchFamily="34" charset="0"/>
+              </a:rPr>
+              <a:t> </a:t>
             </a:r>
             <a:r>
               <a:rPr lang="en-US" sz="2400" dirty="0" err="1">
                 <a:latin typeface="Bahnschrift SemiBold" panose="020B0502040204020203" pitchFamily="34" charset="0"/>
               </a:rPr>
-              <a:t>obuhvata</a:t>
-            </a:r>
-            <a:r>
-              <a:rPr lang="en-US" sz="2400" dirty="0">
-                <a:latin typeface="Bahnschrift SemiBold" panose="020B0502040204020203" pitchFamily="34" charset="0"/>
-              </a:rPr>
-              <a:t> </a:t>
-            </a:r>
-            <a:r>
-              <a:rPr lang="en-US" sz="2400" dirty="0" err="1">
-                <a:latin typeface="Bahnschrift SemiBold" panose="020B0502040204020203" pitchFamily="34" charset="0"/>
-              </a:rPr>
-              <a:t>svaku</a:t>
-            </a:r>
-            <a:r>
-              <a:rPr lang="en-US" sz="2400" dirty="0">
-                <a:latin typeface="Bahnschrift SemiBold" panose="020B0502040204020203" pitchFamily="34" charset="0"/>
-              </a:rPr>
-              <a:t> </a:t>
-            </a:r>
-            <a:r>
-              <a:rPr lang="en-US" sz="2400" dirty="0" err="1">
-                <a:latin typeface="Bahnschrift SemiBold" panose="020B0502040204020203" pitchFamily="34" charset="0"/>
-              </a:rPr>
-              <a:t>povezanu</a:t>
-            </a:r>
-            <a:r>
-              <a:rPr lang="en-US" sz="2400" dirty="0">
-                <a:latin typeface="Bahnschrift SemiBold" panose="020B0502040204020203" pitchFamily="34" charset="0"/>
-              </a:rPr>
-              <a:t> </a:t>
-            </a:r>
-            <a:r>
-              <a:rPr lang="en-US" sz="2400" dirty="0" err="1">
-                <a:latin typeface="Bahnschrift SemiBold" panose="020B0502040204020203" pitchFamily="34" charset="0"/>
-              </a:rPr>
-              <a:t>komponentu</a:t>
-            </a:r>
-            <a:r>
-              <a:rPr lang="en-US" sz="2400" dirty="0">
-                <a:latin typeface="Bahnschrift SemiBold" panose="020B0502040204020203" pitchFamily="34" charset="0"/>
-              </a:rPr>
-              <a:t>.</a:t>
-            </a:r>
-          </a:p>
-          <a:p>
-            <a:r>
-              <a:rPr lang="en-US" sz="2400" dirty="0">
-                <a:solidFill>
-                  <a:schemeClr val="tx1">
-                    <a:lumMod val="95000"/>
-                    <a:lumOff val="5000"/>
-                  </a:schemeClr>
-                </a:solidFill>
-                <a:latin typeface="Bahnschrift SemiBold" panose="020B0502040204020203" pitchFamily="34" charset="0"/>
-              </a:rPr>
-              <a:t>'</a:t>
-            </a:r>
-            <a:r>
-              <a:rPr lang="en-US" sz="2400" dirty="0">
-                <a:solidFill>
-                  <a:srgbClr val="0070C0"/>
-                </a:solidFill>
-                <a:latin typeface="Bahnschrift SemiBold" panose="020B0502040204020203" pitchFamily="34" charset="0"/>
-              </a:rPr>
-              <a:t>Area</a:t>
-            </a:r>
-            <a:r>
-              <a:rPr lang="en-US" sz="2400" dirty="0">
-                <a:latin typeface="Bahnschrift SemiBold" panose="020B0502040204020203" pitchFamily="34" charset="0"/>
-              </a:rPr>
-              <a:t>’ : </a:t>
-            </a:r>
-            <a:r>
-              <a:rPr lang="en-US" sz="2400" dirty="0" err="1">
-                <a:latin typeface="Bahnschrift SemiBold" panose="020B0502040204020203" pitchFamily="34" charset="0"/>
-              </a:rPr>
-              <a:t>Osobina</a:t>
-            </a:r>
-            <a:r>
-              <a:rPr lang="en-US" sz="2400" dirty="0">
-                <a:latin typeface="Bahnschrift SemiBold" panose="020B0502040204020203" pitchFamily="34" charset="0"/>
-              </a:rPr>
-              <a:t> </a:t>
-            </a:r>
-            <a:r>
-              <a:rPr lang="en-US" sz="2400" dirty="0" err="1">
-                <a:latin typeface="Bahnschrift SemiBold" panose="020B0502040204020203" pitchFamily="34" charset="0"/>
-              </a:rPr>
-              <a:t>koja</a:t>
-            </a:r>
-            <a:r>
-              <a:rPr lang="en-US" sz="2400" dirty="0">
-                <a:latin typeface="Bahnschrift SemiBold" panose="020B0502040204020203" pitchFamily="34" charset="0"/>
-              </a:rPr>
-              <a:t> </a:t>
-            </a:r>
-            <a:r>
-              <a:rPr lang="en-US" sz="2400" dirty="0" err="1">
-                <a:latin typeface="Bahnschrift SemiBold" panose="020B0502040204020203" pitchFamily="34" charset="0"/>
-              </a:rPr>
-              <a:t>definiše</a:t>
-            </a:r>
-            <a:r>
-              <a:rPr lang="en-US" sz="2400" dirty="0">
-                <a:latin typeface="Bahnschrift SemiBold" panose="020B0502040204020203" pitchFamily="34" charset="0"/>
-              </a:rPr>
-              <a:t> </a:t>
-            </a:r>
-            <a:r>
-              <a:rPr lang="en-US" sz="2400" dirty="0" err="1">
-                <a:solidFill>
-                  <a:srgbClr val="0070C0"/>
-                </a:solidFill>
-                <a:latin typeface="Bahnschrift SemiBold" panose="020B0502040204020203" pitchFamily="34" charset="0"/>
-              </a:rPr>
-              <a:t>površinu</a:t>
-            </a:r>
-            <a:r>
-              <a:rPr lang="en-US" sz="2400" dirty="0">
-                <a:latin typeface="Bahnschrift SemiBold" panose="020B0502040204020203" pitchFamily="34" charset="0"/>
-              </a:rPr>
-              <a:t> (</a:t>
-            </a:r>
-            <a:r>
-              <a:rPr lang="en-US" sz="2400" dirty="0" err="1">
-                <a:latin typeface="Bahnschrift SemiBold" panose="020B0502040204020203" pitchFamily="34" charset="0"/>
-              </a:rPr>
-              <a:t>broj</a:t>
-            </a:r>
-            <a:r>
-              <a:rPr lang="en-US" sz="2400" dirty="0">
-                <a:latin typeface="Bahnschrift SemiBold" panose="020B0502040204020203" pitchFamily="34" charset="0"/>
-              </a:rPr>
-              <a:t> </a:t>
-            </a:r>
-            <a:r>
-              <a:rPr lang="en-US" sz="2400" dirty="0" err="1">
-                <a:latin typeface="Bahnschrift SemiBold" panose="020B0502040204020203" pitchFamily="34" charset="0"/>
-              </a:rPr>
-              <a:t>piksela</a:t>
-            </a:r>
-            <a:r>
-              <a:rPr lang="en-US" sz="2400" dirty="0">
-                <a:latin typeface="Bahnschrift SemiBold" panose="020B0502040204020203" pitchFamily="34" charset="0"/>
-              </a:rPr>
-              <a:t>) </a:t>
-            </a:r>
-            <a:r>
-              <a:rPr lang="en-US" sz="2400" dirty="0" err="1">
-                <a:latin typeface="Bahnschrift SemiBold" panose="020B0502040204020203" pitchFamily="34" charset="0"/>
-              </a:rPr>
-              <a:t>svake</a:t>
-            </a:r>
-            <a:r>
-              <a:rPr lang="en-US" sz="2400" dirty="0">
-                <a:latin typeface="Bahnschrift SemiBold" panose="020B0502040204020203" pitchFamily="34" charset="0"/>
-              </a:rPr>
-              <a:t> </a:t>
-            </a:r>
-            <a:r>
-              <a:rPr lang="en-US" sz="2400" dirty="0" err="1">
-                <a:latin typeface="Bahnschrift SemiBold" panose="020B0502040204020203" pitchFamily="34" charset="0"/>
-              </a:rPr>
-              <a:t>povezane</a:t>
-            </a:r>
-            <a:r>
-              <a:rPr lang="en-US" sz="2400" dirty="0">
-                <a:latin typeface="Bahnschrift SemiBold" panose="020B0502040204020203" pitchFamily="34" charset="0"/>
-              </a:rPr>
-              <a:t> </a:t>
-            </a:r>
-            <a:r>
-              <a:rPr lang="en-US" sz="2400" dirty="0" err="1">
-                <a:latin typeface="Bahnschrift SemiBold" panose="020B0502040204020203" pitchFamily="34" charset="0"/>
-              </a:rPr>
-              <a:t>komponente</a:t>
-            </a:r>
-            <a:r>
-              <a:rPr lang="en-US" sz="2400" dirty="0">
-                <a:latin typeface="Bahnschrift SemiBold" panose="020B0502040204020203" pitchFamily="34" charset="0"/>
-              </a:rPr>
-              <a:t>.</a:t>
+              <a:t>prepoznavanja</a:t>
+            </a:r>
+            <a:r>
+              <a:rPr lang="en-US" sz="2400" dirty="0">
+                <a:latin typeface="Bahnschrift SemiBold" panose="020B0502040204020203" pitchFamily="34" charset="0"/>
+              </a:rPr>
+              <a:t>).</a:t>
             </a:r>
           </a:p>
         </p:txBody>
       </p:sp>
       <p:sp>
         <p:nvSpPr>
-          <p:cNvPr id="7" name="TextBox 6">
+          <p:cNvPr id="17" name="TextBox 16">
             <a:extLst>
               <a:ext uri="{FF2B5EF4-FFF2-40B4-BE49-F238E27FC236}">
-                <a16:creationId xmlns:a16="http://schemas.microsoft.com/office/drawing/2014/main" id="{2EA29AF4-8CBA-45FC-CE6E-DD45B5D993B3}"/>
+                <a16:creationId xmlns:a16="http://schemas.microsoft.com/office/drawing/2014/main" id="{0E4F28DC-A58F-698A-D6AD-5F45BA062331}"/>
               </a:ext>
             </a:extLst>
           </p:cNvPr>
@@ -19469,8 +17402,8 @@
         </p:nvSpPr>
         <p:spPr>
           <a:xfrm>
-            <a:off x="-6273657" y="3793637"/>
-            <a:ext cx="5933084" cy="2246769"/>
+            <a:off x="347962" y="3818029"/>
+            <a:ext cx="11496073" cy="1200329"/>
           </a:xfrm>
           <a:prstGeom prst="rect">
             <a:avLst/>
@@ -19484,425 +17417,6 @@
           <a:lstStyle/>
           <a:p>
             <a:r>
-              <a:rPr lang="en-US" sz="2800" dirty="0" err="1">
-                <a:latin typeface="Bahnschrift SemiBold" panose="020B0502040204020203" pitchFamily="34" charset="0"/>
-              </a:rPr>
-              <a:t>Funkcija</a:t>
-            </a:r>
-            <a:r>
-              <a:rPr lang="en-US" sz="2800" dirty="0">
-                <a:latin typeface="Bahnschrift SemiBold" panose="020B0502040204020203" pitchFamily="34" charset="0"/>
-              </a:rPr>
-              <a:t> </a:t>
-            </a:r>
-            <a:r>
-              <a:rPr lang="en-US" sz="2800" dirty="0" err="1">
-                <a:solidFill>
-                  <a:srgbClr val="FF0000"/>
-                </a:solidFill>
-                <a:latin typeface="Bahnschrift SemiBold" panose="020B0502040204020203" pitchFamily="34" charset="0"/>
-              </a:rPr>
-              <a:t>regionprops</a:t>
-            </a:r>
-            <a:r>
-              <a:rPr lang="en-US" sz="2800" dirty="0">
-                <a:latin typeface="Bahnschrift SemiBold" panose="020B0502040204020203" pitchFamily="34" charset="0"/>
-              </a:rPr>
-              <a:t> </a:t>
-            </a:r>
-            <a:r>
-              <a:rPr lang="en-US" sz="2800" dirty="0" err="1">
-                <a:latin typeface="Bahnschrift SemiBold" panose="020B0502040204020203" pitchFamily="34" charset="0"/>
-              </a:rPr>
-              <a:t>vraća</a:t>
-            </a:r>
-            <a:r>
-              <a:rPr lang="en-US" sz="2800" dirty="0">
-                <a:latin typeface="Bahnschrift SemiBold" panose="020B0502040204020203" pitchFamily="34" charset="0"/>
-              </a:rPr>
-              <a:t> </a:t>
-            </a:r>
-            <a:r>
-              <a:rPr lang="en-US" sz="2800" dirty="0" err="1">
-                <a:latin typeface="Bahnschrift SemiBold" panose="020B0502040204020203" pitchFamily="34" charset="0"/>
-              </a:rPr>
-              <a:t>strukturu</a:t>
-            </a:r>
-            <a:r>
-              <a:rPr lang="en-US" sz="2800" dirty="0">
-                <a:latin typeface="Bahnschrift SemiBold" panose="020B0502040204020203" pitchFamily="34" charset="0"/>
-              </a:rPr>
-              <a:t> </a:t>
-            </a:r>
-            <a:r>
-              <a:rPr lang="en-US" sz="2800" dirty="0" err="1">
-                <a:latin typeface="Bahnschrift SemiBold" panose="020B0502040204020203" pitchFamily="34" charset="0"/>
-              </a:rPr>
-              <a:t>nizova</a:t>
-            </a:r>
-            <a:r>
-              <a:rPr lang="en-US" sz="2800" dirty="0">
-                <a:latin typeface="Bahnschrift SemiBold" panose="020B0502040204020203" pitchFamily="34" charset="0"/>
-              </a:rPr>
-              <a:t> </a:t>
-            </a:r>
-            <a:r>
-              <a:rPr lang="en-US" sz="2800" dirty="0" err="1">
-                <a:latin typeface="Bahnschrift SemiBold" panose="020B0502040204020203" pitchFamily="34" charset="0"/>
-              </a:rPr>
-              <a:t>gde</a:t>
-            </a:r>
-            <a:r>
-              <a:rPr lang="en-US" sz="2800" dirty="0">
-                <a:latin typeface="Bahnschrift SemiBold" panose="020B0502040204020203" pitchFamily="34" charset="0"/>
-              </a:rPr>
-              <a:t> </a:t>
-            </a:r>
-            <a:r>
-              <a:rPr lang="en-US" sz="2800" dirty="0" err="1">
-                <a:latin typeface="Bahnschrift SemiBold" panose="020B0502040204020203" pitchFamily="34" charset="0"/>
-              </a:rPr>
-              <a:t>svaki</a:t>
-            </a:r>
-            <a:r>
-              <a:rPr lang="en-US" sz="2800" dirty="0">
-                <a:latin typeface="Bahnschrift SemiBold" panose="020B0502040204020203" pitchFamily="34" charset="0"/>
-              </a:rPr>
-              <a:t> element </a:t>
-            </a:r>
-            <a:r>
-              <a:rPr lang="en-US" sz="2800" dirty="0" err="1">
-                <a:latin typeface="Bahnschrift SemiBold" panose="020B0502040204020203" pitchFamily="34" charset="0"/>
-              </a:rPr>
-              <a:t>sadrži</a:t>
-            </a:r>
-            <a:r>
-              <a:rPr lang="en-US" sz="2800" dirty="0">
-                <a:latin typeface="Bahnschrift SemiBold" panose="020B0502040204020203" pitchFamily="34" charset="0"/>
-              </a:rPr>
-              <a:t> </a:t>
-            </a:r>
-            <a:r>
-              <a:rPr lang="en-US" sz="2800" dirty="0" err="1">
-                <a:latin typeface="Bahnschrift SemiBold" panose="020B0502040204020203" pitchFamily="34" charset="0"/>
-              </a:rPr>
-              <a:t>osobine</a:t>
-            </a:r>
-            <a:r>
-              <a:rPr lang="en-US" sz="2800" dirty="0">
-                <a:latin typeface="Bahnschrift SemiBold" panose="020B0502040204020203" pitchFamily="34" charset="0"/>
-              </a:rPr>
-              <a:t> </a:t>
-            </a:r>
-            <a:r>
-              <a:rPr lang="en-US" sz="2800" dirty="0" err="1">
-                <a:latin typeface="Bahnschrift SemiBold" panose="020B0502040204020203" pitchFamily="34" charset="0"/>
-              </a:rPr>
-              <a:t>jedne</a:t>
-            </a:r>
-            <a:r>
-              <a:rPr lang="en-US" sz="2800" dirty="0">
-                <a:latin typeface="Bahnschrift SemiBold" panose="020B0502040204020203" pitchFamily="34" charset="0"/>
-              </a:rPr>
-              <a:t> </a:t>
-            </a:r>
-            <a:r>
-              <a:rPr lang="en-US" sz="2800" dirty="0" err="1">
-                <a:latin typeface="Bahnschrift SemiBold" panose="020B0502040204020203" pitchFamily="34" charset="0"/>
-              </a:rPr>
-              <a:t>povezane</a:t>
-            </a:r>
-            <a:r>
-              <a:rPr lang="en-US" sz="2800" dirty="0">
-                <a:latin typeface="Bahnschrift SemiBold" panose="020B0502040204020203" pitchFamily="34" charset="0"/>
-              </a:rPr>
-              <a:t> </a:t>
-            </a:r>
-            <a:r>
-              <a:rPr lang="en-US" sz="2800" dirty="0" err="1">
-                <a:latin typeface="Bahnschrift SemiBold" panose="020B0502040204020203" pitchFamily="34" charset="0"/>
-              </a:rPr>
-              <a:t>komponente</a:t>
-            </a:r>
-            <a:r>
-              <a:rPr lang="en-US" sz="2800" dirty="0">
-                <a:latin typeface="Bahnschrift SemiBold" panose="020B0502040204020203" pitchFamily="34" charset="0"/>
-              </a:rPr>
-              <a:t>, </a:t>
-            </a:r>
-            <a:r>
-              <a:rPr lang="en-US" sz="2800" dirty="0" err="1">
-                <a:latin typeface="Bahnschrift SemiBold" panose="020B0502040204020203" pitchFamily="34" charset="0"/>
-              </a:rPr>
-              <a:t>kao</a:t>
-            </a:r>
-            <a:r>
-              <a:rPr lang="en-US" sz="2800" dirty="0">
-                <a:latin typeface="Bahnschrift SemiBold" panose="020B0502040204020203" pitchFamily="34" charset="0"/>
-              </a:rPr>
-              <a:t> </a:t>
-            </a:r>
-            <a:r>
-              <a:rPr lang="en-US" sz="2800" dirty="0" err="1">
-                <a:latin typeface="Bahnschrift SemiBold" panose="020B0502040204020203" pitchFamily="34" charset="0"/>
-              </a:rPr>
-              <a:t>što</a:t>
-            </a:r>
-            <a:r>
-              <a:rPr lang="en-US" sz="2800" dirty="0">
-                <a:latin typeface="Bahnschrift SemiBold" panose="020B0502040204020203" pitchFamily="34" charset="0"/>
-              </a:rPr>
-              <a:t> </a:t>
-            </a:r>
-            <a:r>
-              <a:rPr lang="en-US" sz="2800" dirty="0" err="1">
-                <a:latin typeface="Bahnschrift SemiBold" panose="020B0502040204020203" pitchFamily="34" charset="0"/>
-              </a:rPr>
-              <a:t>su</a:t>
-            </a:r>
-            <a:r>
-              <a:rPr lang="en-US" sz="2800" dirty="0">
-                <a:latin typeface="Bahnschrift SemiBold" panose="020B0502040204020203" pitchFamily="34" charset="0"/>
-              </a:rPr>
-              <a:t> </a:t>
-            </a:r>
-            <a:r>
-              <a:rPr lang="en-US" sz="2800" dirty="0">
-                <a:solidFill>
-                  <a:srgbClr val="00B0F0"/>
-                </a:solidFill>
-                <a:latin typeface="Bahnschrift SemiBold" panose="020B0502040204020203" pitchFamily="34" charset="0"/>
-              </a:rPr>
-              <a:t>bounding box</a:t>
-            </a:r>
-            <a:r>
-              <a:rPr lang="en-US" sz="2800" dirty="0">
-                <a:latin typeface="Bahnschrift SemiBold" panose="020B0502040204020203" pitchFamily="34" charset="0"/>
-              </a:rPr>
-              <a:t> </a:t>
-            </a:r>
-            <a:r>
-              <a:rPr lang="en-US" sz="2800" dirty="0" err="1">
-                <a:latin typeface="Bahnschrift SemiBold" panose="020B0502040204020203" pitchFamily="34" charset="0"/>
-              </a:rPr>
-              <a:t>i</a:t>
-            </a:r>
-            <a:r>
-              <a:rPr lang="en-US" sz="2800" dirty="0">
-                <a:latin typeface="Bahnschrift SemiBold" panose="020B0502040204020203" pitchFamily="34" charset="0"/>
-              </a:rPr>
-              <a:t> </a:t>
-            </a:r>
-            <a:r>
-              <a:rPr lang="en-US" sz="2800" dirty="0" err="1">
-                <a:solidFill>
-                  <a:srgbClr val="00B0F0"/>
-                </a:solidFill>
-                <a:latin typeface="Bahnschrift SemiBold" panose="020B0502040204020203" pitchFamily="34" charset="0"/>
-              </a:rPr>
-              <a:t>površina</a:t>
-            </a:r>
-            <a:r>
-              <a:rPr lang="en-US" sz="2800" dirty="0">
-                <a:latin typeface="Bahnschrift SemiBold" panose="020B0502040204020203" pitchFamily="34" charset="0"/>
-              </a:rPr>
-              <a:t>.</a:t>
-            </a:r>
-          </a:p>
-        </p:txBody>
-      </p:sp>
-      <p:sp>
-        <p:nvSpPr>
-          <p:cNvPr id="16" name="TextBox 15">
-            <a:extLst>
-              <a:ext uri="{FF2B5EF4-FFF2-40B4-BE49-F238E27FC236}">
-                <a16:creationId xmlns:a16="http://schemas.microsoft.com/office/drawing/2014/main" id="{A3875935-6E60-01A3-4032-D82EB06244DC}"/>
-              </a:ext>
-            </a:extLst>
-          </p:cNvPr>
-          <p:cNvSpPr txBox="1"/>
-          <p:nvPr/>
-        </p:nvSpPr>
-        <p:spPr>
-          <a:xfrm>
-            <a:off x="13804217" y="-1413476"/>
-            <a:ext cx="6116389" cy="2739211"/>
-          </a:xfrm>
-          <a:prstGeom prst="rect">
-            <a:avLst/>
-          </a:prstGeom>
-          <a:noFill/>
-        </p:spPr>
-        <p:txBody>
-          <a:bodyPr wrap="square" rtlCol="0">
-            <a:spAutoFit/>
-          </a:bodyPr>
-          <a:lstStyle/>
-          <a:p>
-            <a:r>
-              <a:rPr lang="en-US" sz="2400" dirty="0" err="1">
-                <a:latin typeface="Bahnschrift SemiBold" panose="020B0502040204020203" pitchFamily="34" charset="0"/>
-              </a:rPr>
-              <a:t>Nakon</a:t>
-            </a:r>
-            <a:r>
-              <a:rPr lang="en-US" sz="2400" dirty="0">
-                <a:latin typeface="Bahnschrift SemiBold" panose="020B0502040204020203" pitchFamily="34" charset="0"/>
-              </a:rPr>
-              <a:t> </a:t>
-            </a:r>
-            <a:r>
-              <a:rPr lang="en-US" sz="2400" dirty="0" err="1">
-                <a:latin typeface="Bahnschrift SemiBold" panose="020B0502040204020203" pitchFamily="34" charset="0"/>
-              </a:rPr>
-              <a:t>svih</a:t>
-            </a:r>
-            <a:r>
-              <a:rPr lang="en-US" sz="2400" dirty="0">
-                <a:latin typeface="Bahnschrift SemiBold" panose="020B0502040204020203" pitchFamily="34" charset="0"/>
-              </a:rPr>
-              <a:t> </a:t>
-            </a:r>
-            <a:r>
-              <a:rPr lang="en-US" sz="2400" dirty="0" err="1">
-                <a:latin typeface="Bahnschrift SemiBold" panose="020B0502040204020203" pitchFamily="34" charset="0"/>
-              </a:rPr>
-              <a:t>modifikacija</a:t>
-            </a:r>
-            <a:r>
-              <a:rPr lang="en-US" sz="2400" dirty="0">
-                <a:latin typeface="Bahnschrift SemiBold" panose="020B0502040204020203" pitchFamily="34" charset="0"/>
-              </a:rPr>
-              <a:t> </a:t>
-            </a:r>
-            <a:r>
-              <a:rPr lang="en-US" sz="2400" dirty="0" err="1">
-                <a:latin typeface="Bahnschrift SemiBold" panose="020B0502040204020203" pitchFamily="34" charset="0"/>
-              </a:rPr>
-              <a:t>slike</a:t>
-            </a:r>
-            <a:r>
-              <a:rPr lang="en-US" sz="2400" dirty="0">
-                <a:latin typeface="Bahnschrift SemiBold" panose="020B0502040204020203" pitchFamily="34" charset="0"/>
-              </a:rPr>
-              <a:t>, </a:t>
-            </a:r>
-            <a:r>
-              <a:rPr lang="en-US" sz="2400" dirty="0" err="1">
-                <a:latin typeface="Bahnschrift SemiBold" panose="020B0502040204020203" pitchFamily="34" charset="0"/>
-              </a:rPr>
-              <a:t>koje</a:t>
-            </a:r>
-            <a:r>
-              <a:rPr lang="en-US" sz="2400" dirty="0">
-                <a:latin typeface="Bahnschrift SemiBold" panose="020B0502040204020203" pitchFamily="34" charset="0"/>
-              </a:rPr>
-              <a:t> bi </a:t>
-            </a:r>
-            <a:r>
-              <a:rPr lang="en-US" sz="2400" dirty="0" err="1">
-                <a:latin typeface="Bahnschrift SemiBold" panose="020B0502040204020203" pitchFamily="34" charset="0"/>
-              </a:rPr>
-              <a:t>nam</a:t>
-            </a:r>
-            <a:r>
-              <a:rPr lang="en-US" sz="2400" dirty="0">
-                <a:latin typeface="Bahnschrift SemiBold" panose="020B0502040204020203" pitchFamily="34" charset="0"/>
-              </a:rPr>
-              <a:t> </a:t>
-            </a:r>
-            <a:r>
-              <a:rPr lang="en-US" sz="2400" dirty="0" err="1">
-                <a:latin typeface="Bahnschrift SemiBold" panose="020B0502040204020203" pitchFamily="34" charset="0"/>
-              </a:rPr>
-              <a:t>pomogle</a:t>
-            </a:r>
-            <a:r>
-              <a:rPr lang="en-US" sz="2400" dirty="0">
-                <a:latin typeface="Bahnschrift SemiBold" panose="020B0502040204020203" pitchFamily="34" charset="0"/>
-              </a:rPr>
-              <a:t> </a:t>
-            </a:r>
-            <a:r>
-              <a:rPr lang="en-US" sz="2400" dirty="0" err="1">
-                <a:latin typeface="Bahnschrift SemiBold" panose="020B0502040204020203" pitchFamily="34" charset="0"/>
-              </a:rPr>
-              <a:t>pri</a:t>
-            </a:r>
-            <a:r>
-              <a:rPr lang="en-US" sz="2400" dirty="0">
-                <a:latin typeface="Bahnschrift SemiBold" panose="020B0502040204020203" pitchFamily="34" charset="0"/>
-              </a:rPr>
-              <a:t> </a:t>
-            </a:r>
-            <a:r>
-              <a:rPr lang="sr-Latn-ME" sz="2400" dirty="0">
-                <a:latin typeface="Bahnschrift SemiBold" panose="020B0502040204020203" pitchFamily="34" charset="0"/>
-              </a:rPr>
-              <a:t>lakšoj detekciji slova, na red dolazi samo prepoznavanje teksta iz niza piksela. Matlab ima ugrađene kompleksne funkcije koje se bave ovim stvarima. Jedna od tih funkcija jeste </a:t>
-            </a:r>
-            <a:r>
-              <a:rPr lang="sr-Latn-ME" sz="2800" dirty="0">
-                <a:solidFill>
-                  <a:srgbClr val="FF0000"/>
-                </a:solidFill>
-                <a:latin typeface="Bahnschrift SemiBold" panose="020B0502040204020203" pitchFamily="34" charset="0"/>
-              </a:rPr>
-              <a:t>OCR</a:t>
-            </a:r>
-            <a:r>
-              <a:rPr lang="sr-Latn-ME" sz="2400" dirty="0">
-                <a:latin typeface="Bahnschrift SemiBold" panose="020B0502040204020203" pitchFamily="34" charset="0"/>
-              </a:rPr>
-              <a:t> o kojoj će biti više reči u narednoj slajdu.</a:t>
-            </a:r>
-            <a:endParaRPr lang="en-US" sz="2400" dirty="0">
-              <a:latin typeface="Bahnschrift SemiBold" panose="020B0502040204020203" pitchFamily="34" charset="0"/>
-            </a:endParaRPr>
-          </a:p>
-        </p:txBody>
-      </p:sp>
-      <p:sp>
-        <p:nvSpPr>
-          <p:cNvPr id="3" name="TextBox 2">
-            <a:extLst>
-              <a:ext uri="{FF2B5EF4-FFF2-40B4-BE49-F238E27FC236}">
-                <a16:creationId xmlns:a16="http://schemas.microsoft.com/office/drawing/2014/main" id="{3D3D5ADF-3CCA-81A1-FD81-8FC0023B1961}"/>
-              </a:ext>
-            </a:extLst>
-          </p:cNvPr>
-          <p:cNvSpPr txBox="1"/>
-          <p:nvPr/>
-        </p:nvSpPr>
-        <p:spPr>
-          <a:xfrm>
-            <a:off x="386166" y="-3834273"/>
-            <a:ext cx="6116389" cy="3416320"/>
-          </a:xfrm>
-          <a:prstGeom prst="rect">
-            <a:avLst/>
-          </a:prstGeom>
-          <a:noFill/>
-        </p:spPr>
-        <p:txBody>
-          <a:bodyPr wrap="square" rtlCol="0">
-            <a:spAutoFit/>
-          </a:bodyPr>
-          <a:lstStyle/>
-          <a:p>
-            <a:r>
-              <a:rPr lang="en-US" sz="2400" dirty="0" err="1">
-                <a:latin typeface="Bahnschrift SemiBold" panose="020B0502040204020203" pitchFamily="34" charset="0"/>
-              </a:rPr>
-              <a:t>Funkcija</a:t>
-            </a:r>
-            <a:r>
-              <a:rPr lang="en-US" sz="2400" dirty="0">
-                <a:latin typeface="Bahnschrift SemiBold" panose="020B0502040204020203" pitchFamily="34" charset="0"/>
-              </a:rPr>
-              <a:t> </a:t>
-            </a:r>
-            <a:r>
               <a:rPr lang="en-US" sz="2400" dirty="0" err="1">
                 <a:solidFill>
                   <a:srgbClr val="FF0000"/>
@@ -19915,25 +17429,25 @@
               <a:rPr lang="en-US" sz="2400" dirty="0">
                 <a:latin typeface="Bahnschrift SemiBold" panose="020B0502040204020203" pitchFamily="34" charset="0"/>
               </a:rPr>
-              <a:t> se </a:t>
+              <a:t> </a:t>
             </a:r>
             <a:r>
               <a:rPr lang="en-US" sz="2400" dirty="0" err="1">
                 <a:latin typeface="Bahnschrift SemiBold" panose="020B0502040204020203" pitchFamily="34" charset="0"/>
               </a:rPr>
-              <a:t>koristi</a:t>
-            </a:r>
-            <a:r>
-              <a:rPr lang="en-US" sz="2400" dirty="0">
-                <a:latin typeface="Bahnschrift SemiBold" panose="020B0502040204020203" pitchFamily="34" charset="0"/>
-              </a:rPr>
-              <a:t> za </a:t>
+              <a:t>funkcija</a:t>
+            </a:r>
+            <a:r>
+              <a:rPr lang="en-US" sz="2400" dirty="0">
+                <a:latin typeface="Bahnschrift SemiBold" panose="020B0502040204020203" pitchFamily="34" charset="0"/>
+              </a:rPr>
+              <a:t> </a:t>
             </a:r>
             <a:r>
               <a:rPr lang="en-US" sz="2400" dirty="0" err="1">
                 <a:latin typeface="Bahnschrift SemiBold" panose="020B0502040204020203" pitchFamily="34" charset="0"/>
               </a:rPr>
-              <a:t>optičko</a:t>
+              <a:t>vraća</a:t>
             </a:r>
             <a:r>
               <a:rPr lang="en-US" sz="2400" dirty="0">
@@ -19945,7 +17459,7 @@
               <a:rPr lang="en-US" sz="2400" dirty="0" err="1">
                 <a:latin typeface="Bahnschrift SemiBold" panose="020B0502040204020203" pitchFamily="34" charset="0"/>
               </a:rPr>
-              <a:t>prepoznavanje</a:t>
+              <a:t>strukturu</a:t>
             </a:r>
             <a:r>
               <a:rPr lang="en-US" sz="2400" dirty="0">
@@ -19957,19 +17471,19 @@
               <a:rPr lang="en-US" sz="2400" dirty="0" err="1">
                 <a:latin typeface="Bahnschrift SemiBold" panose="020B0502040204020203" pitchFamily="34" charset="0"/>
               </a:rPr>
-              <a:t>karaktera</a:t>
-            </a:r>
-            <a:r>
-              <a:rPr lang="en-US" sz="2400" dirty="0">
-                <a:latin typeface="Bahnschrift SemiBold" panose="020B0502040204020203" pitchFamily="34" charset="0"/>
-              </a:rPr>
-              <a:t> (OCR - Optical Character Recognition) </a:t>
+              <a:t>koja</a:t>
+            </a:r>
+            <a:r>
+              <a:rPr lang="en-US" sz="2400" dirty="0">
+                <a:latin typeface="Bahnschrift SemiBold" panose="020B0502040204020203" pitchFamily="34" charset="0"/>
+              </a:rPr>
+              <a:t> </a:t>
             </a:r>
             <a:r>
               <a:rPr lang="en-US" sz="2400" dirty="0" err="1">
                 <a:latin typeface="Bahnschrift SemiBold" panose="020B0502040204020203" pitchFamily="34" charset="0"/>
               </a:rPr>
-              <a:t>na</a:t>
+              <a:t>sadrži</a:t>
             </a:r>
             <a:r>
               <a:rPr lang="en-US" sz="2400" dirty="0">
@@ -19981,7 +17495,7 @@
               <a:rPr lang="en-US" sz="2400" dirty="0" err="1">
                 <a:latin typeface="Bahnschrift SemiBold" panose="020B0502040204020203" pitchFamily="34" charset="0"/>
               </a:rPr>
-              <a:t>slici</a:t>
+              <a:t>sledeća</a:t>
             </a:r>
             <a:r>
               <a:rPr lang="en-US" sz="2400" dirty="0">
@@ -19993,105 +17507,25 @@
               <a:rPr lang="en-US" sz="2400" dirty="0" err="1">
                 <a:latin typeface="Bahnschrift SemiBold" panose="020B0502040204020203" pitchFamily="34" charset="0"/>
               </a:rPr>
-              <a:t>odnosno</a:t>
-            </a:r>
-            <a:r>
-              <a:rPr lang="en-US" sz="2400" dirty="0">
-                <a:latin typeface="Bahnschrift SemiBold" panose="020B0502040204020203" pitchFamily="34" charset="0"/>
-              </a:rPr>
-              <a:t> </a:t>
-            </a:r>
-            <a:r>
-              <a:rPr lang="en-US" sz="2400" dirty="0" err="1">
-                <a:latin typeface="Bahnschrift SemiBold" panose="020B0502040204020203" pitchFamily="34" charset="0"/>
-              </a:rPr>
-              <a:t>analizira</a:t>
-            </a:r>
-            <a:r>
-              <a:rPr lang="en-US" sz="2400" dirty="0">
-                <a:latin typeface="Bahnschrift SemiBold" panose="020B0502040204020203" pitchFamily="34" charset="0"/>
-              </a:rPr>
-              <a:t> </a:t>
-            </a:r>
-            <a:r>
-              <a:rPr lang="en-US" sz="2400" dirty="0" err="1">
-                <a:latin typeface="Bahnschrift SemiBold" panose="020B0502040204020203" pitchFamily="34" charset="0"/>
-              </a:rPr>
-              <a:t>sliku</a:t>
-            </a:r>
-            <a:r>
-              <a:rPr lang="en-US" sz="2400" dirty="0">
-                <a:latin typeface="Bahnschrift SemiBold" panose="020B0502040204020203" pitchFamily="34" charset="0"/>
-              </a:rPr>
-              <a:t> </a:t>
-            </a:r>
-            <a:r>
-              <a:rPr lang="en-US" sz="2400" dirty="0" err="1">
-                <a:latin typeface="Bahnschrift SemiBold" panose="020B0502040204020203" pitchFamily="34" charset="0"/>
-              </a:rPr>
-              <a:t>i</a:t>
-            </a:r>
-            <a:r>
-              <a:rPr lang="en-US" sz="2400" dirty="0">
-                <a:latin typeface="Bahnschrift SemiBold" panose="020B0502040204020203" pitchFamily="34" charset="0"/>
-              </a:rPr>
-              <a:t> </a:t>
-            </a:r>
-            <a:r>
-              <a:rPr lang="en-US" sz="2400" dirty="0" err="1">
-                <a:latin typeface="Bahnschrift SemiBold" panose="020B0502040204020203" pitchFamily="34" charset="0"/>
-              </a:rPr>
-              <a:t>prepoznaje</a:t>
-            </a:r>
-            <a:r>
-              <a:rPr lang="en-US" sz="2400" dirty="0">
-                <a:latin typeface="Bahnschrift SemiBold" panose="020B0502040204020203" pitchFamily="34" charset="0"/>
-              </a:rPr>
-              <a:t> </a:t>
-            </a:r>
-            <a:r>
-              <a:rPr lang="en-US" sz="2400" dirty="0" err="1">
-                <a:latin typeface="Bahnschrift SemiBold" panose="020B0502040204020203" pitchFamily="34" charset="0"/>
-              </a:rPr>
-              <a:t>tekst</a:t>
-            </a:r>
-            <a:r>
-              <a:rPr lang="en-US" sz="2400" dirty="0">
-                <a:latin typeface="Bahnschrift SemiBold" panose="020B0502040204020203" pitchFamily="34" charset="0"/>
-              </a:rPr>
-              <a:t> </a:t>
-            </a:r>
-            <a:r>
-              <a:rPr lang="en-US" sz="2400" dirty="0" err="1">
-                <a:latin typeface="Bahnschrift SemiBold" panose="020B0502040204020203" pitchFamily="34" charset="0"/>
-              </a:rPr>
-              <a:t>na</a:t>
-            </a:r>
-            <a:r>
-              <a:rPr lang="en-US" sz="2400" dirty="0">
-                <a:latin typeface="Bahnschrift SemiBold" panose="020B0502040204020203" pitchFamily="34" charset="0"/>
-              </a:rPr>
-              <a:t> </a:t>
-            </a:r>
-            <a:r>
-              <a:rPr lang="en-US" sz="2400" dirty="0" err="1">
-                <a:latin typeface="Bahnschrift SemiBold" panose="020B0502040204020203" pitchFamily="34" charset="0"/>
-              </a:rPr>
-              <a:t>slici</a:t>
-            </a:r>
-            <a:r>
-              <a:rPr lang="en-US" sz="2400" dirty="0">
-                <a:latin typeface="Bahnschrift SemiBold" panose="020B0502040204020203" pitchFamily="34" charset="0"/>
-              </a:rPr>
-              <a:t>.</a:t>
-            </a:r>
-          </a:p>
-          <a:p>
-            <a:endParaRPr lang="en-US" sz="2400" dirty="0">
-              <a:latin typeface="Bahnschrift SemiBold" panose="020B0502040204020203" pitchFamily="34" charset="0"/>
-            </a:endParaRPr>
-          </a:p>
-          <a:p>
+              <a:t>polja</a:t>
+            </a:r>
+            <a:r>
+              <a:rPr lang="en-US" sz="2400" dirty="0">
+                <a:latin typeface="Bahnschrift SemiBold" panose="020B0502040204020203" pitchFamily="34" charset="0"/>
+              </a:rPr>
+              <a:t>:</a:t>
+            </a:r>
+          </a:p>
+          <a:p>
+            <a:r>
+              <a:rPr lang="en-US" sz="2400" dirty="0">
+                <a:solidFill>
+                  <a:srgbClr val="0070C0"/>
+                </a:solidFill>
+                <a:latin typeface="Bahnschrift SemiBold" panose="020B0502040204020203" pitchFamily="34" charset="0"/>
+              </a:rPr>
+              <a:t>Text, </a:t>
+            </a:r>
             <a:r>
               <a:rPr lang="en-US" sz="2400" dirty="0" err="1">
                 <a:solidFill>
@@ -20099,636 +17533,93 @@
                 </a:solidFill>
                 <a:latin typeface="Bahnschrift SemiBold" panose="020B0502040204020203" pitchFamily="34" charset="0"/>
               </a:rPr>
-              <a:t>ocrResults</a:t>
-            </a:r>
-            <a:r>
-              <a:rPr lang="en-US" sz="2400" dirty="0">
-                <a:latin typeface="Bahnschrift SemiBold" panose="020B0502040204020203" pitchFamily="34" charset="0"/>
-              </a:rPr>
-              <a:t>: </a:t>
-            </a:r>
-            <a:r>
-              <a:rPr lang="en-US" sz="2400" dirty="0" err="1">
-                <a:latin typeface="Bahnschrift SemiBold" panose="020B0502040204020203" pitchFamily="34" charset="0"/>
-              </a:rPr>
-              <a:t>Struktura</a:t>
-            </a:r>
-            <a:r>
-              <a:rPr lang="en-US" sz="2400" dirty="0">
-                <a:latin typeface="Bahnschrift SemiBold" panose="020B0502040204020203" pitchFamily="34" charset="0"/>
-              </a:rPr>
-              <a:t> </a:t>
-            </a:r>
-            <a:r>
-              <a:rPr lang="en-US" sz="2400" dirty="0" err="1">
-                <a:latin typeface="Bahnschrift SemiBold" panose="020B0502040204020203" pitchFamily="34" charset="0"/>
-              </a:rPr>
-              <a:t>koja</a:t>
-            </a:r>
-            <a:r>
-              <a:rPr lang="en-US" sz="2400" dirty="0">
-                <a:latin typeface="Bahnschrift SemiBold" panose="020B0502040204020203" pitchFamily="34" charset="0"/>
-              </a:rPr>
-              <a:t> </a:t>
-            </a:r>
-            <a:r>
-              <a:rPr lang="en-US" sz="2400" dirty="0" err="1">
-                <a:latin typeface="Bahnschrift SemiBold" panose="020B0502040204020203" pitchFamily="34" charset="0"/>
-              </a:rPr>
-              <a:t>sadrži</a:t>
-            </a:r>
-            <a:r>
-              <a:rPr lang="en-US" sz="2400" dirty="0">
-                <a:latin typeface="Bahnschrift SemiBold" panose="020B0502040204020203" pitchFamily="34" charset="0"/>
-              </a:rPr>
-              <a:t> </a:t>
-            </a:r>
-            <a:r>
-              <a:rPr lang="en-US" sz="2400" dirty="0" err="1">
-                <a:latin typeface="Bahnschrift SemiBold" panose="020B0502040204020203" pitchFamily="34" charset="0"/>
-              </a:rPr>
-              <a:t>rezultate</a:t>
-            </a:r>
-            <a:r>
-              <a:rPr lang="en-US" sz="2400" dirty="0">
-                <a:latin typeface="Bahnschrift SemiBold" panose="020B0502040204020203" pitchFamily="34" charset="0"/>
-              </a:rPr>
-              <a:t> OCR </a:t>
-            </a:r>
-            <a:r>
-              <a:rPr lang="en-US" sz="2400" dirty="0" err="1">
-                <a:latin typeface="Bahnschrift SemiBold" panose="020B0502040204020203" pitchFamily="34" charset="0"/>
-              </a:rPr>
-              <a:t>analize</a:t>
-            </a:r>
-            <a:r>
-              <a:rPr lang="en-US" sz="2400" dirty="0">
+              <a:t>CharacterBoundingBoxes</a:t>
+            </a:r>
+            <a:r>
+              <a:rPr lang="en-US" sz="2400" dirty="0">
+                <a:solidFill>
+                  <a:srgbClr val="0070C0"/>
+                </a:solidFill>
                 <a:latin typeface="Bahnschrift SemiBold" panose="020B0502040204020203" pitchFamily="34" charset="0"/>
               </a:rPr>
               <a:t>, </a:t>
             </a:r>
-            <a:r>
-              <a:rPr lang="en-US" sz="2400" dirty="0" err="1">
-                <a:latin typeface="Bahnschrift SemiBold" panose="020B0502040204020203" pitchFamily="34" charset="0"/>
-              </a:rPr>
-              <a:t>uključujući</a:t>
-            </a:r>
-            <a:r>
-              <a:rPr lang="en-US" sz="2400" dirty="0">
-                <a:latin typeface="Bahnschrift SemiBold" panose="020B0502040204020203" pitchFamily="34" charset="0"/>
-              </a:rPr>
-              <a:t> </a:t>
-            </a:r>
-            <a:r>
-              <a:rPr lang="en-US" sz="2400" dirty="0" err="1">
-                <a:latin typeface="Bahnschrift SemiBold" panose="020B0502040204020203" pitchFamily="34" charset="0"/>
-              </a:rPr>
-              <a:t>prepoznati</a:t>
-            </a:r>
-            <a:r>
-              <a:rPr lang="en-US" sz="2400" dirty="0">
-                <a:latin typeface="Bahnschrift SemiBold" panose="020B0502040204020203" pitchFamily="34" charset="0"/>
-              </a:rPr>
-              <a:t> </a:t>
-            </a:r>
-            <a:r>
-              <a:rPr lang="en-US" sz="2400" dirty="0" err="1">
-                <a:latin typeface="Bahnschrift SemiBold" panose="020B0502040204020203" pitchFamily="34" charset="0"/>
-              </a:rPr>
-              <a:t>tekst</a:t>
-            </a:r>
-            <a:r>
-              <a:rPr lang="en-US" sz="2400" dirty="0">
-                <a:latin typeface="Bahnschrift SemiBold" panose="020B0502040204020203" pitchFamily="34" charset="0"/>
-              </a:rPr>
-              <a:t> </a:t>
-            </a:r>
-            <a:r>
-              <a:rPr lang="en-US" sz="2400" dirty="0" err="1">
-                <a:latin typeface="Bahnschrift SemiBold" panose="020B0502040204020203" pitchFamily="34" charset="0"/>
-              </a:rPr>
-              <a:t>i</a:t>
-            </a:r>
-            <a:r>
-              <a:rPr lang="en-US" sz="2400" dirty="0">
-                <a:latin typeface="Bahnschrift SemiBold" panose="020B0502040204020203" pitchFamily="34" charset="0"/>
-              </a:rPr>
-              <a:t> </a:t>
-            </a:r>
-            <a:r>
-              <a:rPr lang="en-US" sz="2400" dirty="0" err="1">
-                <a:latin typeface="Bahnschrift SemiBold" panose="020B0502040204020203" pitchFamily="34" charset="0"/>
-              </a:rPr>
-              <a:t>dodatne</a:t>
-            </a:r>
-            <a:r>
-              <a:rPr lang="en-US" sz="2400" dirty="0">
-                <a:latin typeface="Bahnschrift SemiBold" panose="020B0502040204020203" pitchFamily="34" charset="0"/>
-              </a:rPr>
-              <a:t> </a:t>
-            </a:r>
-            <a:r>
-              <a:rPr lang="en-US" sz="2400" dirty="0" err="1">
-                <a:latin typeface="Bahnschrift SemiBold" panose="020B0502040204020203" pitchFamily="34" charset="0"/>
-              </a:rPr>
-              <a:t>informacije</a:t>
-            </a:r>
-            <a:r>
-              <a:rPr lang="en-US" sz="2400" dirty="0">
-                <a:latin typeface="Bahnschrift SemiBold" panose="020B0502040204020203" pitchFamily="34" charset="0"/>
-              </a:rPr>
-              <a:t> </a:t>
-            </a:r>
-            <a:r>
-              <a:rPr lang="en-US" sz="2400" dirty="0" err="1">
-                <a:latin typeface="Bahnschrift SemiBold" panose="020B0502040204020203" pitchFamily="34" charset="0"/>
-              </a:rPr>
-              <a:t>kao</a:t>
-            </a:r>
-            <a:r>
-              <a:rPr lang="en-US" sz="2400" dirty="0">
-                <a:latin typeface="Bahnschrift SemiBold" panose="020B0502040204020203" pitchFamily="34" charset="0"/>
-              </a:rPr>
-              <a:t> </a:t>
-            </a:r>
-            <a:r>
-              <a:rPr lang="en-US" sz="2400" dirty="0" err="1">
-                <a:latin typeface="Bahnschrift SemiBold" panose="020B0502040204020203" pitchFamily="34" charset="0"/>
-              </a:rPr>
-              <a:t>što</a:t>
-            </a:r>
-            <a:r>
-              <a:rPr lang="en-US" sz="2400" dirty="0">
-                <a:latin typeface="Bahnschrift SemiBold" panose="020B0502040204020203" pitchFamily="34" charset="0"/>
-              </a:rPr>
-              <a:t> </a:t>
-            </a:r>
-            <a:r>
-              <a:rPr lang="en-US" sz="2400" dirty="0" err="1">
-                <a:latin typeface="Bahnschrift SemiBold" panose="020B0502040204020203" pitchFamily="34" charset="0"/>
-              </a:rPr>
-              <a:t>su</a:t>
-            </a:r>
-            <a:r>
-              <a:rPr lang="en-US" sz="2400" dirty="0">
-                <a:latin typeface="Bahnschrift SemiBold" panose="020B0502040204020203" pitchFamily="34" charset="0"/>
-              </a:rPr>
-              <a:t> </a:t>
-            </a:r>
-            <a:r>
-              <a:rPr lang="en-US" sz="2400" dirty="0" err="1">
-                <a:latin typeface="Bahnschrift SemiBold" panose="020B0502040204020203" pitchFamily="34" charset="0"/>
-              </a:rPr>
-              <a:t>položaj</a:t>
-            </a:r>
-            <a:r>
-              <a:rPr lang="en-US" sz="2400" dirty="0">
-                <a:latin typeface="Bahnschrift SemiBold" panose="020B0502040204020203" pitchFamily="34" charset="0"/>
-              </a:rPr>
-              <a:t> </a:t>
-            </a:r>
-            <a:r>
-              <a:rPr lang="en-US" sz="2400" dirty="0" err="1">
-                <a:latin typeface="Bahnschrift SemiBold" panose="020B0502040204020203" pitchFamily="34" charset="0"/>
-              </a:rPr>
-              <a:t>znakova</a:t>
-            </a:r>
-            <a:r>
-              <a:rPr lang="en-US" sz="2400" dirty="0">
-                <a:latin typeface="Bahnschrift SemiBold" panose="020B0502040204020203" pitchFamily="34" charset="0"/>
-              </a:rPr>
-              <a:t>.</a:t>
-            </a:r>
-          </a:p>
-        </p:txBody>
-      </p:sp>
-      <p:pic>
-        <p:nvPicPr>
-          <p:cNvPr id="11" name="Picture 10">
-            <a:extLst>
-              <a:ext uri="{FF2B5EF4-FFF2-40B4-BE49-F238E27FC236}">
-                <a16:creationId xmlns:a16="http://schemas.microsoft.com/office/drawing/2014/main" id="{B1BCFEA1-3EC5-DE20-ECCD-2607375921E3}"/>
-              </a:ext>
-            </a:extLst>
-          </p:cNvPr>
-          <p:cNvPicPr>
-            <a:picLocks noChangeAspect="1"/>
-          </p:cNvPicPr>
-          <p:nvPr/>
-        </p:nvPicPr>
-        <p:blipFill>
-          <a:blip r:embed="rId3"/>
-          <a:stretch>
-            <a:fillRect/>
-          </a:stretch>
-        </p:blipFill>
-        <p:spPr>
-          <a:xfrm>
-            <a:off x="6182382" y="1672243"/>
-            <a:ext cx="5777022" cy="1756757"/>
-          </a:xfrm>
-          <a:prstGeom prst="rect">
-            <a:avLst/>
-          </a:prstGeom>
-        </p:spPr>
-      </p:pic>
-      <p:sp>
-        <p:nvSpPr>
-          <p:cNvPr id="8" name="TextBox 7">
-            <a:extLst>
-              <a:ext uri="{FF2B5EF4-FFF2-40B4-BE49-F238E27FC236}">
-                <a16:creationId xmlns:a16="http://schemas.microsoft.com/office/drawing/2014/main" id="{218AD39B-45A7-917A-566D-91C9E2846319}"/>
-              </a:ext>
-            </a:extLst>
-          </p:cNvPr>
-          <p:cNvSpPr txBox="1"/>
-          <p:nvPr/>
-        </p:nvSpPr>
-        <p:spPr>
-          <a:xfrm>
-            <a:off x="519246" y="1064778"/>
-            <a:ext cx="5200293" cy="3416320"/>
-          </a:xfrm>
-          <a:prstGeom prst="rect">
-            <a:avLst/>
-          </a:prstGeom>
-          <a:noFill/>
-        </p:spPr>
-        <p:txBody>
-          <a:bodyPr wrap="square" rtlCol="0">
-            <a:spAutoFit/>
-          </a:bodyPr>
-          <a:lstStyle/>
-          <a:p>
             <a:r>
               <a:rPr lang="en-US" sz="2400" dirty="0" err="1">
                 <a:solidFill>
-                  <a:srgbClr val="FF0000"/>
+                  <a:srgbClr val="0070C0"/>
                 </a:solidFill>
                 <a:latin typeface="Bahnschrift SemiBold" panose="020B0502040204020203" pitchFamily="34" charset="0"/>
               </a:rPr>
-              <a:t>strtrim</a:t>
-            </a:r>
-            <a:r>
-              <a:rPr lang="en-US" sz="2400" dirty="0">
-                <a:latin typeface="Bahnschrift SemiBold" panose="020B0502040204020203" pitchFamily="34" charset="0"/>
-              </a:rPr>
-              <a:t>(</a:t>
+              <a:t>CharacterConfidences</a:t>
+            </a:r>
+            <a:r>
+              <a:rPr lang="en-US" sz="2400" dirty="0">
+                <a:latin typeface="Bahnschrift SemiBold" panose="020B0502040204020203" pitchFamily="34" charset="0"/>
+              </a:rPr>
+              <a:t>, </a:t>
+            </a:r>
+            <a:r>
+              <a:rPr lang="en-US" sz="2400" dirty="0">
+                <a:solidFill>
+                  <a:srgbClr val="0070C0"/>
+                </a:solidFill>
+                <a:latin typeface="Bahnschrift SemiBold" panose="020B0502040204020203" pitchFamily="34" charset="0"/>
+              </a:rPr>
+              <a:t>Words, </a:t>
             </a:r>
             <a:r>
               <a:rPr lang="en-US" sz="2400" dirty="0" err="1">
                 <a:solidFill>
-                  <a:schemeClr val="accent1">
-                    <a:lumMod val="75000"/>
-                  </a:schemeClr>
+                  <a:srgbClr val="0070C0"/>
                 </a:solidFill>
                 <a:latin typeface="Bahnschrift SemiBold" panose="020B0502040204020203" pitchFamily="34" charset="0"/>
               </a:rPr>
-              <a:t>ocrResults</a:t>
-            </a:r>
-            <a:r>
-              <a:rPr lang="en-US" sz="2400" dirty="0" err="1">
-                <a:latin typeface="Bahnschrift SemiBold" panose="020B0502040204020203" pitchFamily="34" charset="0"/>
-              </a:rPr>
-              <a:t>.Text</a:t>
-            </a:r>
-            <a:r>
-              <a:rPr lang="en-US" sz="2400" dirty="0">
-                <a:latin typeface="Bahnschrift SemiBold" panose="020B0502040204020203" pitchFamily="34" charset="0"/>
-              </a:rPr>
-              <a:t>): </a:t>
-            </a:r>
-          </a:p>
-          <a:p>
-            <a:r>
-              <a:rPr lang="en-US" sz="2400" dirty="0" err="1">
-                <a:latin typeface="Bahnschrift SemiBold" panose="020B0502040204020203" pitchFamily="34" charset="0"/>
-              </a:rPr>
-              <a:t>Funkcija</a:t>
-            </a:r>
-            <a:r>
-              <a:rPr lang="en-US" sz="2400" dirty="0">
-                <a:latin typeface="Bahnschrift SemiBold" panose="020B0502040204020203" pitchFamily="34" charset="0"/>
-              </a:rPr>
-              <a:t> </a:t>
+              <a:t>WordBoundingBoxes</a:t>
+            </a:r>
+            <a:r>
+              <a:rPr lang="en-US" sz="2400" dirty="0">
+                <a:latin typeface="Bahnschrift SemiBold" panose="020B0502040204020203" pitchFamily="34" charset="0"/>
+              </a:rPr>
+              <a:t>, </a:t>
             </a:r>
             <a:r>
               <a:rPr lang="en-US" sz="2400" dirty="0" err="1">
                 <a:solidFill>
-                  <a:srgbClr val="FF0000"/>
+                  <a:srgbClr val="0070C0"/>
                 </a:solidFill>
                 <a:latin typeface="Bahnschrift SemiBold" panose="020B0502040204020203" pitchFamily="34" charset="0"/>
               </a:rPr>
-              <a:t>strtrim</a:t>
-            </a:r>
-            <a:r>
-              <a:rPr lang="en-US" sz="2400" dirty="0">
-                <a:latin typeface="Bahnschrift SemiBold" panose="020B0502040204020203" pitchFamily="34" charset="0"/>
-              </a:rPr>
-              <a:t> se </a:t>
-            </a:r>
-            <a:r>
-              <a:rPr lang="en-US" sz="2400" dirty="0" err="1">
-                <a:latin typeface="Bahnschrift SemiBold" panose="020B0502040204020203" pitchFamily="34" charset="0"/>
-              </a:rPr>
-              <a:t>koristi</a:t>
-            </a:r>
-            <a:r>
-              <a:rPr lang="en-US" sz="2400" dirty="0">
-                <a:latin typeface="Bahnschrift SemiBold" panose="020B0502040204020203" pitchFamily="34" charset="0"/>
-              </a:rPr>
-              <a:t> za </a:t>
-            </a:r>
-            <a:r>
-              <a:rPr lang="en-US" sz="2400" dirty="0" err="1">
-                <a:latin typeface="Bahnschrift SemiBold" panose="020B0502040204020203" pitchFamily="34" charset="0"/>
-              </a:rPr>
-              <a:t>uklanjanje</a:t>
-            </a:r>
-            <a:r>
-              <a:rPr lang="en-US" sz="2400" dirty="0">
-                <a:latin typeface="Bahnschrift SemiBold" panose="020B0502040204020203" pitchFamily="34" charset="0"/>
-              </a:rPr>
-              <a:t> </a:t>
-            </a:r>
-            <a:r>
-              <a:rPr lang="en-US" sz="2400" dirty="0" err="1">
-                <a:latin typeface="Bahnschrift SemiBold" panose="020B0502040204020203" pitchFamily="34" charset="0"/>
-              </a:rPr>
-              <a:t>vodećih</a:t>
-            </a:r>
-            <a:r>
-              <a:rPr lang="en-US" sz="2400" dirty="0">
-                <a:latin typeface="Bahnschrift SemiBold" panose="020B0502040204020203" pitchFamily="34" charset="0"/>
-              </a:rPr>
-              <a:t> </a:t>
-            </a:r>
-            <a:r>
-              <a:rPr lang="en-US" sz="2400" dirty="0" err="1">
-                <a:latin typeface="Bahnschrift SemiBold" panose="020B0502040204020203" pitchFamily="34" charset="0"/>
-              </a:rPr>
-              <a:t>i</a:t>
-            </a:r>
-            <a:r>
-              <a:rPr lang="en-US" sz="2400" dirty="0">
-                <a:latin typeface="Bahnschrift SemiBold" panose="020B0502040204020203" pitchFamily="34" charset="0"/>
-              </a:rPr>
-              <a:t> </a:t>
-            </a:r>
-            <a:r>
-              <a:rPr lang="en-US" sz="2400" dirty="0" err="1">
-                <a:latin typeface="Bahnschrift SemiBold" panose="020B0502040204020203" pitchFamily="34" charset="0"/>
-              </a:rPr>
-              <a:t>sledećih</a:t>
-            </a:r>
-            <a:r>
-              <a:rPr lang="en-US" sz="2400" dirty="0">
-                <a:latin typeface="Bahnschrift SemiBold" panose="020B0502040204020203" pitchFamily="34" charset="0"/>
-              </a:rPr>
-              <a:t> </a:t>
-            </a:r>
-            <a:r>
-              <a:rPr lang="en-US" sz="2400" dirty="0" err="1">
-                <a:latin typeface="Bahnschrift SemiBold" panose="020B0502040204020203" pitchFamily="34" charset="0"/>
-              </a:rPr>
-              <a:t>belina</a:t>
-            </a:r>
-            <a:r>
-              <a:rPr lang="en-US" sz="2400" dirty="0">
-                <a:latin typeface="Bahnschrift SemiBold" panose="020B0502040204020203" pitchFamily="34" charset="0"/>
-              </a:rPr>
-              <a:t> </a:t>
-            </a:r>
-            <a:r>
-              <a:rPr lang="en-US" sz="2400" dirty="0" err="1">
-                <a:latin typeface="Bahnschrift SemiBold" panose="020B0502040204020203" pitchFamily="34" charset="0"/>
-              </a:rPr>
-              <a:t>iz</a:t>
-            </a:r>
-            <a:r>
-              <a:rPr lang="en-US" sz="2400" dirty="0">
-                <a:latin typeface="Bahnschrift SemiBold" panose="020B0502040204020203" pitchFamily="34" charset="0"/>
-              </a:rPr>
-              <a:t> </a:t>
-            </a:r>
-            <a:r>
-              <a:rPr lang="en-US" sz="2400" dirty="0" err="1">
-                <a:latin typeface="Bahnschrift SemiBold" panose="020B0502040204020203" pitchFamily="34" charset="0"/>
-              </a:rPr>
-              <a:t>prepoznatog</a:t>
-            </a:r>
-            <a:r>
-              <a:rPr lang="en-US" sz="2400" dirty="0">
-                <a:latin typeface="Bahnschrift SemiBold" panose="020B0502040204020203" pitchFamily="34" charset="0"/>
-              </a:rPr>
-              <a:t> </a:t>
-            </a:r>
-            <a:r>
-              <a:rPr lang="en-US" sz="2400" dirty="0" err="1">
-                <a:latin typeface="Bahnschrift SemiBold" panose="020B0502040204020203" pitchFamily="34" charset="0"/>
-              </a:rPr>
-              <a:t>teksta</a:t>
-            </a:r>
-            <a:r>
-              <a:rPr lang="en-US" sz="2400" dirty="0">
+              <a:t>WordConfidences</a:t>
+            </a:r>
+            <a:r>
+              <a:rPr lang="en-US" sz="2400" dirty="0">
+                <a:solidFill>
+                  <a:srgbClr val="0070C0"/>
+                </a:solidFill>
                 <a:latin typeface="Bahnschrift SemiBold" panose="020B0502040204020203" pitchFamily="34" charset="0"/>
               </a:rPr>
               <a:t>.</a:t>
             </a:r>
-          </a:p>
-          <a:p>
             <a:endParaRPr lang="en-US" sz="2400" dirty="0">
               <a:latin typeface="Bahnschrift SemiBold" panose="020B0502040204020203" pitchFamily="34" charset="0"/>
             </a:endParaRPr>
-          </a:p>
-          <a:p>
-            <a:r>
-              <a:rPr lang="en-US" sz="2400" dirty="0" err="1">
-                <a:solidFill>
-                  <a:schemeClr val="accent1">
-                    <a:lumMod val="75000"/>
-                  </a:schemeClr>
-                </a:solidFill>
-                <a:latin typeface="Bahnschrift SemiBold" panose="020B0502040204020203" pitchFamily="34" charset="0"/>
-              </a:rPr>
-              <a:t>ocrResults</a:t>
-            </a:r>
-            <a:r>
-              <a:rPr lang="en-US" sz="2400" dirty="0" err="1">
-                <a:latin typeface="Bahnschrift SemiBold" panose="020B0502040204020203" pitchFamily="34" charset="0"/>
-              </a:rPr>
-              <a:t>.Text</a:t>
-            </a:r>
-            <a:r>
-              <a:rPr lang="en-US" sz="2400" dirty="0">
-                <a:latin typeface="Bahnschrift SemiBold" panose="020B0502040204020203" pitchFamily="34" charset="0"/>
-              </a:rPr>
-              <a:t>: </a:t>
-            </a:r>
-            <a:r>
-              <a:rPr lang="en-US" sz="2400" dirty="0" err="1">
-                <a:latin typeface="Bahnschrift SemiBold" panose="020B0502040204020203" pitchFamily="34" charset="0"/>
-              </a:rPr>
-              <a:t>sadrži</a:t>
-            </a:r>
-            <a:r>
-              <a:rPr lang="en-US" sz="2400" dirty="0">
-                <a:latin typeface="Bahnschrift SemiBold" panose="020B0502040204020203" pitchFamily="34" charset="0"/>
-              </a:rPr>
-              <a:t> </a:t>
-            </a:r>
-            <a:r>
-              <a:rPr lang="en-US" sz="2400" dirty="0" err="1">
-                <a:latin typeface="Bahnschrift SemiBold" panose="020B0502040204020203" pitchFamily="34" charset="0"/>
-              </a:rPr>
-              <a:t>prepoznati</a:t>
-            </a:r>
-            <a:r>
-              <a:rPr lang="en-US" sz="2400" dirty="0">
-                <a:latin typeface="Bahnschrift SemiBold" panose="020B0502040204020203" pitchFamily="34" charset="0"/>
-              </a:rPr>
-              <a:t> </a:t>
-            </a:r>
-            <a:r>
-              <a:rPr lang="en-US" sz="2400" dirty="0" err="1">
-                <a:latin typeface="Bahnschrift SemiBold" panose="020B0502040204020203" pitchFamily="34" charset="0"/>
-              </a:rPr>
-              <a:t>tekst</a:t>
-            </a:r>
-            <a:r>
-              <a:rPr lang="en-US" sz="2400" dirty="0">
-                <a:latin typeface="Bahnschrift SemiBold" panose="020B0502040204020203" pitchFamily="34" charset="0"/>
-              </a:rPr>
-              <a:t>.</a:t>
-            </a:r>
-          </a:p>
-          <a:p>
-            <a:r>
-              <a:rPr lang="en-US" sz="2400" dirty="0" err="1">
-                <a:solidFill>
-                  <a:schemeClr val="accent1">
-                    <a:lumMod val="75000"/>
-                  </a:schemeClr>
-                </a:solidFill>
-                <a:latin typeface="Bahnschrift SemiBold" panose="020B0502040204020203" pitchFamily="34" charset="0"/>
-              </a:rPr>
-              <a:t>detectedText</a:t>
-            </a:r>
-            <a:r>
-              <a:rPr lang="en-US" sz="2400" dirty="0">
-                <a:latin typeface="Bahnschrift SemiBold" panose="020B0502040204020203" pitchFamily="34" charset="0"/>
-              </a:rPr>
-              <a:t>: </a:t>
-            </a:r>
-            <a:r>
-              <a:rPr lang="en-US" sz="2400" dirty="0" err="1">
-                <a:latin typeface="Bahnschrift SemiBold" panose="020B0502040204020203" pitchFamily="34" charset="0"/>
-              </a:rPr>
-              <a:t>Prečišćeni</a:t>
-            </a:r>
-            <a:r>
-              <a:rPr lang="en-US" sz="2400" dirty="0">
-                <a:latin typeface="Bahnschrift SemiBold" panose="020B0502040204020203" pitchFamily="34" charset="0"/>
-              </a:rPr>
-              <a:t> </a:t>
-            </a:r>
-            <a:r>
-              <a:rPr lang="en-US" sz="2400" dirty="0" err="1">
-                <a:latin typeface="Bahnschrift SemiBold" panose="020B0502040204020203" pitchFamily="34" charset="0"/>
-              </a:rPr>
-              <a:t>prepoznati</a:t>
-            </a:r>
-            <a:r>
-              <a:rPr lang="en-US" sz="2400" dirty="0">
-                <a:latin typeface="Bahnschrift SemiBold" panose="020B0502040204020203" pitchFamily="34" charset="0"/>
-              </a:rPr>
-              <a:t> </a:t>
-            </a:r>
-            <a:r>
-              <a:rPr lang="en-US" sz="2400" dirty="0" err="1">
-                <a:latin typeface="Bahnschrift SemiBold" panose="020B0502040204020203" pitchFamily="34" charset="0"/>
-              </a:rPr>
-              <a:t>tekst</a:t>
-            </a:r>
-            <a:r>
-              <a:rPr lang="en-US" sz="2400" dirty="0">
-                <a:latin typeface="Bahnschrift SemiBold" panose="020B0502040204020203" pitchFamily="34" charset="0"/>
-              </a:rPr>
-              <a:t> bez </a:t>
-            </a:r>
-            <a:r>
-              <a:rPr lang="en-US" sz="2400" dirty="0" err="1">
-                <a:latin typeface="Bahnschrift SemiBold" panose="020B0502040204020203" pitchFamily="34" charset="0"/>
-              </a:rPr>
-              <a:t>vodećih</a:t>
-            </a:r>
-            <a:r>
-              <a:rPr lang="en-US" sz="2400" dirty="0">
-                <a:latin typeface="Bahnschrift SemiBold" panose="020B0502040204020203" pitchFamily="34" charset="0"/>
-              </a:rPr>
-              <a:t> </a:t>
-            </a:r>
-            <a:r>
-              <a:rPr lang="en-US" sz="2400" dirty="0" err="1">
-                <a:latin typeface="Bahnschrift SemiBold" panose="020B0502040204020203" pitchFamily="34" charset="0"/>
-              </a:rPr>
-              <a:t>i</a:t>
-            </a:r>
-            <a:r>
-              <a:rPr lang="en-US" sz="2400" dirty="0">
-                <a:latin typeface="Bahnschrift SemiBold" panose="020B0502040204020203" pitchFamily="34" charset="0"/>
-              </a:rPr>
-              <a:t> </a:t>
-            </a:r>
-            <a:r>
-              <a:rPr lang="en-US" sz="2400" dirty="0" err="1">
-                <a:latin typeface="Bahnschrift SemiBold" panose="020B0502040204020203" pitchFamily="34" charset="0"/>
-              </a:rPr>
-              <a:t>sledećih</a:t>
-            </a:r>
-            <a:r>
-              <a:rPr lang="en-US" sz="2400" dirty="0">
-                <a:latin typeface="Bahnschrift SemiBold" panose="020B0502040204020203" pitchFamily="34" charset="0"/>
-              </a:rPr>
-              <a:t> </a:t>
-            </a:r>
-            <a:r>
-              <a:rPr lang="en-US" sz="2400" dirty="0" err="1">
-                <a:latin typeface="Bahnschrift SemiBold" panose="020B0502040204020203" pitchFamily="34" charset="0"/>
-              </a:rPr>
-              <a:t>belina</a:t>
-            </a:r>
-            <a:r>
-              <a:rPr lang="en-US" sz="2400" dirty="0">
-                <a:latin typeface="Bahnschrift SemiBold" panose="020B0502040204020203" pitchFamily="34" charset="0"/>
-              </a:rPr>
-              <a:t>.</a:t>
-            </a:r>
           </a:p>
         </p:txBody>
       </p:sp>
     </p:spTree>
     <p:extLst>
       <p:ext uri="{BB962C8B-B14F-4D97-AF65-F5344CB8AC3E}">
-        <p14:creationId xmlns:p14="http://schemas.microsoft.com/office/powerpoint/2010/main" val="523567756"/>
+        <p14:creationId xmlns:p14="http://schemas.microsoft.com/office/powerpoint/2010/main" val="878879967"/>
       </p:ext>
     </p:extLst>
   </p:cSld>
   <p:clrMapOvr>
     <a:masterClrMapping/>
   </p:clrMapOvr>
-  <mc:AlternateContent xmlns:mc="http://schemas.openxmlformats.org/markup-compatibility/2006" xmlns:p159="http://schemas.microsoft.com/office/powerpoint/2015/09/main">
-    <mc:Choice Requires="p159">
-      <p:transition xmlns:p14="http://schemas.microsoft.com/office/powerpoint/2010/main" spd="slow" p14:dur="2000">
-        <p159:morph option="byObject"/>
-      </p:transition>
-    </mc:Choice>
-    <mc:Fallback xmlns="">
-      <p:transition spd="slow">
-        <p:fade/>
-      </p:transition>
-    </mc:Fallback>
-  </mc:AlternateContent>
+  <p:transition spd="slow">
+    <p:push dir="u"/>
+  </p:transition>
 </p:sld>
 </file>
 
@@ -20966,20 +17857,621 @@
               <a:t> </a:t>
             </a:r>
             <a:r>
-              <a:rPr lang="en-US" sz="3600" dirty="0">
-                <a:latin typeface="Bahnschrift SemiBold" panose="020B0502040204020203" pitchFamily="34" charset="0"/>
-              </a:rPr>
-              <a:t>OCR</a:t>
+              <a:rPr lang="en-US" sz="3600" dirty="0" err="1">
+                <a:latin typeface="Bahnschrift SemiBold" panose="020B0502040204020203" pitchFamily="34" charset="0"/>
+              </a:rPr>
+              <a:t>Zaklju</a:t>
+            </a:r>
+            <a:r>
+              <a:rPr lang="sr-Latn-ME" sz="3600" dirty="0">
+                <a:latin typeface="Bahnschrift SemiBold" panose="020B0502040204020203" pitchFamily="34" charset="0"/>
+              </a:rPr>
+              <a:t>čak</a:t>
+            </a:r>
+            <a:endParaRPr lang="en-US" sz="3600" dirty="0">
+              <a:latin typeface="Bahnschrift SemiBold" panose="020B0502040204020203" pitchFamily="34" charset="0"/>
+            </a:endParaRPr>
+          </a:p>
+        </p:txBody>
+      </p:sp>
+      <p:sp>
+        <p:nvSpPr>
+          <p:cNvPr id="17" name="TextBox 16">
+            <a:extLst>
+              <a:ext uri="{FF2B5EF4-FFF2-40B4-BE49-F238E27FC236}">
+                <a16:creationId xmlns:a16="http://schemas.microsoft.com/office/drawing/2014/main" id="{0E4F28DC-A58F-698A-D6AD-5F45BA062331}"/>
+              </a:ext>
+            </a:extLst>
+          </p:cNvPr>
+          <p:cNvSpPr txBox="1"/>
+          <p:nvPr/>
+        </p:nvSpPr>
+        <p:spPr>
+          <a:xfrm>
+            <a:off x="3447092" y="7880939"/>
+            <a:ext cx="11496073" cy="3046988"/>
+          </a:xfrm>
+          <a:prstGeom prst="rect">
+            <a:avLst/>
+          </a:prstGeom>
+          <a:noFill/>
+        </p:spPr>
+        <p:txBody>
+          <a:bodyPr wrap="square" rtlCol="0">
+            <a:spAutoFit/>
+          </a:bodyPr>
+          <a:lstStyle/>
+          <a:p>
+            <a:r>
+              <a:rPr lang="en-US" sz="2400" dirty="0" err="1">
+                <a:solidFill>
+                  <a:srgbClr val="FF0000"/>
+                </a:solidFill>
+                <a:latin typeface="Bahnschrift SemiBold" panose="020B0502040204020203" pitchFamily="34" charset="0"/>
+              </a:rPr>
+              <a:t>ocr</a:t>
+            </a:r>
+            <a:r>
+              <a:rPr lang="en-US" sz="2400" dirty="0">
+                <a:latin typeface="Bahnschrift SemiBold" panose="020B0502040204020203" pitchFamily="34" charset="0"/>
+              </a:rPr>
+              <a:t> </a:t>
+            </a:r>
+            <a:r>
+              <a:rPr lang="en-US" sz="2400" dirty="0" err="1">
+                <a:latin typeface="Bahnschrift SemiBold" panose="020B0502040204020203" pitchFamily="34" charset="0"/>
+              </a:rPr>
+              <a:t>funkcija</a:t>
+            </a:r>
+            <a:r>
+              <a:rPr lang="en-US" sz="2400" dirty="0">
+                <a:latin typeface="Bahnschrift SemiBold" panose="020B0502040204020203" pitchFamily="34" charset="0"/>
+              </a:rPr>
+              <a:t> </a:t>
+            </a:r>
+            <a:r>
+              <a:rPr lang="en-US" sz="2400" dirty="0" err="1">
+                <a:latin typeface="Bahnschrift SemiBold" panose="020B0502040204020203" pitchFamily="34" charset="0"/>
+              </a:rPr>
+              <a:t>vraća</a:t>
+            </a:r>
+            <a:r>
+              <a:rPr lang="en-US" sz="2400" dirty="0">
+                <a:latin typeface="Bahnschrift SemiBold" panose="020B0502040204020203" pitchFamily="34" charset="0"/>
+              </a:rPr>
+              <a:t> </a:t>
+            </a:r>
+            <a:r>
+              <a:rPr lang="en-US" sz="2400" dirty="0" err="1">
+                <a:latin typeface="Bahnschrift SemiBold" panose="020B0502040204020203" pitchFamily="34" charset="0"/>
+              </a:rPr>
+              <a:t>strukturu</a:t>
+            </a:r>
+            <a:r>
+              <a:rPr lang="en-US" sz="2400" dirty="0">
+                <a:latin typeface="Bahnschrift SemiBold" panose="020B0502040204020203" pitchFamily="34" charset="0"/>
+              </a:rPr>
+              <a:t> </a:t>
+            </a:r>
+            <a:r>
+              <a:rPr lang="en-US" sz="2400" dirty="0" err="1">
+                <a:latin typeface="Bahnschrift SemiBold" panose="020B0502040204020203" pitchFamily="34" charset="0"/>
+              </a:rPr>
+              <a:t>koja</a:t>
+            </a:r>
+            <a:r>
+              <a:rPr lang="en-US" sz="2400" dirty="0">
+                <a:latin typeface="Bahnschrift SemiBold" panose="020B0502040204020203" pitchFamily="34" charset="0"/>
+              </a:rPr>
+              <a:t> </a:t>
+            </a:r>
+            <a:r>
+              <a:rPr lang="en-US" sz="2400" dirty="0" err="1">
+                <a:latin typeface="Bahnschrift SemiBold" panose="020B0502040204020203" pitchFamily="34" charset="0"/>
+              </a:rPr>
+              <a:t>sadrži</a:t>
+            </a:r>
+            <a:r>
+              <a:rPr lang="en-US" sz="2400" dirty="0">
+                <a:latin typeface="Bahnschrift SemiBold" panose="020B0502040204020203" pitchFamily="34" charset="0"/>
+              </a:rPr>
+              <a:t> </a:t>
+            </a:r>
+            <a:r>
+              <a:rPr lang="en-US" sz="2400" dirty="0" err="1">
+                <a:latin typeface="Bahnschrift SemiBold" panose="020B0502040204020203" pitchFamily="34" charset="0"/>
+              </a:rPr>
+              <a:t>sledeća</a:t>
+            </a:r>
+            <a:r>
+              <a:rPr lang="en-US" sz="2400" dirty="0">
+                <a:latin typeface="Bahnschrift SemiBold" panose="020B0502040204020203" pitchFamily="34" charset="0"/>
+              </a:rPr>
+              <a:t> </a:t>
+            </a:r>
+            <a:r>
+              <a:rPr lang="en-US" sz="2400" dirty="0" err="1">
+                <a:latin typeface="Bahnschrift SemiBold" panose="020B0502040204020203" pitchFamily="34" charset="0"/>
+              </a:rPr>
+              <a:t>polja</a:t>
+            </a:r>
+            <a:r>
+              <a:rPr lang="en-US" sz="2400" dirty="0">
+                <a:latin typeface="Bahnschrift SemiBold" panose="020B0502040204020203" pitchFamily="34" charset="0"/>
+              </a:rPr>
+              <a:t>:</a:t>
+            </a:r>
+          </a:p>
+          <a:p>
+            <a:r>
+              <a:rPr lang="en-US" sz="2400" dirty="0">
+                <a:solidFill>
+                  <a:srgbClr val="0070C0"/>
+                </a:solidFill>
+                <a:latin typeface="Bahnschrift SemiBold" panose="020B0502040204020203" pitchFamily="34" charset="0"/>
+              </a:rPr>
+              <a:t>Text</a:t>
+            </a:r>
+            <a:r>
+              <a:rPr lang="en-US" sz="2400" dirty="0">
+                <a:latin typeface="Bahnschrift SemiBold" panose="020B0502040204020203" pitchFamily="34" charset="0"/>
+              </a:rPr>
+              <a:t>: </a:t>
+            </a:r>
+            <a:r>
+              <a:rPr lang="en-US" sz="2400" dirty="0" err="1">
+                <a:latin typeface="Bahnschrift SemiBold" panose="020B0502040204020203" pitchFamily="34" charset="0"/>
+              </a:rPr>
+              <a:t>Prepoznati</a:t>
+            </a:r>
+            <a:r>
+              <a:rPr lang="en-US" sz="2400" dirty="0">
+                <a:latin typeface="Bahnschrift SemiBold" panose="020B0502040204020203" pitchFamily="34" charset="0"/>
+              </a:rPr>
+              <a:t> </a:t>
+            </a:r>
+            <a:r>
+              <a:rPr lang="en-US" sz="2400" dirty="0" err="1">
+                <a:latin typeface="Bahnschrift SemiBold" panose="020B0502040204020203" pitchFamily="34" charset="0"/>
+              </a:rPr>
+              <a:t>tekst</a:t>
+            </a:r>
+            <a:r>
+              <a:rPr lang="en-US" sz="2400" dirty="0">
+                <a:latin typeface="Bahnschrift SemiBold" panose="020B0502040204020203" pitchFamily="34" charset="0"/>
+              </a:rPr>
+              <a:t> </a:t>
+            </a:r>
+            <a:r>
+              <a:rPr lang="en-US" sz="2400" dirty="0" err="1">
+                <a:latin typeface="Bahnschrift SemiBold" panose="020B0502040204020203" pitchFamily="34" charset="0"/>
+              </a:rPr>
+              <a:t>kao</a:t>
+            </a:r>
+            <a:r>
+              <a:rPr lang="en-US" sz="2400" dirty="0">
+                <a:latin typeface="Bahnschrift SemiBold" panose="020B0502040204020203" pitchFamily="34" charset="0"/>
+              </a:rPr>
+              <a:t> string.</a:t>
+            </a:r>
+          </a:p>
+          <a:p>
+            <a:r>
+              <a:rPr lang="en-US" sz="2400" dirty="0" err="1">
+                <a:solidFill>
+                  <a:srgbClr val="0070C0"/>
+                </a:solidFill>
+                <a:latin typeface="Bahnschrift SemiBold" panose="020B0502040204020203" pitchFamily="34" charset="0"/>
+              </a:rPr>
+              <a:t>CharacterBoundingBoxes</a:t>
+            </a:r>
+            <a:r>
+              <a:rPr lang="en-US" sz="2400" dirty="0">
+                <a:latin typeface="Bahnschrift SemiBold" panose="020B0502040204020203" pitchFamily="34" charset="0"/>
+              </a:rPr>
+              <a:t>: </a:t>
+            </a:r>
+            <a:r>
+              <a:rPr lang="en-US" sz="2400" dirty="0" err="1">
+                <a:latin typeface="Bahnschrift SemiBold" panose="020B0502040204020203" pitchFamily="34" charset="0"/>
+              </a:rPr>
+              <a:t>Matrica</a:t>
+            </a:r>
+            <a:r>
+              <a:rPr lang="en-US" sz="2400" dirty="0">
+                <a:latin typeface="Bahnschrift SemiBold" panose="020B0502040204020203" pitchFamily="34" charset="0"/>
+              </a:rPr>
+              <a:t> </a:t>
+            </a:r>
+            <a:r>
+              <a:rPr lang="en-US" sz="2400" dirty="0" err="1">
+                <a:latin typeface="Bahnschrift SemiBold" panose="020B0502040204020203" pitchFamily="34" charset="0"/>
+              </a:rPr>
+              <a:t>koja</a:t>
+            </a:r>
+            <a:r>
+              <a:rPr lang="en-US" sz="2400" dirty="0">
+                <a:latin typeface="Bahnschrift SemiBold" panose="020B0502040204020203" pitchFamily="34" charset="0"/>
+              </a:rPr>
+              <a:t> </a:t>
+            </a:r>
+            <a:r>
+              <a:rPr lang="en-US" sz="2400" dirty="0" err="1">
+                <a:latin typeface="Bahnschrift SemiBold" panose="020B0502040204020203" pitchFamily="34" charset="0"/>
+              </a:rPr>
+              <a:t>sadrži</a:t>
+            </a:r>
+            <a:r>
+              <a:rPr lang="en-US" sz="2400" dirty="0">
+                <a:latin typeface="Bahnschrift SemiBold" panose="020B0502040204020203" pitchFamily="34" charset="0"/>
+              </a:rPr>
+              <a:t> bounding box za </a:t>
+            </a:r>
+            <a:r>
+              <a:rPr lang="en-US" sz="2400" dirty="0" err="1">
+                <a:latin typeface="Bahnschrift SemiBold" panose="020B0502040204020203" pitchFamily="34" charset="0"/>
+              </a:rPr>
+              <a:t>svaki</a:t>
+            </a:r>
+            <a:r>
+              <a:rPr lang="en-US" sz="2400" dirty="0">
+                <a:latin typeface="Bahnschrift SemiBold" panose="020B0502040204020203" pitchFamily="34" charset="0"/>
+              </a:rPr>
+              <a:t> </a:t>
+            </a:r>
+            <a:r>
+              <a:rPr lang="en-US" sz="2400" dirty="0" err="1">
+                <a:latin typeface="Bahnschrift SemiBold" panose="020B0502040204020203" pitchFamily="34" charset="0"/>
+              </a:rPr>
+              <a:t>prepoznati</a:t>
+            </a:r>
+            <a:r>
+              <a:rPr lang="en-US" sz="2400" dirty="0">
+                <a:latin typeface="Bahnschrift SemiBold" panose="020B0502040204020203" pitchFamily="34" charset="0"/>
+              </a:rPr>
+              <a:t> </a:t>
+            </a:r>
+            <a:r>
+              <a:rPr lang="en-US" sz="2400" dirty="0" err="1">
+                <a:latin typeface="Bahnschrift SemiBold" panose="020B0502040204020203" pitchFamily="34" charset="0"/>
+              </a:rPr>
+              <a:t>znak</a:t>
+            </a:r>
+            <a:r>
+              <a:rPr lang="en-US" sz="2400" dirty="0">
+                <a:latin typeface="Bahnschrift SemiBold" panose="020B0502040204020203" pitchFamily="34" charset="0"/>
+              </a:rPr>
+              <a:t>.</a:t>
+            </a:r>
+          </a:p>
+          <a:p>
+            <a:r>
+              <a:rPr lang="en-US" sz="2400" dirty="0" err="1">
+                <a:solidFill>
+                  <a:srgbClr val="0070C0"/>
+                </a:solidFill>
+                <a:latin typeface="Bahnschrift SemiBold" panose="020B0502040204020203" pitchFamily="34" charset="0"/>
+              </a:rPr>
+              <a:t>CharacterConfidences</a:t>
+            </a:r>
+            <a:r>
+              <a:rPr lang="en-US" sz="2400" dirty="0">
+                <a:latin typeface="Bahnschrift SemiBold" panose="020B0502040204020203" pitchFamily="34" charset="0"/>
+              </a:rPr>
+              <a:t>: </a:t>
+            </a:r>
+            <a:r>
+              <a:rPr lang="en-US" sz="2400" dirty="0" err="1">
+                <a:latin typeface="Bahnschrift SemiBold" panose="020B0502040204020203" pitchFamily="34" charset="0"/>
+              </a:rPr>
+              <a:t>Vektor</a:t>
+            </a:r>
+            <a:r>
+              <a:rPr lang="en-US" sz="2400" dirty="0">
+                <a:latin typeface="Bahnschrift SemiBold" panose="020B0502040204020203" pitchFamily="34" charset="0"/>
+              </a:rPr>
+              <a:t> </a:t>
+            </a:r>
+            <a:r>
+              <a:rPr lang="en-US" sz="2400" dirty="0" err="1">
+                <a:latin typeface="Bahnschrift SemiBold" panose="020B0502040204020203" pitchFamily="34" charset="0"/>
+              </a:rPr>
+              <a:t>sa</a:t>
+            </a:r>
+            <a:r>
+              <a:rPr lang="en-US" sz="2400" dirty="0">
+                <a:latin typeface="Bahnschrift SemiBold" panose="020B0502040204020203" pitchFamily="34" charset="0"/>
+              </a:rPr>
+              <a:t> </a:t>
+            </a:r>
+            <a:r>
+              <a:rPr lang="en-US" sz="2400" dirty="0" err="1">
+                <a:latin typeface="Bahnschrift SemiBold" panose="020B0502040204020203" pitchFamily="34" charset="0"/>
+              </a:rPr>
+              <a:t>verovatnoćama</a:t>
+            </a:r>
+            <a:r>
+              <a:rPr lang="en-US" sz="2400" dirty="0">
+                <a:latin typeface="Bahnschrift SemiBold" panose="020B0502040204020203" pitchFamily="34" charset="0"/>
+              </a:rPr>
+              <a:t> za </a:t>
+            </a:r>
+            <a:r>
+              <a:rPr lang="en-US" sz="2400" dirty="0" err="1">
+                <a:latin typeface="Bahnschrift SemiBold" panose="020B0502040204020203" pitchFamily="34" charset="0"/>
+              </a:rPr>
+              <a:t>svaki</a:t>
+            </a:r>
+            <a:r>
+              <a:rPr lang="en-US" sz="2400" dirty="0">
+                <a:latin typeface="Bahnschrift SemiBold" panose="020B0502040204020203" pitchFamily="34" charset="0"/>
+              </a:rPr>
+              <a:t> </a:t>
+            </a:r>
+            <a:r>
+              <a:rPr lang="en-US" sz="2400" dirty="0" err="1">
+                <a:latin typeface="Bahnschrift SemiBold" panose="020B0502040204020203" pitchFamily="34" charset="0"/>
+              </a:rPr>
+              <a:t>prepoznati</a:t>
+            </a:r>
+            <a:r>
+              <a:rPr lang="en-US" sz="2400" dirty="0">
+                <a:latin typeface="Bahnschrift SemiBold" panose="020B0502040204020203" pitchFamily="34" charset="0"/>
+              </a:rPr>
+              <a:t> </a:t>
+            </a:r>
+            <a:r>
+              <a:rPr lang="en-US" sz="2400" dirty="0" err="1">
+                <a:latin typeface="Bahnschrift SemiBold" panose="020B0502040204020203" pitchFamily="34" charset="0"/>
+              </a:rPr>
+              <a:t>znak</a:t>
+            </a:r>
+            <a:r>
+              <a:rPr lang="en-US" sz="2400" dirty="0">
+                <a:latin typeface="Bahnschrift SemiBold" panose="020B0502040204020203" pitchFamily="34" charset="0"/>
+              </a:rPr>
+              <a:t>.</a:t>
+            </a:r>
+          </a:p>
+          <a:p>
+            <a:r>
+              <a:rPr lang="en-US" sz="2400" dirty="0">
+                <a:solidFill>
+                  <a:srgbClr val="0070C0"/>
+                </a:solidFill>
+                <a:latin typeface="Bahnschrift SemiBold" panose="020B0502040204020203" pitchFamily="34" charset="0"/>
+              </a:rPr>
+              <a:t>Words</a:t>
+            </a:r>
+            <a:r>
+              <a:rPr lang="en-US" sz="2400" dirty="0">
+                <a:latin typeface="Bahnschrift SemiBold" panose="020B0502040204020203" pitchFamily="34" charset="0"/>
+              </a:rPr>
+              <a:t>: Cell array </a:t>
+            </a:r>
+            <a:r>
+              <a:rPr lang="en-US" sz="2400" dirty="0" err="1">
+                <a:latin typeface="Bahnschrift SemiBold" panose="020B0502040204020203" pitchFamily="34" charset="0"/>
+              </a:rPr>
+              <a:t>sa</a:t>
+            </a:r>
+            <a:r>
+              <a:rPr lang="en-US" sz="2400" dirty="0">
+                <a:latin typeface="Bahnschrift SemiBold" panose="020B0502040204020203" pitchFamily="34" charset="0"/>
+              </a:rPr>
+              <a:t> </a:t>
+            </a:r>
+            <a:r>
+              <a:rPr lang="en-US" sz="2400" dirty="0" err="1">
+                <a:latin typeface="Bahnschrift SemiBold" panose="020B0502040204020203" pitchFamily="34" charset="0"/>
+              </a:rPr>
+              <a:t>prepoznatim</a:t>
+            </a:r>
+            <a:r>
+              <a:rPr lang="en-US" sz="2400" dirty="0">
+                <a:latin typeface="Bahnschrift SemiBold" panose="020B0502040204020203" pitchFamily="34" charset="0"/>
+              </a:rPr>
+              <a:t> </a:t>
+            </a:r>
+            <a:r>
+              <a:rPr lang="en-US" sz="2400" dirty="0" err="1">
+                <a:latin typeface="Bahnschrift SemiBold" panose="020B0502040204020203" pitchFamily="34" charset="0"/>
+              </a:rPr>
+              <a:t>rečima</a:t>
+            </a:r>
+            <a:r>
+              <a:rPr lang="en-US" sz="2400" dirty="0">
+                <a:latin typeface="Bahnschrift SemiBold" panose="020B0502040204020203" pitchFamily="34" charset="0"/>
+              </a:rPr>
+              <a:t>.</a:t>
+            </a:r>
+          </a:p>
+          <a:p>
+            <a:r>
+              <a:rPr lang="en-US" sz="2400" dirty="0" err="1">
+                <a:solidFill>
+                  <a:srgbClr val="0070C0"/>
+                </a:solidFill>
+                <a:latin typeface="Bahnschrift SemiBold" panose="020B0502040204020203" pitchFamily="34" charset="0"/>
+              </a:rPr>
+              <a:t>WordBoundingBoxes</a:t>
+            </a:r>
+            <a:r>
+              <a:rPr lang="en-US" sz="2400" dirty="0">
+                <a:latin typeface="Bahnschrift SemiBold" panose="020B0502040204020203" pitchFamily="34" charset="0"/>
+              </a:rPr>
+              <a:t>: </a:t>
+            </a:r>
+            <a:r>
+              <a:rPr lang="en-US" sz="2400" dirty="0" err="1">
+                <a:latin typeface="Bahnschrift SemiBold" panose="020B0502040204020203" pitchFamily="34" charset="0"/>
+              </a:rPr>
+              <a:t>Matrica</a:t>
+            </a:r>
+            <a:r>
+              <a:rPr lang="en-US" sz="2400" dirty="0">
+                <a:latin typeface="Bahnschrift SemiBold" panose="020B0502040204020203" pitchFamily="34" charset="0"/>
+              </a:rPr>
+              <a:t> </a:t>
+            </a:r>
+            <a:r>
+              <a:rPr lang="en-US" sz="2400" dirty="0" err="1">
+                <a:latin typeface="Bahnschrift SemiBold" panose="020B0502040204020203" pitchFamily="34" charset="0"/>
+              </a:rPr>
+              <a:t>koja</a:t>
+            </a:r>
+            <a:r>
+              <a:rPr lang="en-US" sz="2400" dirty="0">
+                <a:latin typeface="Bahnschrift SemiBold" panose="020B0502040204020203" pitchFamily="34" charset="0"/>
+              </a:rPr>
+              <a:t> </a:t>
+            </a:r>
+            <a:r>
+              <a:rPr lang="en-US" sz="2400" dirty="0" err="1">
+                <a:latin typeface="Bahnschrift SemiBold" panose="020B0502040204020203" pitchFamily="34" charset="0"/>
+              </a:rPr>
+              <a:t>sadrži</a:t>
+            </a:r>
+            <a:r>
+              <a:rPr lang="en-US" sz="2400" dirty="0">
+                <a:latin typeface="Bahnschrift SemiBold" panose="020B0502040204020203" pitchFamily="34" charset="0"/>
+              </a:rPr>
+              <a:t> bounding box za </a:t>
+            </a:r>
+            <a:r>
+              <a:rPr lang="en-US" sz="2400" dirty="0" err="1">
+                <a:latin typeface="Bahnschrift SemiBold" panose="020B0502040204020203" pitchFamily="34" charset="0"/>
+              </a:rPr>
+              <a:t>svaku</a:t>
+            </a:r>
+            <a:r>
+              <a:rPr lang="en-US" sz="2400" dirty="0">
+                <a:latin typeface="Bahnschrift SemiBold" panose="020B0502040204020203" pitchFamily="34" charset="0"/>
+              </a:rPr>
+              <a:t> </a:t>
+            </a:r>
+            <a:r>
+              <a:rPr lang="en-US" sz="2400" dirty="0" err="1">
+                <a:latin typeface="Bahnschrift SemiBold" panose="020B0502040204020203" pitchFamily="34" charset="0"/>
+              </a:rPr>
+              <a:t>prepoznatu</a:t>
+            </a:r>
+            <a:r>
+              <a:rPr lang="en-US" sz="2400" dirty="0">
+                <a:latin typeface="Bahnschrift SemiBold" panose="020B0502040204020203" pitchFamily="34" charset="0"/>
+              </a:rPr>
+              <a:t> </a:t>
+            </a:r>
+            <a:r>
+              <a:rPr lang="en-US" sz="2400" dirty="0" err="1">
+                <a:latin typeface="Bahnschrift SemiBold" panose="020B0502040204020203" pitchFamily="34" charset="0"/>
+              </a:rPr>
+              <a:t>reč</a:t>
+            </a:r>
+            <a:r>
+              <a:rPr lang="en-US" sz="2400" dirty="0">
+                <a:latin typeface="Bahnschrift SemiBold" panose="020B0502040204020203" pitchFamily="34" charset="0"/>
+              </a:rPr>
+              <a:t>.</a:t>
+            </a:r>
+          </a:p>
+          <a:p>
+            <a:r>
+              <a:rPr lang="en-US" sz="2400" dirty="0" err="1">
+                <a:solidFill>
+                  <a:srgbClr val="0070C0"/>
+                </a:solidFill>
+                <a:latin typeface="Bahnschrift SemiBold" panose="020B0502040204020203" pitchFamily="34" charset="0"/>
+              </a:rPr>
+              <a:t>WordConfidences</a:t>
+            </a:r>
+            <a:r>
+              <a:rPr lang="en-US" sz="2400" dirty="0">
+                <a:latin typeface="Bahnschrift SemiBold" panose="020B0502040204020203" pitchFamily="34" charset="0"/>
+              </a:rPr>
+              <a:t>: </a:t>
+            </a:r>
+            <a:r>
+              <a:rPr lang="en-US" sz="2400" dirty="0" err="1">
+                <a:latin typeface="Bahnschrift SemiBold" panose="020B0502040204020203" pitchFamily="34" charset="0"/>
+              </a:rPr>
+              <a:t>Vektor</a:t>
+            </a:r>
+            <a:r>
+              <a:rPr lang="en-US" sz="2400" dirty="0">
+                <a:latin typeface="Bahnschrift SemiBold" panose="020B0502040204020203" pitchFamily="34" charset="0"/>
+              </a:rPr>
+              <a:t> </a:t>
+            </a:r>
+            <a:r>
+              <a:rPr lang="en-US" sz="2400" dirty="0" err="1">
+                <a:latin typeface="Bahnschrift SemiBold" panose="020B0502040204020203" pitchFamily="34" charset="0"/>
+              </a:rPr>
+              <a:t>sa</a:t>
+            </a:r>
+            <a:r>
+              <a:rPr lang="en-US" sz="2400" dirty="0">
+                <a:latin typeface="Bahnschrift SemiBold" panose="020B0502040204020203" pitchFamily="34" charset="0"/>
+              </a:rPr>
+              <a:t> </a:t>
+            </a:r>
+            <a:r>
+              <a:rPr lang="en-US" sz="2400" dirty="0" err="1">
+                <a:latin typeface="Bahnschrift SemiBold" panose="020B0502040204020203" pitchFamily="34" charset="0"/>
+              </a:rPr>
+              <a:t>verovatnoćama</a:t>
+            </a:r>
+            <a:r>
+              <a:rPr lang="en-US" sz="2400" dirty="0">
+                <a:latin typeface="Bahnschrift SemiBold" panose="020B0502040204020203" pitchFamily="34" charset="0"/>
+              </a:rPr>
+              <a:t> za </a:t>
+            </a:r>
+            <a:r>
+              <a:rPr lang="en-US" sz="2400" dirty="0" err="1">
+                <a:latin typeface="Bahnschrift SemiBold" panose="020B0502040204020203" pitchFamily="34" charset="0"/>
+              </a:rPr>
+              <a:t>svaku</a:t>
+            </a:r>
+            <a:r>
+              <a:rPr lang="en-US" sz="2400" dirty="0">
+                <a:latin typeface="Bahnschrift SemiBold" panose="020B0502040204020203" pitchFamily="34" charset="0"/>
+              </a:rPr>
+              <a:t> </a:t>
+            </a:r>
+            <a:r>
+              <a:rPr lang="en-US" sz="2400" dirty="0" err="1">
+                <a:latin typeface="Bahnschrift SemiBold" panose="020B0502040204020203" pitchFamily="34" charset="0"/>
+              </a:rPr>
+              <a:t>prepoznatu</a:t>
+            </a:r>
+            <a:r>
+              <a:rPr lang="en-US" sz="2400" dirty="0">
+                <a:latin typeface="Bahnschrift SemiBold" panose="020B0502040204020203" pitchFamily="34" charset="0"/>
+              </a:rPr>
+              <a:t> </a:t>
+            </a:r>
+            <a:r>
+              <a:rPr lang="en-US" sz="2400" dirty="0" err="1">
+                <a:latin typeface="Bahnschrift SemiBold" panose="020B0502040204020203" pitchFamily="34" charset="0"/>
+              </a:rPr>
+              <a:t>reč</a:t>
+            </a:r>
+            <a:r>
+              <a:rPr lang="en-US" sz="2400" dirty="0">
+                <a:latin typeface="Bahnschrift SemiBold" panose="020B0502040204020203" pitchFamily="34" charset="0"/>
+              </a:rPr>
+              <a:t>.</a:t>
             </a:r>
           </a:p>
         </p:txBody>
       </p:sp>
       <p:pic>
         <p:nvPicPr>
-          <p:cNvPr id="13" name="Picture 12">
+          <p:cNvPr id="5" name="Picture 4">
             <a:extLst>
               <a:ext uri="{FF2B5EF4-FFF2-40B4-BE49-F238E27FC236}">
-                <a16:creationId xmlns:a16="http://schemas.microsoft.com/office/drawing/2014/main" id="{02C0457D-51B8-2E6E-19B3-12E530AA047F}"/>
+                <a16:creationId xmlns:a16="http://schemas.microsoft.com/office/drawing/2014/main" id="{4A10BC92-7B98-18BB-DBB2-259A870446C9}"/>
               </a:ext>
             </a:extLst>
           </p:cNvPr>
@@ -20996,8 +18488,8 @@
         </p:blipFill>
         <p:spPr>
           <a:xfrm>
-            <a:off x="233082" y="1112034"/>
-            <a:ext cx="3357446" cy="2300694"/>
+            <a:off x="1108823" y="991388"/>
+            <a:ext cx="10276354" cy="5492093"/>
           </a:xfrm>
           <a:prstGeom prst="rect">
             <a:avLst/>
@@ -21006,10 +18498,10 @@
       </p:pic>
       <p:sp>
         <p:nvSpPr>
-          <p:cNvPr id="15" name="TextBox 14">
+          <p:cNvPr id="7" name="TextBox 6">
             <a:extLst>
               <a:ext uri="{FF2B5EF4-FFF2-40B4-BE49-F238E27FC236}">
-                <a16:creationId xmlns:a16="http://schemas.microsoft.com/office/drawing/2014/main" id="{97176779-9B43-A80F-4536-6598D4A01F1C}"/>
+                <a16:creationId xmlns:a16="http://schemas.microsoft.com/office/drawing/2014/main" id="{875AD7C7-E795-508B-CC42-99B85AFC4DD5}"/>
               </a:ext>
             </a:extLst>
           </p:cNvPr>
@@ -21018,8 +18510,8 @@
         </p:nvSpPr>
         <p:spPr>
           <a:xfrm>
-            <a:off x="3639670" y="1108219"/>
-            <a:ext cx="8089485" cy="2308324"/>
+            <a:off x="12945035" y="1547090"/>
+            <a:ext cx="11496073" cy="4154984"/>
           </a:xfrm>
           <a:prstGeom prst="rect">
             <a:avLst/>
@@ -21033,905 +18525,227 @@
           <a:lstStyle/>
           <a:p>
             <a:r>
-              <a:rPr lang="en-US" sz="2400" dirty="0">
-                <a:solidFill>
-                  <a:srgbClr val="FF0000"/>
-                </a:solidFill>
-                <a:latin typeface="Bahnschrift SemiBold" panose="020B0502040204020203" pitchFamily="34" charset="0"/>
-              </a:rPr>
-              <a:t>I</a:t>
-            </a:r>
-            <a:r>
-              <a:rPr lang="en-US" sz="2400" dirty="0">
-                <a:latin typeface="Bahnschrift SemiBold" panose="020B0502040204020203" pitchFamily="34" charset="0"/>
-              </a:rPr>
-              <a:t>: </a:t>
-            </a:r>
-            <a:r>
               <a:rPr lang="en-US" sz="2400" dirty="0" err="1">
                 <a:latin typeface="Bahnschrift SemiBold" panose="020B0502040204020203" pitchFamily="34" charset="0"/>
               </a:rPr>
-              <a:t>Ulazna</a:t>
-            </a:r>
-            <a:r>
-              <a:rPr lang="en-US" sz="2400" dirty="0">
-                <a:latin typeface="Bahnschrift SemiBold" panose="020B0502040204020203" pitchFamily="34" charset="0"/>
-              </a:rPr>
-              <a:t> </a:t>
+              <a:t>Odre</a:t>
+            </a:r>
+            <a:r>
+              <a:rPr lang="sr-Latn-ME" sz="2400" dirty="0">
+                <a:latin typeface="Bahnschrift SemiBold" panose="020B0502040204020203" pitchFamily="34" charset="0"/>
+              </a:rPr>
+              <a:t>đene tablice, ukoliko se primene neke od transformacija, program savršeno prepoznaje, dok kod nekih drugih ne može najpreciznije sve karaktere prepoznati. Modifikacijom površine minimalne celine za tablicu se mogu poboljšati rezultati automatskog prepoznavanja pozicije tablice. Korisnik može i sam da iseče tablicu po primerima rađenim na vežbama ovog predmeta.</a:t>
+            </a:r>
+          </a:p>
+          <a:p>
+            <a:endParaRPr lang="sr-Latn-ME" sz="2400" dirty="0">
+              <a:latin typeface="Bahnschrift SemiBold" panose="020B0502040204020203" pitchFamily="34" charset="0"/>
+            </a:endParaRPr>
+          </a:p>
+          <a:p>
+            <a:r>
+              <a:rPr lang="sr-Latn-ME" sz="2400" dirty="0">
+                <a:latin typeface="Bahnschrift SemiBold" panose="020B0502040204020203" pitchFamily="34" charset="0"/>
+              </a:rPr>
+              <a:t>Od svih funkcija filtera najbolje rezultate je davala ili binarizacija sa pragom od 100 ili Laplasijan od </a:t>
+            </a:r>
+            <a:r>
+              <a:rPr lang="en-US" sz="2400" dirty="0">
+                <a:latin typeface="Bahnschrift SemiBold" panose="020B0502040204020203" pitchFamily="34" charset="0"/>
+              </a:rPr>
+              <a:t>-8</a:t>
+            </a:r>
+            <a:r>
+              <a:rPr lang="sr-Latn-ME" sz="2400" dirty="0">
+                <a:latin typeface="Bahnschrift SemiBold" panose="020B0502040204020203" pitchFamily="34" charset="0"/>
+              </a:rPr>
+              <a:t>, u zavisnosti od ugla slike i veličine tablice.</a:t>
+            </a:r>
+          </a:p>
+          <a:p>
+            <a:endParaRPr lang="sr-Latn-ME" sz="2400" dirty="0">
+              <a:latin typeface="Bahnschrift SemiBold" panose="020B0502040204020203" pitchFamily="34" charset="0"/>
+            </a:endParaRPr>
+          </a:p>
+          <a:p>
+            <a:r>
+              <a:rPr lang="sr-Latn-ME" sz="2400" dirty="0">
+                <a:latin typeface="Bahnschrift SemiBold" panose="020B0502040204020203" pitchFamily="34" charset="0"/>
+              </a:rPr>
+              <a:t>Kod funkcije </a:t>
+            </a:r>
+            <a:r>
+              <a:rPr lang="en-US" sz="2400" dirty="0">
+                <a:latin typeface="Bahnschrift SemiBold" panose="020B0502040204020203" pitchFamily="34" charset="0"/>
+              </a:rPr>
+              <a:t>‘edge’ </a:t>
             </a:r>
             <a:r>
               <a:rPr lang="en-US" sz="2400" dirty="0" err="1">
                 <a:latin typeface="Bahnschrift SemiBold" panose="020B0502040204020203" pitchFamily="34" charset="0"/>
               </a:rPr>
-              <a:t>slika</a:t>
-            </a:r>
-            <a:r>
-              <a:rPr lang="en-US" sz="2400" dirty="0">
-                <a:latin typeface="Bahnschrift SemiBold" panose="020B0502040204020203" pitchFamily="34" charset="0"/>
-              </a:rPr>
-              <a:t>. </a:t>
+              <a:t>kori</a:t>
+            </a:r>
+            <a:r>
+              <a:rPr lang="sr-Latn-ME" sz="2400" dirty="0">
+                <a:latin typeface="Bahnschrift SemiBold" panose="020B0502040204020203" pitchFamily="34" charset="0"/>
+              </a:rPr>
+              <a:t>šćena je </a:t>
             </a:r>
             <a:r>
               <a:rPr lang="en-US" sz="2400" dirty="0" err="1">
                 <a:latin typeface="Bahnschrift SemiBold" panose="020B0502040204020203" pitchFamily="34" charset="0"/>
               </a:rPr>
-              <a:t>Može</a:t>
-            </a:r>
-            <a:r>
-              <a:rPr lang="en-US" sz="2400" dirty="0">
-                <a:latin typeface="Bahnschrift SemiBold" panose="020B0502040204020203" pitchFamily="34" charset="0"/>
-              </a:rPr>
-              <a:t> </a:t>
+              <a:t>metoda</a:t>
+            </a:r>
+            <a:r>
+              <a:rPr lang="en-US" sz="2400" dirty="0">
+                <a:latin typeface="Bahnschrift SemiBold" panose="020B0502040204020203" pitchFamily="34" charset="0"/>
+              </a:rPr>
+              <a:t> ‘Canny’ </a:t>
             </a:r>
             <a:r>
               <a:rPr lang="en-US" sz="2400" dirty="0" err="1">
                 <a:latin typeface="Bahnschrift SemiBold" panose="020B0502040204020203" pitchFamily="34" charset="0"/>
               </a:rPr>
-              <a:t>biti</a:t>
-            </a:r>
-            <a:r>
-              <a:rPr lang="en-US" sz="2400" dirty="0">
-                <a:latin typeface="Bahnschrift SemiBold" panose="020B0502040204020203" pitchFamily="34" charset="0"/>
-              </a:rPr>
-              <a:t> grayscale </a:t>
+              <a:t>iako</a:t>
+            </a:r>
+            <a:r>
+              <a:rPr lang="en-US" sz="2400" dirty="0">
+                <a:latin typeface="Bahnschrift SemiBold" panose="020B0502040204020203" pitchFamily="34" charset="0"/>
+              </a:rPr>
+              <a:t> </a:t>
             </a:r>
             <a:r>
               <a:rPr lang="en-US" sz="2400" dirty="0" err="1">
                 <a:latin typeface="Bahnschrift SemiBold" panose="020B0502040204020203" pitchFamily="34" charset="0"/>
               </a:rPr>
-              <a:t>ili</a:t>
-            </a:r>
-            <a:r>
-              <a:rPr lang="en-US" sz="2400" dirty="0">
-                <a:latin typeface="Bahnschrift SemiBold" panose="020B0502040204020203" pitchFamily="34" charset="0"/>
-              </a:rPr>
-              <a:t> RGB </a:t>
+              <a:t>nije</a:t>
+            </a:r>
+            <a:r>
+              <a:rPr lang="en-US" sz="2400" dirty="0">
+                <a:latin typeface="Bahnschrift SemiBold" panose="020B0502040204020203" pitchFamily="34" charset="0"/>
+              </a:rPr>
+              <a:t> </a:t>
             </a:r>
             <a:r>
               <a:rPr lang="en-US" sz="2400" dirty="0" err="1">
                 <a:latin typeface="Bahnschrift SemiBold" panose="020B0502040204020203" pitchFamily="34" charset="0"/>
               </a:rPr>
-              <a:t>slika</a:t>
-            </a:r>
-            <a:r>
-              <a:rPr lang="en-US" sz="2400" dirty="0">
+              <a:t>najbr</a:t>
+            </a:r>
+            <a:r>
+              <a:rPr lang="sr-Latn-ME" sz="2400" dirty="0">
+                <a:latin typeface="Bahnschrift SemiBold" panose="020B0502040204020203" pitchFamily="34" charset="0"/>
+              </a:rPr>
+              <a:t>ža, </a:t>
+            </a:r>
+            <a:r>
+              <a:rPr lang="en-US" sz="2400" dirty="0" err="1">
+                <a:latin typeface="Bahnschrift SemiBold" panose="020B0502040204020203" pitchFamily="34" charset="0"/>
+              </a:rPr>
+              <a:t>jer</a:t>
+            </a:r>
+            <a:r>
+              <a:rPr lang="en-US" sz="2400" dirty="0">
+                <a:latin typeface="Bahnschrift SemiBold" panose="020B0502040204020203" pitchFamily="34" charset="0"/>
+              </a:rPr>
+              <a:t> </a:t>
+            </a:r>
+            <a:r>
+              <a:rPr lang="en-US" sz="2400" dirty="0" err="1">
+                <a:latin typeface="Bahnschrift SemiBold" panose="020B0502040204020203" pitchFamily="34" charset="0"/>
+              </a:rPr>
+              <a:t>ostale</a:t>
+            </a:r>
+            <a:r>
+              <a:rPr lang="en-US" sz="2400" dirty="0">
+                <a:latin typeface="Bahnschrift SemiBold" panose="020B0502040204020203" pitchFamily="34" charset="0"/>
+              </a:rPr>
+              <a:t> </a:t>
+            </a:r>
+            <a:r>
+              <a:rPr lang="en-US" sz="2400" dirty="0" err="1">
+                <a:latin typeface="Bahnschrift SemiBold" panose="020B0502040204020203" pitchFamily="34" charset="0"/>
+              </a:rPr>
+              <a:t>poput</a:t>
+            </a:r>
+            <a:r>
+              <a:rPr lang="en-US" sz="2400" dirty="0">
+                <a:latin typeface="Bahnschrift SemiBold" panose="020B0502040204020203" pitchFamily="34" charset="0"/>
+              </a:rPr>
+              <a:t> ‘Sobel’, ‘log’, ‘Prewitt’ </a:t>
+            </a:r>
+            <a:r>
+              <a:rPr lang="sr-Latn-ME" sz="2400" dirty="0">
+                <a:latin typeface="Bahnschrift SemiBold" panose="020B0502040204020203" pitchFamily="34" charset="0"/>
+              </a:rPr>
+              <a:t>i</a:t>
+            </a:r>
+            <a:r>
+              <a:rPr lang="en-US" sz="2400" dirty="0">
+                <a:latin typeface="Bahnschrift SemiBold" panose="020B0502040204020203" pitchFamily="34" charset="0"/>
+              </a:rPr>
+              <a:t> ‘Roberts’ </a:t>
+            </a:r>
+            <a:r>
+              <a:rPr lang="en-US" sz="2400" dirty="0" err="1">
+                <a:latin typeface="Bahnschrift SemiBold" panose="020B0502040204020203" pitchFamily="34" charset="0"/>
+              </a:rPr>
+              <a:t>nisu</a:t>
+            </a:r>
+            <a:r>
+              <a:rPr lang="en-US" sz="2400" dirty="0">
+                <a:latin typeface="Bahnschrift SemiBold" panose="020B0502040204020203" pitchFamily="34" charset="0"/>
+              </a:rPr>
+              <a:t> </a:t>
+            </a:r>
+            <a:r>
+              <a:rPr lang="en-US" sz="2400" dirty="0" err="1">
+                <a:latin typeface="Bahnschrift SemiBold" panose="020B0502040204020203" pitchFamily="34" charset="0"/>
+              </a:rPr>
+              <a:t>bili</a:t>
+            </a:r>
+            <a:r>
+              <a:rPr lang="en-US" sz="2400" dirty="0">
+                <a:latin typeface="Bahnschrift SemiBold" panose="020B0502040204020203" pitchFamily="34" charset="0"/>
+              </a:rPr>
+              <a:t> </a:t>
+            </a:r>
+            <a:r>
+              <a:rPr lang="en-US" sz="2400" dirty="0" err="1">
+                <a:latin typeface="Bahnschrift SemiBold" panose="020B0502040204020203" pitchFamily="34" charset="0"/>
+              </a:rPr>
+              <a:t>precizni</a:t>
+            </a:r>
+            <a:r>
+              <a:rPr lang="en-US" sz="2400" dirty="0">
+                <a:latin typeface="Bahnschrift SemiBold" panose="020B0502040204020203" pitchFamily="34" charset="0"/>
+              </a:rPr>
+              <a:t> </a:t>
+            </a:r>
+            <a:r>
+              <a:rPr lang="en-US" sz="2400" dirty="0" err="1">
+                <a:latin typeface="Bahnschrift SemiBold" panose="020B0502040204020203" pitchFamily="34" charset="0"/>
+              </a:rPr>
+              <a:t>toliko</a:t>
+            </a:r>
+            <a:r>
+              <a:rPr lang="sr-Latn-ME" sz="2400" dirty="0">
                 <a:latin typeface="Bahnschrift SemiBold" panose="020B0502040204020203" pitchFamily="34" charset="0"/>
               </a:rPr>
               <a:t>.</a:t>
             </a:r>
-          </a:p>
-          <a:p>
-            <a:r>
-              <a:rPr lang="en-US" sz="2400" dirty="0" err="1">
-                <a:solidFill>
-                  <a:srgbClr val="FF0000"/>
-                </a:solidFill>
-                <a:latin typeface="Bahnschrift SemiBold" panose="020B0502040204020203" pitchFamily="34" charset="0"/>
-              </a:rPr>
-              <a:t>roi</a:t>
-            </a:r>
-            <a:r>
-              <a:rPr lang="en-US" sz="2400" dirty="0">
-                <a:latin typeface="Bahnschrift SemiBold" panose="020B0502040204020203" pitchFamily="34" charset="0"/>
-              </a:rPr>
-              <a:t>: Region of Interest, </a:t>
-            </a:r>
-            <a:r>
-              <a:rPr lang="en-US" sz="2400" dirty="0" err="1">
-                <a:latin typeface="Bahnschrift SemiBold" panose="020B0502040204020203" pitchFamily="34" charset="0"/>
-              </a:rPr>
-              <a:t>definisan</a:t>
-            </a:r>
-            <a:r>
-              <a:rPr lang="en-US" sz="2400" dirty="0">
-                <a:latin typeface="Bahnschrift SemiBold" panose="020B0502040204020203" pitchFamily="34" charset="0"/>
-              </a:rPr>
-              <a:t> </a:t>
-            </a:r>
-            <a:r>
-              <a:rPr lang="en-US" sz="2400" dirty="0" err="1">
-                <a:latin typeface="Bahnschrift SemiBold" panose="020B0502040204020203" pitchFamily="34" charset="0"/>
-              </a:rPr>
-              <a:t>kao</a:t>
-            </a:r>
-            <a:r>
-              <a:rPr lang="en-US" sz="2400" dirty="0">
-                <a:latin typeface="Bahnschrift SemiBold" panose="020B0502040204020203" pitchFamily="34" charset="0"/>
-              </a:rPr>
-              <a:t> </a:t>
-            </a:r>
-            <a:r>
-              <a:rPr lang="en-US" sz="2400" dirty="0" err="1">
-                <a:latin typeface="Bahnschrift SemiBold" panose="020B0502040204020203" pitchFamily="34" charset="0"/>
-              </a:rPr>
-              <a:t>vektor</a:t>
-            </a:r>
-            <a:r>
-              <a:rPr lang="en-US" sz="2400" dirty="0">
-                <a:latin typeface="Bahnschrift SemiBold" panose="020B0502040204020203" pitchFamily="34" charset="0"/>
-              </a:rPr>
-              <a:t> [x y width height], koji </a:t>
-            </a:r>
-            <a:r>
-              <a:rPr lang="en-US" sz="2400" dirty="0" err="1">
-                <a:latin typeface="Bahnschrift SemiBold" panose="020B0502040204020203" pitchFamily="34" charset="0"/>
-              </a:rPr>
-              <a:t>određuje</a:t>
-            </a:r>
-            <a:r>
-              <a:rPr lang="en-US" sz="2400" dirty="0">
-                <a:latin typeface="Bahnschrift SemiBold" panose="020B0502040204020203" pitchFamily="34" charset="0"/>
-              </a:rPr>
-              <a:t> </a:t>
-            </a:r>
-            <a:r>
-              <a:rPr lang="en-US" sz="2400" dirty="0" err="1">
-                <a:latin typeface="Bahnschrift SemiBold" panose="020B0502040204020203" pitchFamily="34" charset="0"/>
-              </a:rPr>
-              <a:t>pravougaoni</a:t>
-            </a:r>
-            <a:r>
-              <a:rPr lang="en-US" sz="2400" dirty="0">
-                <a:latin typeface="Bahnschrift SemiBold" panose="020B0502040204020203" pitchFamily="34" charset="0"/>
-              </a:rPr>
-              <a:t> deo </a:t>
-            </a:r>
-            <a:r>
-              <a:rPr lang="en-US" sz="2400" dirty="0" err="1">
-                <a:latin typeface="Bahnschrift SemiBold" panose="020B0502040204020203" pitchFamily="34" charset="0"/>
-              </a:rPr>
-              <a:t>slike</a:t>
-            </a:r>
-            <a:r>
-              <a:rPr lang="en-US" sz="2400" dirty="0">
-                <a:latin typeface="Bahnschrift SemiBold" panose="020B0502040204020203" pitchFamily="34" charset="0"/>
-              </a:rPr>
-              <a:t> </a:t>
-            </a:r>
-            <a:r>
-              <a:rPr lang="en-US" sz="2400" dirty="0" err="1">
-                <a:latin typeface="Bahnschrift SemiBold" panose="020B0502040204020203" pitchFamily="34" charset="0"/>
-              </a:rPr>
-              <a:t>gde</a:t>
-            </a:r>
-            <a:r>
-              <a:rPr lang="en-US" sz="2400" dirty="0">
-                <a:latin typeface="Bahnschrift SemiBold" panose="020B0502040204020203" pitchFamily="34" charset="0"/>
-              </a:rPr>
-              <a:t> se </a:t>
-            </a:r>
-            <a:r>
-              <a:rPr lang="en-US" sz="2400" dirty="0" err="1">
-                <a:latin typeface="Bahnschrift SemiBold" panose="020B0502040204020203" pitchFamily="34" charset="0"/>
-              </a:rPr>
-              <a:t>traži</a:t>
-            </a:r>
-            <a:r>
-              <a:rPr lang="en-US" sz="2400" dirty="0">
-                <a:latin typeface="Bahnschrift SemiBold" panose="020B0502040204020203" pitchFamily="34" charset="0"/>
-              </a:rPr>
-              <a:t> </a:t>
-            </a:r>
-            <a:r>
-              <a:rPr lang="en-US" sz="2400" dirty="0" err="1">
-                <a:latin typeface="Bahnschrift SemiBold" panose="020B0502040204020203" pitchFamily="34" charset="0"/>
-              </a:rPr>
-              <a:t>tekst</a:t>
-            </a:r>
-            <a:r>
-              <a:rPr lang="en-US" sz="2400" dirty="0">
-                <a:latin typeface="Bahnschrift SemiBold" panose="020B0502040204020203" pitchFamily="34" charset="0"/>
-              </a:rPr>
-              <a:t>.</a:t>
-            </a:r>
-          </a:p>
-          <a:p>
-            <a:r>
-              <a:rPr lang="en-US" sz="2400" dirty="0">
-                <a:solidFill>
-                  <a:srgbClr val="FF0000"/>
-                </a:solidFill>
-                <a:latin typeface="Bahnschrift SemiBold" panose="020B0502040204020203" pitchFamily="34" charset="0"/>
-              </a:rPr>
-              <a:t>Name, Value</a:t>
-            </a:r>
-            <a:r>
-              <a:rPr lang="en-US" sz="2400" dirty="0">
-                <a:latin typeface="Bahnschrift SemiBold" panose="020B0502040204020203" pitchFamily="34" charset="0"/>
-              </a:rPr>
-              <a:t>: </a:t>
-            </a:r>
-            <a:r>
-              <a:rPr lang="en-US" sz="2400" dirty="0" err="1">
-                <a:latin typeface="Bahnschrift SemiBold" panose="020B0502040204020203" pitchFamily="34" charset="0"/>
-              </a:rPr>
-              <a:t>Parovi</a:t>
-            </a:r>
-            <a:r>
-              <a:rPr lang="en-US" sz="2400" dirty="0">
-                <a:latin typeface="Bahnschrift SemiBold" panose="020B0502040204020203" pitchFamily="34" charset="0"/>
-              </a:rPr>
-              <a:t> za </a:t>
-            </a:r>
-            <a:r>
-              <a:rPr lang="en-US" sz="2400" dirty="0" err="1">
-                <a:latin typeface="Bahnschrift SemiBold" panose="020B0502040204020203" pitchFamily="34" charset="0"/>
-              </a:rPr>
-              <a:t>dodatne</a:t>
-            </a:r>
-            <a:r>
-              <a:rPr lang="en-US" sz="2400" dirty="0">
-                <a:latin typeface="Bahnschrift SemiBold" panose="020B0502040204020203" pitchFamily="34" charset="0"/>
-              </a:rPr>
-              <a:t> </a:t>
-            </a:r>
-            <a:r>
-              <a:rPr lang="en-US" sz="2400" dirty="0" err="1">
-                <a:latin typeface="Bahnschrift SemiBold" panose="020B0502040204020203" pitchFamily="34" charset="0"/>
-              </a:rPr>
-              <a:t>opcije</a:t>
-            </a:r>
-            <a:r>
-              <a:rPr lang="en-US" sz="2400" dirty="0">
-                <a:latin typeface="Bahnschrift SemiBold" panose="020B0502040204020203" pitchFamily="34" charset="0"/>
-              </a:rPr>
-              <a:t> (</a:t>
-            </a:r>
-            <a:r>
-              <a:rPr lang="en-US" sz="2400" dirty="0" err="1">
-                <a:latin typeface="Bahnschrift SemiBold" panose="020B0502040204020203" pitchFamily="34" charset="0"/>
-              </a:rPr>
-              <a:t>na</a:t>
-            </a:r>
-            <a:r>
-              <a:rPr lang="en-US" sz="2400" dirty="0">
-                <a:latin typeface="Bahnschrift SemiBold" panose="020B0502040204020203" pitchFamily="34" charset="0"/>
-              </a:rPr>
-              <a:t> primer, </a:t>
-            </a:r>
-            <a:r>
-              <a:rPr lang="en-US" sz="2400" dirty="0" err="1">
-                <a:latin typeface="Bahnschrift SemiBold" panose="020B0502040204020203" pitchFamily="34" charset="0"/>
-              </a:rPr>
-              <a:t>jezik</a:t>
-            </a:r>
-            <a:r>
-              <a:rPr lang="en-US" sz="2400" dirty="0">
-                <a:latin typeface="Bahnschrift SemiBold" panose="020B0502040204020203" pitchFamily="34" charset="0"/>
-              </a:rPr>
-              <a:t> </a:t>
-            </a:r>
-            <a:r>
-              <a:rPr lang="en-US" sz="2400" dirty="0" err="1">
-                <a:latin typeface="Bahnschrift SemiBold" panose="020B0502040204020203" pitchFamily="34" charset="0"/>
-              </a:rPr>
-              <a:t>prepoznavanja</a:t>
-            </a:r>
-            <a:r>
-              <a:rPr lang="en-US" sz="2400" dirty="0">
-                <a:latin typeface="Bahnschrift SemiBold" panose="020B0502040204020203" pitchFamily="34" charset="0"/>
-              </a:rPr>
-              <a:t>).</a:t>
-            </a:r>
-          </a:p>
-        </p:txBody>
-      </p:sp>
-      <p:sp>
-        <p:nvSpPr>
-          <p:cNvPr id="17" name="TextBox 16">
-            <a:extLst>
-              <a:ext uri="{FF2B5EF4-FFF2-40B4-BE49-F238E27FC236}">
-                <a16:creationId xmlns:a16="http://schemas.microsoft.com/office/drawing/2014/main" id="{0E4F28DC-A58F-698A-D6AD-5F45BA062331}"/>
-              </a:ext>
-            </a:extLst>
-          </p:cNvPr>
-          <p:cNvSpPr txBox="1"/>
-          <p:nvPr/>
-        </p:nvSpPr>
-        <p:spPr>
-          <a:xfrm>
-            <a:off x="233082" y="3461145"/>
-            <a:ext cx="11496073" cy="3046988"/>
-          </a:xfrm>
-          <a:prstGeom prst="rect">
-            <a:avLst/>
-          </a:prstGeom>
-          <a:noFill/>
-        </p:spPr>
-        <p:txBody>
-          <a:bodyPr wrap="square" rtlCol="0">
-            <a:spAutoFit/>
-          </a:bodyPr>
-          <a:lstStyle/>
-          <a:p>
-            <a:r>
-              <a:rPr lang="en-US" sz="2400" dirty="0" err="1">
-                <a:solidFill>
-                  <a:srgbClr val="FF0000"/>
-                </a:solidFill>
-                <a:latin typeface="Bahnschrift SemiBold" panose="020B0502040204020203" pitchFamily="34" charset="0"/>
-              </a:rPr>
-              <a:t>ocr</a:t>
-            </a:r>
-            <a:r>
-              <a:rPr lang="en-US" sz="2400" dirty="0">
-                <a:latin typeface="Bahnschrift SemiBold" panose="020B0502040204020203" pitchFamily="34" charset="0"/>
-              </a:rPr>
-              <a:t> </a:t>
-            </a:r>
-            <a:r>
-              <a:rPr lang="en-US" sz="2400" dirty="0" err="1">
-                <a:latin typeface="Bahnschrift SemiBold" panose="020B0502040204020203" pitchFamily="34" charset="0"/>
-              </a:rPr>
-              <a:t>funkcija</a:t>
-            </a:r>
-            <a:r>
-              <a:rPr lang="en-US" sz="2400" dirty="0">
-                <a:latin typeface="Bahnschrift SemiBold" panose="020B0502040204020203" pitchFamily="34" charset="0"/>
-              </a:rPr>
-              <a:t> </a:t>
-            </a:r>
-            <a:r>
-              <a:rPr lang="en-US" sz="2400" dirty="0" err="1">
-                <a:latin typeface="Bahnschrift SemiBold" panose="020B0502040204020203" pitchFamily="34" charset="0"/>
-              </a:rPr>
-              <a:t>vraća</a:t>
-            </a:r>
-            <a:r>
-              <a:rPr lang="en-US" sz="2400" dirty="0">
-                <a:latin typeface="Bahnschrift SemiBold" panose="020B0502040204020203" pitchFamily="34" charset="0"/>
-              </a:rPr>
-              <a:t> </a:t>
-            </a:r>
-            <a:r>
-              <a:rPr lang="en-US" sz="2400" dirty="0" err="1">
-                <a:latin typeface="Bahnschrift SemiBold" panose="020B0502040204020203" pitchFamily="34" charset="0"/>
-              </a:rPr>
-              <a:t>strukturu</a:t>
-            </a:r>
-            <a:r>
-              <a:rPr lang="en-US" sz="2400" dirty="0">
-                <a:latin typeface="Bahnschrift SemiBold" panose="020B0502040204020203" pitchFamily="34" charset="0"/>
-              </a:rPr>
-              <a:t> </a:t>
-            </a:r>
-            <a:r>
-              <a:rPr lang="en-US" sz="2400" dirty="0" err="1">
-                <a:latin typeface="Bahnschrift SemiBold" panose="020B0502040204020203" pitchFamily="34" charset="0"/>
-              </a:rPr>
-              <a:t>koja</a:t>
-            </a:r>
-            <a:r>
-              <a:rPr lang="en-US" sz="2400" dirty="0">
-                <a:latin typeface="Bahnschrift SemiBold" panose="020B0502040204020203" pitchFamily="34" charset="0"/>
-              </a:rPr>
-              <a:t> </a:t>
-            </a:r>
-            <a:r>
-              <a:rPr lang="en-US" sz="2400" dirty="0" err="1">
-                <a:latin typeface="Bahnschrift SemiBold" panose="020B0502040204020203" pitchFamily="34" charset="0"/>
-              </a:rPr>
-              <a:t>sadrži</a:t>
-            </a:r>
-            <a:r>
-              <a:rPr lang="en-US" sz="2400" dirty="0">
-                <a:latin typeface="Bahnschrift SemiBold" panose="020B0502040204020203" pitchFamily="34" charset="0"/>
-              </a:rPr>
-              <a:t> </a:t>
-            </a:r>
-            <a:r>
-              <a:rPr lang="en-US" sz="2400" dirty="0" err="1">
-                <a:latin typeface="Bahnschrift SemiBold" panose="020B0502040204020203" pitchFamily="34" charset="0"/>
-              </a:rPr>
-              <a:t>sledeća</a:t>
-            </a:r>
-            <a:r>
-              <a:rPr lang="en-US" sz="2400" dirty="0">
-                <a:latin typeface="Bahnschrift SemiBold" panose="020B0502040204020203" pitchFamily="34" charset="0"/>
-              </a:rPr>
-              <a:t> </a:t>
-            </a:r>
-            <a:r>
-              <a:rPr lang="en-US" sz="2400" dirty="0" err="1">
-                <a:latin typeface="Bahnschrift SemiBold" panose="020B0502040204020203" pitchFamily="34" charset="0"/>
-              </a:rPr>
-              <a:t>polja</a:t>
-            </a:r>
-            <a:r>
-              <a:rPr lang="en-US" sz="2400" dirty="0">
-                <a:latin typeface="Bahnschrift SemiBold" panose="020B0502040204020203" pitchFamily="34" charset="0"/>
-              </a:rPr>
-              <a:t>:</a:t>
-            </a:r>
-          </a:p>
-          <a:p>
-            <a:r>
-              <a:rPr lang="en-US" sz="2400" dirty="0">
-                <a:solidFill>
-                  <a:srgbClr val="0070C0"/>
-                </a:solidFill>
-                <a:latin typeface="Bahnschrift SemiBold" panose="020B0502040204020203" pitchFamily="34" charset="0"/>
-              </a:rPr>
-              <a:t>Text</a:t>
-            </a:r>
-            <a:r>
-              <a:rPr lang="en-US" sz="2400" dirty="0">
-                <a:latin typeface="Bahnschrift SemiBold" panose="020B0502040204020203" pitchFamily="34" charset="0"/>
-              </a:rPr>
-              <a:t>: </a:t>
-            </a:r>
-            <a:r>
-              <a:rPr lang="en-US" sz="2400" dirty="0" err="1">
-                <a:latin typeface="Bahnschrift SemiBold" panose="020B0502040204020203" pitchFamily="34" charset="0"/>
-              </a:rPr>
-              <a:t>Prepoznati</a:t>
-            </a:r>
-            <a:r>
-              <a:rPr lang="en-US" sz="2400" dirty="0">
-                <a:latin typeface="Bahnschrift SemiBold" panose="020B0502040204020203" pitchFamily="34" charset="0"/>
-              </a:rPr>
-              <a:t> </a:t>
-            </a:r>
-            <a:r>
-              <a:rPr lang="en-US" sz="2400" dirty="0" err="1">
-                <a:latin typeface="Bahnschrift SemiBold" panose="020B0502040204020203" pitchFamily="34" charset="0"/>
-              </a:rPr>
-              <a:t>tekst</a:t>
-            </a:r>
-            <a:r>
-              <a:rPr lang="en-US" sz="2400" dirty="0">
-                <a:latin typeface="Bahnschrift SemiBold" panose="020B0502040204020203" pitchFamily="34" charset="0"/>
-              </a:rPr>
-              <a:t> </a:t>
-            </a:r>
-            <a:r>
-              <a:rPr lang="en-US" sz="2400" dirty="0" err="1">
-                <a:latin typeface="Bahnschrift SemiBold" panose="020B0502040204020203" pitchFamily="34" charset="0"/>
-              </a:rPr>
-              <a:t>kao</a:t>
-            </a:r>
-            <a:r>
-              <a:rPr lang="en-US" sz="2400" dirty="0">
-                <a:latin typeface="Bahnschrift SemiBold" panose="020B0502040204020203" pitchFamily="34" charset="0"/>
-              </a:rPr>
-              <a:t> string.</a:t>
-            </a:r>
-          </a:p>
-          <a:p>
-            <a:r>
-              <a:rPr lang="en-US" sz="2400" dirty="0" err="1">
-                <a:solidFill>
-                  <a:srgbClr val="0070C0"/>
-                </a:solidFill>
-                <a:latin typeface="Bahnschrift SemiBold" panose="020B0502040204020203" pitchFamily="34" charset="0"/>
-              </a:rPr>
-              <a:t>CharacterBoundingBoxes</a:t>
-            </a:r>
-            <a:r>
-              <a:rPr lang="en-US" sz="2400" dirty="0">
-                <a:latin typeface="Bahnschrift SemiBold" panose="020B0502040204020203" pitchFamily="34" charset="0"/>
-              </a:rPr>
-              <a:t>: </a:t>
-            </a:r>
-            <a:r>
-              <a:rPr lang="en-US" sz="2400" dirty="0" err="1">
-                <a:latin typeface="Bahnschrift SemiBold" panose="020B0502040204020203" pitchFamily="34" charset="0"/>
-              </a:rPr>
-              <a:t>Matrica</a:t>
-            </a:r>
-            <a:r>
-              <a:rPr lang="en-US" sz="2400" dirty="0">
-                <a:latin typeface="Bahnschrift SemiBold" panose="020B0502040204020203" pitchFamily="34" charset="0"/>
-              </a:rPr>
-              <a:t> </a:t>
-            </a:r>
-            <a:r>
-              <a:rPr lang="en-US" sz="2400" dirty="0" err="1">
-                <a:latin typeface="Bahnschrift SemiBold" panose="020B0502040204020203" pitchFamily="34" charset="0"/>
-              </a:rPr>
-              <a:t>koja</a:t>
-            </a:r>
-            <a:r>
-              <a:rPr lang="en-US" sz="2400" dirty="0">
-                <a:latin typeface="Bahnschrift SemiBold" panose="020B0502040204020203" pitchFamily="34" charset="0"/>
-              </a:rPr>
-              <a:t> </a:t>
-            </a:r>
-            <a:r>
-              <a:rPr lang="en-US" sz="2400" dirty="0" err="1">
-                <a:latin typeface="Bahnschrift SemiBold" panose="020B0502040204020203" pitchFamily="34" charset="0"/>
-              </a:rPr>
-              <a:t>sadrži</a:t>
-            </a:r>
-            <a:r>
-              <a:rPr lang="en-US" sz="2400" dirty="0">
-                <a:latin typeface="Bahnschrift SemiBold" panose="020B0502040204020203" pitchFamily="34" charset="0"/>
-              </a:rPr>
-              <a:t> bounding box za </a:t>
-            </a:r>
-            <a:r>
-              <a:rPr lang="en-US" sz="2400" dirty="0" err="1">
-                <a:latin typeface="Bahnschrift SemiBold" panose="020B0502040204020203" pitchFamily="34" charset="0"/>
-              </a:rPr>
-              <a:t>svaki</a:t>
-            </a:r>
-            <a:r>
-              <a:rPr lang="en-US" sz="2400" dirty="0">
-                <a:latin typeface="Bahnschrift SemiBold" panose="020B0502040204020203" pitchFamily="34" charset="0"/>
-              </a:rPr>
-              <a:t> </a:t>
-            </a:r>
-            <a:r>
-              <a:rPr lang="en-US" sz="2400" dirty="0" err="1">
-                <a:latin typeface="Bahnschrift SemiBold" panose="020B0502040204020203" pitchFamily="34" charset="0"/>
-              </a:rPr>
-              <a:t>prepoznati</a:t>
-            </a:r>
-            <a:r>
-              <a:rPr lang="en-US" sz="2400" dirty="0">
-                <a:latin typeface="Bahnschrift SemiBold" panose="020B0502040204020203" pitchFamily="34" charset="0"/>
-              </a:rPr>
-              <a:t> </a:t>
-            </a:r>
-            <a:r>
-              <a:rPr lang="en-US" sz="2400" dirty="0" err="1">
-                <a:latin typeface="Bahnschrift SemiBold" panose="020B0502040204020203" pitchFamily="34" charset="0"/>
-              </a:rPr>
-              <a:t>znak</a:t>
-            </a:r>
-            <a:r>
-              <a:rPr lang="en-US" sz="2400" dirty="0">
-                <a:latin typeface="Bahnschrift SemiBold" panose="020B0502040204020203" pitchFamily="34" charset="0"/>
-              </a:rPr>
-              <a:t>.</a:t>
-            </a:r>
-          </a:p>
-          <a:p>
-            <a:r>
-              <a:rPr lang="en-US" sz="2400" dirty="0" err="1">
-                <a:solidFill>
-                  <a:srgbClr val="0070C0"/>
-                </a:solidFill>
-                <a:latin typeface="Bahnschrift SemiBold" panose="020B0502040204020203" pitchFamily="34" charset="0"/>
-              </a:rPr>
-              <a:t>CharacterConfidences</a:t>
-            </a:r>
-            <a:r>
-              <a:rPr lang="en-US" sz="2400" dirty="0">
-                <a:latin typeface="Bahnschrift SemiBold" panose="020B0502040204020203" pitchFamily="34" charset="0"/>
-              </a:rPr>
-              <a:t>: </a:t>
-            </a:r>
-            <a:r>
-              <a:rPr lang="en-US" sz="2400" dirty="0" err="1">
-                <a:latin typeface="Bahnschrift SemiBold" panose="020B0502040204020203" pitchFamily="34" charset="0"/>
-              </a:rPr>
-              <a:t>Vektor</a:t>
-            </a:r>
-            <a:r>
-              <a:rPr lang="en-US" sz="2400" dirty="0">
-                <a:latin typeface="Bahnschrift SemiBold" panose="020B0502040204020203" pitchFamily="34" charset="0"/>
-              </a:rPr>
-              <a:t> </a:t>
-            </a:r>
-            <a:r>
-              <a:rPr lang="en-US" sz="2400" dirty="0" err="1">
-                <a:latin typeface="Bahnschrift SemiBold" panose="020B0502040204020203" pitchFamily="34" charset="0"/>
-              </a:rPr>
-              <a:t>sa</a:t>
-            </a:r>
-            <a:r>
-              <a:rPr lang="en-US" sz="2400" dirty="0">
-                <a:latin typeface="Bahnschrift SemiBold" panose="020B0502040204020203" pitchFamily="34" charset="0"/>
-              </a:rPr>
-              <a:t> </a:t>
-            </a:r>
-            <a:r>
-              <a:rPr lang="en-US" sz="2400" dirty="0" err="1">
-                <a:latin typeface="Bahnschrift SemiBold" panose="020B0502040204020203" pitchFamily="34" charset="0"/>
-              </a:rPr>
-              <a:t>verovatnoćama</a:t>
-            </a:r>
-            <a:r>
-              <a:rPr lang="en-US" sz="2400" dirty="0">
-                <a:latin typeface="Bahnschrift SemiBold" panose="020B0502040204020203" pitchFamily="34" charset="0"/>
-              </a:rPr>
-              <a:t> za </a:t>
-            </a:r>
-            <a:r>
-              <a:rPr lang="en-US" sz="2400" dirty="0" err="1">
-                <a:latin typeface="Bahnschrift SemiBold" panose="020B0502040204020203" pitchFamily="34" charset="0"/>
-              </a:rPr>
-              <a:t>svaki</a:t>
-            </a:r>
-            <a:r>
-              <a:rPr lang="en-US" sz="2400" dirty="0">
-                <a:latin typeface="Bahnschrift SemiBold" panose="020B0502040204020203" pitchFamily="34" charset="0"/>
-              </a:rPr>
-              <a:t> </a:t>
-            </a:r>
-            <a:r>
-              <a:rPr lang="en-US" sz="2400" dirty="0" err="1">
-                <a:latin typeface="Bahnschrift SemiBold" panose="020B0502040204020203" pitchFamily="34" charset="0"/>
-              </a:rPr>
-              <a:t>prepoznati</a:t>
-            </a:r>
-            <a:r>
-              <a:rPr lang="en-US" sz="2400" dirty="0">
-                <a:latin typeface="Bahnschrift SemiBold" panose="020B0502040204020203" pitchFamily="34" charset="0"/>
-              </a:rPr>
-              <a:t> </a:t>
-            </a:r>
-            <a:r>
-              <a:rPr lang="en-US" sz="2400" dirty="0" err="1">
-                <a:latin typeface="Bahnschrift SemiBold" panose="020B0502040204020203" pitchFamily="34" charset="0"/>
-              </a:rPr>
-              <a:t>znak</a:t>
-            </a:r>
-            <a:r>
-              <a:rPr lang="en-US" sz="2400" dirty="0">
-                <a:latin typeface="Bahnschrift SemiBold" panose="020B0502040204020203" pitchFamily="34" charset="0"/>
-              </a:rPr>
-              <a:t>.</a:t>
-            </a:r>
-          </a:p>
-          <a:p>
-            <a:r>
-              <a:rPr lang="en-US" sz="2400" dirty="0">
-                <a:solidFill>
-                  <a:srgbClr val="0070C0"/>
-                </a:solidFill>
-                <a:latin typeface="Bahnschrift SemiBold" panose="020B0502040204020203" pitchFamily="34" charset="0"/>
-              </a:rPr>
-              <a:t>Words</a:t>
-            </a:r>
-            <a:r>
-              <a:rPr lang="en-US" sz="2400" dirty="0">
-                <a:latin typeface="Bahnschrift SemiBold" panose="020B0502040204020203" pitchFamily="34" charset="0"/>
-              </a:rPr>
-              <a:t>: Cell array </a:t>
-            </a:r>
-            <a:r>
-              <a:rPr lang="en-US" sz="2400" dirty="0" err="1">
-                <a:latin typeface="Bahnschrift SemiBold" panose="020B0502040204020203" pitchFamily="34" charset="0"/>
-              </a:rPr>
-              <a:t>sa</a:t>
-            </a:r>
-            <a:r>
-              <a:rPr lang="en-US" sz="2400" dirty="0">
-                <a:latin typeface="Bahnschrift SemiBold" panose="020B0502040204020203" pitchFamily="34" charset="0"/>
-              </a:rPr>
-              <a:t> </a:t>
-            </a:r>
-            <a:r>
-              <a:rPr lang="en-US" sz="2400" dirty="0" err="1">
-                <a:latin typeface="Bahnschrift SemiBold" panose="020B0502040204020203" pitchFamily="34" charset="0"/>
-              </a:rPr>
-              <a:t>prepoznatim</a:t>
-            </a:r>
-            <a:r>
-              <a:rPr lang="en-US" sz="2400" dirty="0">
-                <a:latin typeface="Bahnschrift SemiBold" panose="020B0502040204020203" pitchFamily="34" charset="0"/>
-              </a:rPr>
-              <a:t> </a:t>
-            </a:r>
-            <a:r>
-              <a:rPr lang="en-US" sz="2400" dirty="0" err="1">
-                <a:latin typeface="Bahnschrift SemiBold" panose="020B0502040204020203" pitchFamily="34" charset="0"/>
-              </a:rPr>
-              <a:t>rečima</a:t>
-            </a:r>
-            <a:r>
-              <a:rPr lang="en-US" sz="2400" dirty="0">
-                <a:latin typeface="Bahnschrift SemiBold" panose="020B0502040204020203" pitchFamily="34" charset="0"/>
-              </a:rPr>
-              <a:t>.</a:t>
-            </a:r>
-          </a:p>
-          <a:p>
-            <a:r>
-              <a:rPr lang="en-US" sz="2400" dirty="0" err="1">
-                <a:solidFill>
-                  <a:srgbClr val="0070C0"/>
-                </a:solidFill>
-                <a:latin typeface="Bahnschrift SemiBold" panose="020B0502040204020203" pitchFamily="34" charset="0"/>
-              </a:rPr>
-              <a:t>WordBoundingBoxes</a:t>
-            </a:r>
-            <a:r>
-              <a:rPr lang="en-US" sz="2400" dirty="0">
-                <a:latin typeface="Bahnschrift SemiBold" panose="020B0502040204020203" pitchFamily="34" charset="0"/>
-              </a:rPr>
-              <a:t>: </a:t>
-            </a:r>
-            <a:r>
-              <a:rPr lang="en-US" sz="2400" dirty="0" err="1">
-                <a:latin typeface="Bahnschrift SemiBold" panose="020B0502040204020203" pitchFamily="34" charset="0"/>
-              </a:rPr>
-              <a:t>Matrica</a:t>
-            </a:r>
-            <a:r>
-              <a:rPr lang="en-US" sz="2400" dirty="0">
-                <a:latin typeface="Bahnschrift SemiBold" panose="020B0502040204020203" pitchFamily="34" charset="0"/>
-              </a:rPr>
-              <a:t> </a:t>
-            </a:r>
-            <a:r>
-              <a:rPr lang="en-US" sz="2400" dirty="0" err="1">
-                <a:latin typeface="Bahnschrift SemiBold" panose="020B0502040204020203" pitchFamily="34" charset="0"/>
-              </a:rPr>
-              <a:t>koja</a:t>
-            </a:r>
-            <a:r>
-              <a:rPr lang="en-US" sz="2400" dirty="0">
-                <a:latin typeface="Bahnschrift SemiBold" panose="020B0502040204020203" pitchFamily="34" charset="0"/>
-              </a:rPr>
-              <a:t> </a:t>
-            </a:r>
-            <a:r>
-              <a:rPr lang="en-US" sz="2400" dirty="0" err="1">
-                <a:latin typeface="Bahnschrift SemiBold" panose="020B0502040204020203" pitchFamily="34" charset="0"/>
-              </a:rPr>
-              <a:t>sadrži</a:t>
-            </a:r>
-            <a:r>
-              <a:rPr lang="en-US" sz="2400" dirty="0">
-                <a:latin typeface="Bahnschrift SemiBold" panose="020B0502040204020203" pitchFamily="34" charset="0"/>
-              </a:rPr>
-              <a:t> bounding box za </a:t>
-            </a:r>
-            <a:r>
-              <a:rPr lang="en-US" sz="2400" dirty="0" err="1">
-                <a:latin typeface="Bahnschrift SemiBold" panose="020B0502040204020203" pitchFamily="34" charset="0"/>
-              </a:rPr>
-              <a:t>svaku</a:t>
-            </a:r>
-            <a:r>
-              <a:rPr lang="en-US" sz="2400" dirty="0">
-                <a:latin typeface="Bahnschrift SemiBold" panose="020B0502040204020203" pitchFamily="34" charset="0"/>
-              </a:rPr>
-              <a:t> </a:t>
-            </a:r>
-            <a:r>
-              <a:rPr lang="en-US" sz="2400" dirty="0" err="1">
-                <a:latin typeface="Bahnschrift SemiBold" panose="020B0502040204020203" pitchFamily="34" charset="0"/>
-              </a:rPr>
-              <a:t>prepoznatu</a:t>
-            </a:r>
-            <a:r>
-              <a:rPr lang="en-US" sz="2400" dirty="0">
-                <a:latin typeface="Bahnschrift SemiBold" panose="020B0502040204020203" pitchFamily="34" charset="0"/>
-              </a:rPr>
-              <a:t> </a:t>
-            </a:r>
-            <a:r>
-              <a:rPr lang="en-US" sz="2400" dirty="0" err="1">
-                <a:latin typeface="Bahnschrift SemiBold" panose="020B0502040204020203" pitchFamily="34" charset="0"/>
-              </a:rPr>
-              <a:t>reč</a:t>
-            </a:r>
-            <a:r>
-              <a:rPr lang="en-US" sz="2400" dirty="0">
-                <a:latin typeface="Bahnschrift SemiBold" panose="020B0502040204020203" pitchFamily="34" charset="0"/>
-              </a:rPr>
-              <a:t>.</a:t>
-            </a:r>
-          </a:p>
-          <a:p>
-            <a:r>
-              <a:rPr lang="en-US" sz="2400" dirty="0" err="1">
-                <a:solidFill>
-                  <a:srgbClr val="0070C0"/>
-                </a:solidFill>
-                <a:latin typeface="Bahnschrift SemiBold" panose="020B0502040204020203" pitchFamily="34" charset="0"/>
-              </a:rPr>
-              <a:t>WordConfidences</a:t>
-            </a:r>
-            <a:r>
-              <a:rPr lang="en-US" sz="2400" dirty="0">
-                <a:latin typeface="Bahnschrift SemiBold" panose="020B0502040204020203" pitchFamily="34" charset="0"/>
-              </a:rPr>
-              <a:t>: </a:t>
-            </a:r>
-            <a:r>
-              <a:rPr lang="en-US" sz="2400" dirty="0" err="1">
-                <a:latin typeface="Bahnschrift SemiBold" panose="020B0502040204020203" pitchFamily="34" charset="0"/>
-              </a:rPr>
-              <a:t>Vektor</a:t>
-            </a:r>
-            <a:r>
-              <a:rPr lang="en-US" sz="2400" dirty="0">
-                <a:latin typeface="Bahnschrift SemiBold" panose="020B0502040204020203" pitchFamily="34" charset="0"/>
-              </a:rPr>
-              <a:t> </a:t>
-            </a:r>
-            <a:r>
-              <a:rPr lang="en-US" sz="2400" dirty="0" err="1">
-                <a:latin typeface="Bahnschrift SemiBold" panose="020B0502040204020203" pitchFamily="34" charset="0"/>
-              </a:rPr>
-              <a:t>sa</a:t>
-            </a:r>
-            <a:r>
-              <a:rPr lang="en-US" sz="2400" dirty="0">
-                <a:latin typeface="Bahnschrift SemiBold" panose="020B0502040204020203" pitchFamily="34" charset="0"/>
-              </a:rPr>
-              <a:t> </a:t>
-            </a:r>
-            <a:r>
-              <a:rPr lang="en-US" sz="2400" dirty="0" err="1">
-                <a:latin typeface="Bahnschrift SemiBold" panose="020B0502040204020203" pitchFamily="34" charset="0"/>
-              </a:rPr>
-              <a:t>verovatnoćama</a:t>
-            </a:r>
-            <a:r>
-              <a:rPr lang="en-US" sz="2400" dirty="0">
-                <a:latin typeface="Bahnschrift SemiBold" panose="020B0502040204020203" pitchFamily="34" charset="0"/>
-              </a:rPr>
-              <a:t> za </a:t>
-            </a:r>
-            <a:r>
-              <a:rPr lang="en-US" sz="2400" dirty="0" err="1">
-                <a:latin typeface="Bahnschrift SemiBold" panose="020B0502040204020203" pitchFamily="34" charset="0"/>
-              </a:rPr>
-              <a:t>svaku</a:t>
-            </a:r>
-            <a:r>
-              <a:rPr lang="en-US" sz="2400" dirty="0">
-                <a:latin typeface="Bahnschrift SemiBold" panose="020B0502040204020203" pitchFamily="34" charset="0"/>
-              </a:rPr>
-              <a:t> </a:t>
-            </a:r>
-            <a:r>
-              <a:rPr lang="en-US" sz="2400" dirty="0" err="1">
-                <a:latin typeface="Bahnschrift SemiBold" panose="020B0502040204020203" pitchFamily="34" charset="0"/>
-              </a:rPr>
-              <a:t>prepoznatu</a:t>
-            </a:r>
-            <a:r>
-              <a:rPr lang="en-US" sz="2400" dirty="0">
-                <a:latin typeface="Bahnschrift SemiBold" panose="020B0502040204020203" pitchFamily="34" charset="0"/>
-              </a:rPr>
-              <a:t> </a:t>
-            </a:r>
-            <a:r>
-              <a:rPr lang="en-US" sz="2400" dirty="0" err="1">
-                <a:latin typeface="Bahnschrift SemiBold" panose="020B0502040204020203" pitchFamily="34" charset="0"/>
-              </a:rPr>
-              <a:t>reč</a:t>
-            </a:r>
-            <a:r>
-              <a:rPr lang="en-US" sz="2400" dirty="0">
-                <a:latin typeface="Bahnschrift SemiBold" panose="020B0502040204020203" pitchFamily="34" charset="0"/>
-              </a:rPr>
-              <a:t>.</a:t>
-            </a:r>
+            <a:endParaRPr lang="en-US" sz="2400" dirty="0">
+              <a:latin typeface="Bahnschrift SemiBold" panose="020B0502040204020203" pitchFamily="34" charset="0"/>
+            </a:endParaRPr>
           </a:p>
         </p:txBody>
       </p:sp>
     </p:spTree>
     <p:extLst>
       <p:ext uri="{BB962C8B-B14F-4D97-AF65-F5344CB8AC3E}">
-        <p14:creationId xmlns:p14="http://schemas.microsoft.com/office/powerpoint/2010/main" val="878879967"/>
+        <p14:creationId xmlns:p14="http://schemas.microsoft.com/office/powerpoint/2010/main" val="2207653467"/>
       </p:ext>
     </p:extLst>
   </p:cSld>
@@ -22209,8 +19023,8 @@
         </p:nvSpPr>
         <p:spPr>
           <a:xfrm>
-            <a:off x="3447092" y="7880939"/>
-            <a:ext cx="11496073" cy="3046988"/>
+            <a:off x="233082" y="1121551"/>
+            <a:ext cx="11496073" cy="5632311"/>
           </a:xfrm>
           <a:prstGeom prst="rect">
             <a:avLst/>
@@ -22225,48 +19039,89 @@
           <a:p>
             <a:r>
               <a:rPr lang="en-US" sz="2400" dirty="0" err="1">
-                <a:solidFill>
-                  <a:srgbClr val="FF0000"/>
-                </a:solidFill>
-                <a:latin typeface="Bahnschrift SemiBold" panose="020B0502040204020203" pitchFamily="34" charset="0"/>
-              </a:rPr>
-              <a:t>ocr</a:t>
-            </a:r>
-            <a:r>
-              <a:rPr lang="en-US" sz="2400" dirty="0">
-                <a:latin typeface="Bahnschrift SemiBold" panose="020B0502040204020203" pitchFamily="34" charset="0"/>
-              </a:rPr>
-              <a:t> </a:t>
+                <a:latin typeface="Bahnschrift SemiBold" panose="020B0502040204020203" pitchFamily="34" charset="0"/>
+              </a:rPr>
+              <a:t>Odre</a:t>
+            </a:r>
+            <a:r>
+              <a:rPr lang="sr-Latn-ME" sz="2400" dirty="0">
+                <a:latin typeface="Bahnschrift SemiBold" panose="020B0502040204020203" pitchFamily="34" charset="0"/>
+              </a:rPr>
+              <a:t>đene tablice, ukoliko se primene neke od transformacija, program savršeno prepoznaje, dok kod nekih drugih ne može najpreciznije sve karaktere prepoznati. Modifikacijom površine minimalne celine za tablicu se mogu poboljšati rezultati automatskog prepoznavanja pozicije tablice. Korisnik može i sam da iseče tablicu po primerima rađenim na vežbama ovog predmeta.</a:t>
+            </a:r>
+          </a:p>
+          <a:p>
+            <a:endParaRPr lang="sr-Latn-ME" sz="2400" dirty="0">
+              <a:latin typeface="Bahnschrift SemiBold" panose="020B0502040204020203" pitchFamily="34" charset="0"/>
+            </a:endParaRPr>
+          </a:p>
+          <a:p>
+            <a:r>
+              <a:rPr lang="sr-Latn-ME" sz="2400" dirty="0">
+                <a:latin typeface="Bahnschrift SemiBold" panose="020B0502040204020203" pitchFamily="34" charset="0"/>
+              </a:rPr>
+              <a:t>Od svih funkcija filtera najbolje rezultate je davala ili binarizacija sa pragom od 100 ili Laplasijan od </a:t>
+            </a:r>
+            <a:r>
+              <a:rPr lang="en-US" sz="2400" dirty="0">
+                <a:latin typeface="Bahnschrift SemiBold" panose="020B0502040204020203" pitchFamily="34" charset="0"/>
+              </a:rPr>
+              <a:t>-8</a:t>
+            </a:r>
+            <a:r>
+              <a:rPr lang="sr-Latn-ME" sz="2400" dirty="0">
+                <a:latin typeface="Bahnschrift SemiBold" panose="020B0502040204020203" pitchFamily="34" charset="0"/>
+              </a:rPr>
+              <a:t>, u zavisnosti od ugla slike i veličine tablice.</a:t>
+            </a:r>
+          </a:p>
+          <a:p>
+            <a:endParaRPr lang="sr-Latn-ME" sz="2400" dirty="0">
+              <a:latin typeface="Bahnschrift SemiBold" panose="020B0502040204020203" pitchFamily="34" charset="0"/>
+            </a:endParaRPr>
+          </a:p>
+          <a:p>
+            <a:r>
+              <a:rPr lang="sr-Latn-ME" sz="2400" dirty="0">
+                <a:latin typeface="Bahnschrift SemiBold" panose="020B0502040204020203" pitchFamily="34" charset="0"/>
+              </a:rPr>
+              <a:t>Kod funkcije </a:t>
+            </a:r>
+            <a:r>
+              <a:rPr lang="en-US" sz="2400" dirty="0">
+                <a:latin typeface="Bahnschrift SemiBold" panose="020B0502040204020203" pitchFamily="34" charset="0"/>
+              </a:rPr>
+              <a:t>‘edge’ </a:t>
             </a:r>
             <a:r>
               <a:rPr lang="en-US" sz="2400" dirty="0" err="1">
                 <a:latin typeface="Bahnschrift SemiBold" panose="020B0502040204020203" pitchFamily="34" charset="0"/>
               </a:rPr>
-              <a:t>funkcija</a:t>
-            </a:r>
-            <a:r>
-              <a:rPr lang="en-US" sz="2400" dirty="0">
-                <a:latin typeface="Bahnschrift SemiBold" panose="020B0502040204020203" pitchFamily="34" charset="0"/>
-              </a:rPr>
-              <a:t> </a:t>
+              <a:t>kori</a:t>
+            </a:r>
+            <a:r>
+              <a:rPr lang="sr-Latn-ME" sz="2400" dirty="0">
+                <a:latin typeface="Bahnschrift SemiBold" panose="020B0502040204020203" pitchFamily="34" charset="0"/>
+              </a:rPr>
+              <a:t>šćena je </a:t>
             </a:r>
             <a:r>
               <a:rPr lang="en-US" sz="2400" dirty="0" err="1">
                 <a:latin typeface="Bahnschrift SemiBold" panose="020B0502040204020203" pitchFamily="34" charset="0"/>
               </a:rPr>
-              <a:t>vraća</a:t>
-            </a:r>
-            <a:r>
-              <a:rPr lang="en-US" sz="2400" dirty="0">
-                <a:latin typeface="Bahnschrift SemiBold" panose="020B0502040204020203" pitchFamily="34" charset="0"/>
-              </a:rPr>
-              <a:t> </a:t>
+              <a:t>metoda</a:t>
+            </a:r>
+            <a:r>
+              <a:rPr lang="en-US" sz="2400" dirty="0">
+                <a:latin typeface="Bahnschrift SemiBold" panose="020B0502040204020203" pitchFamily="34" charset="0"/>
+              </a:rPr>
+              <a:t> ‘Canny’ </a:t>
             </a:r>
             <a:r>
               <a:rPr lang="en-US" sz="2400" dirty="0" err="1">
                 <a:latin typeface="Bahnschrift SemiBold" panose="020B0502040204020203" pitchFamily="34" charset="0"/>
               </a:rPr>
-              <a:t>strukturu</a:t>
+              <a:t>iako</a:t>
             </a:r>
             <a:r>
               <a:rPr lang="en-US" sz="2400" dirty="0">
@@ -22278,7 +19133,7 @@
               <a:rPr lang="en-US" sz="2400" dirty="0" err="1">
                 <a:latin typeface="Bahnschrift SemiBold" panose="020B0502040204020203" pitchFamily="34" charset="0"/>
               </a:rPr>
-              <a:t>koja</a:t>
+              <a:t>nije</a:t>
             </a:r>
             <a:r>
               <a:rPr lang="en-US" sz="2400" dirty="0">
@@ -22290,19 +19145,19 @@
               <a:rPr lang="en-US" sz="2400" dirty="0" err="1">
                 <a:latin typeface="Bahnschrift SemiBold" panose="020B0502040204020203" pitchFamily="34" charset="0"/>
               </a:rPr>
-              <a:t>sadrži</a:t>
-            </a:r>
-            <a:r>
-              <a:rPr lang="en-US" sz="2400" dirty="0">
-                <a:latin typeface="Bahnschrift SemiBold" panose="020B0502040204020203" pitchFamily="34" charset="0"/>
-              </a:rPr>
-              <a:t> </a:t>
+              <a:t>najbr</a:t>
+            </a:r>
+            <a:r>
+              <a:rPr lang="sr-Latn-ME" sz="2400" dirty="0">
+                <a:latin typeface="Bahnschrift SemiBold" panose="020B0502040204020203" pitchFamily="34" charset="0"/>
+              </a:rPr>
+              <a:t>ža, </a:t>
             </a:r>
             <a:r>
               <a:rPr lang="en-US" sz="2400" dirty="0" err="1">
                 <a:latin typeface="Bahnschrift SemiBold" panose="020B0502040204020203" pitchFamily="34" charset="0"/>
               </a:rPr>
-              <a:t>sledeća</a:t>
+              <a:t>jer</a:t>
             </a:r>
             <a:r>
               <a:rPr lang="en-US" sz="2400" dirty="0">
@@ -22314,476 +19169,302 @@
               <a:rPr lang="en-US" sz="2400" dirty="0" err="1">
                 <a:latin typeface="Bahnschrift SemiBold" panose="020B0502040204020203" pitchFamily="34" charset="0"/>
               </a:rPr>
-              <a:t>polja</a:t>
-            </a:r>
-            <a:r>
-              <a:rPr lang="en-US" sz="2400" dirty="0">
+              <a:t>ostale</a:t>
+            </a:r>
+            <a:r>
+              <a:rPr lang="en-US" sz="2400" dirty="0">
+                <a:latin typeface="Bahnschrift SemiBold" panose="020B0502040204020203" pitchFamily="34" charset="0"/>
+              </a:rPr>
+              <a:t> </a:t>
+            </a:r>
+            <a:r>
+              <a:rPr lang="en-US" sz="2400" dirty="0" err="1">
+                <a:latin typeface="Bahnschrift SemiBold" panose="020B0502040204020203" pitchFamily="34" charset="0"/>
+              </a:rPr>
+              <a:t>poput</a:t>
+            </a:r>
+            <a:r>
+              <a:rPr lang="en-US" sz="2400" dirty="0">
+                <a:latin typeface="Bahnschrift SemiBold" panose="020B0502040204020203" pitchFamily="34" charset="0"/>
+              </a:rPr>
+              <a:t> ‘Sobel’, ‘log’, ‘Prewitt’ </a:t>
+            </a:r>
+            <a:r>
+              <a:rPr lang="sr-Latn-ME" sz="2400" dirty="0">
+                <a:latin typeface="Bahnschrift SemiBold" panose="020B0502040204020203" pitchFamily="34" charset="0"/>
+              </a:rPr>
+              <a:t>i</a:t>
+            </a:r>
+            <a:r>
+              <a:rPr lang="en-US" sz="2400" dirty="0">
+                <a:latin typeface="Bahnschrift SemiBold" panose="020B0502040204020203" pitchFamily="34" charset="0"/>
+              </a:rPr>
+              <a:t> ‘Roberts’ </a:t>
+            </a:r>
+            <a:r>
+              <a:rPr lang="en-US" sz="2400" dirty="0" err="1">
+                <a:latin typeface="Bahnschrift SemiBold" panose="020B0502040204020203" pitchFamily="34" charset="0"/>
+              </a:rPr>
+              <a:t>nisu</a:t>
+            </a:r>
+            <a:r>
+              <a:rPr lang="en-US" sz="2400" dirty="0">
+                <a:latin typeface="Bahnschrift SemiBold" panose="020B0502040204020203" pitchFamily="34" charset="0"/>
+              </a:rPr>
+              <a:t> </a:t>
+            </a:r>
+            <a:r>
+              <a:rPr lang="en-US" sz="2400" dirty="0" err="1">
+                <a:latin typeface="Bahnschrift SemiBold" panose="020B0502040204020203" pitchFamily="34" charset="0"/>
+              </a:rPr>
+              <a:t>bili</a:t>
+            </a:r>
+            <a:r>
+              <a:rPr lang="en-US" sz="2400" dirty="0">
+                <a:latin typeface="Bahnschrift SemiBold" panose="020B0502040204020203" pitchFamily="34" charset="0"/>
+              </a:rPr>
+              <a:t> </a:t>
+            </a:r>
+            <a:r>
+              <a:rPr lang="en-US" sz="2400" dirty="0" err="1">
+                <a:latin typeface="Bahnschrift SemiBold" panose="020B0502040204020203" pitchFamily="34" charset="0"/>
+              </a:rPr>
+              <a:t>precizni</a:t>
+            </a:r>
+            <a:r>
+              <a:rPr lang="en-US" sz="2400" dirty="0">
+                <a:latin typeface="Bahnschrift SemiBold" panose="020B0502040204020203" pitchFamily="34" charset="0"/>
+              </a:rPr>
+              <a:t> </a:t>
+            </a:r>
+            <a:r>
+              <a:rPr lang="en-US" sz="2400" dirty="0" err="1">
+                <a:latin typeface="Bahnschrift SemiBold" panose="020B0502040204020203" pitchFamily="34" charset="0"/>
+              </a:rPr>
+              <a:t>toliko</a:t>
+            </a:r>
+            <a:r>
+              <a:rPr lang="sr-Latn-ME" sz="2400" dirty="0">
+                <a:latin typeface="Bahnschrift SemiBold" panose="020B0502040204020203" pitchFamily="34" charset="0"/>
+              </a:rPr>
+              <a:t>.</a:t>
+            </a:r>
+            <a:endParaRPr lang="en-US" sz="2400" dirty="0">
+              <a:latin typeface="Bahnschrift SemiBold" panose="020B0502040204020203" pitchFamily="34" charset="0"/>
+            </a:endParaRPr>
+          </a:p>
+          <a:p>
+            <a:endParaRPr lang="en-US" sz="2400" dirty="0">
+              <a:latin typeface="Bahnschrift SemiBold" panose="020B0502040204020203" pitchFamily="34" charset="0"/>
+            </a:endParaRPr>
+          </a:p>
+          <a:p>
+            <a:r>
+              <a:rPr lang="en-US" dirty="0" err="1">
+                <a:latin typeface="Bahnschrift SemiBold" panose="020B0502040204020203" pitchFamily="34" charset="0"/>
+              </a:rPr>
+              <a:t>Literatura</a:t>
+            </a:r>
+            <a:r>
+              <a:rPr lang="en-US" dirty="0">
+                <a:latin typeface="Bahnschrift SemiBold" panose="020B0502040204020203" pitchFamily="34" charset="0"/>
+              </a:rPr>
+              <a:t>: </a:t>
+            </a:r>
+            <a:r>
+              <a:rPr lang="en-US" dirty="0" err="1">
+                <a:latin typeface="Bahnschrift SemiBold" panose="020B0502040204020203" pitchFamily="34" charset="0"/>
+              </a:rPr>
+              <a:t>matlab</a:t>
+            </a:r>
+            <a:r>
+              <a:rPr lang="en-US" dirty="0">
+                <a:latin typeface="Bahnschrift SemiBold" panose="020B0502040204020203" pitchFamily="34" charset="0"/>
+              </a:rPr>
+              <a:t> </a:t>
+            </a:r>
+            <a:r>
+              <a:rPr lang="en-US" dirty="0" err="1">
+                <a:latin typeface="Bahnschrift SemiBold" panose="020B0502040204020203" pitchFamily="34" charset="0"/>
+              </a:rPr>
+              <a:t>dokumentacija</a:t>
+            </a:r>
+            <a:r>
+              <a:rPr lang="en-US" dirty="0">
+                <a:latin typeface="Bahnschrift SemiBold" panose="020B0502040204020203" pitchFamily="34" charset="0"/>
+              </a:rPr>
+              <a:t>, </a:t>
+            </a:r>
+            <a:r>
+              <a:rPr lang="en-US" dirty="0" err="1">
+                <a:latin typeface="Bahnschrift SemiBold" panose="020B0502040204020203" pitchFamily="34" charset="0"/>
+              </a:rPr>
+              <a:t>pogotovo</a:t>
+            </a:r>
+            <a:r>
+              <a:rPr lang="en-US" dirty="0">
                 <a:latin typeface="Bahnschrift SemiBold" panose="020B0502040204020203" pitchFamily="34" charset="0"/>
               </a:rPr>
               <a:t>:</a:t>
             </a:r>
-          </a:p>
-          <a:p>
-            <a:r>
-              <a:rPr lang="en-US" sz="2400" dirty="0">
-                <a:solidFill>
-                  <a:srgbClr val="0070C0"/>
-                </a:solidFill>
-                <a:latin typeface="Bahnschrift SemiBold" panose="020B0502040204020203" pitchFamily="34" charset="0"/>
-              </a:rPr>
-              <a:t>Text</a:t>
-            </a:r>
-            <a:r>
-              <a:rPr lang="en-US" sz="2400" dirty="0">
-                <a:latin typeface="Bahnschrift SemiBold" panose="020B0502040204020203" pitchFamily="34" charset="0"/>
-              </a:rPr>
-              <a:t>: </a:t>
-            </a:r>
-            <a:r>
-              <a:rPr lang="en-US" sz="2400" dirty="0" err="1">
-                <a:latin typeface="Bahnschrift SemiBold" panose="020B0502040204020203" pitchFamily="34" charset="0"/>
-              </a:rPr>
-              <a:t>Prepoznati</a:t>
-            </a:r>
-            <a:r>
-              <a:rPr lang="en-US" sz="2400" dirty="0">
-                <a:latin typeface="Bahnschrift SemiBold" panose="020B0502040204020203" pitchFamily="34" charset="0"/>
-              </a:rPr>
-              <a:t> </a:t>
-            </a:r>
-            <a:r>
-              <a:rPr lang="en-US" sz="2400" dirty="0" err="1">
-                <a:latin typeface="Bahnschrift SemiBold" panose="020B0502040204020203" pitchFamily="34" charset="0"/>
-              </a:rPr>
-              <a:t>tekst</a:t>
-            </a:r>
-            <a:r>
-              <a:rPr lang="en-US" sz="2400" dirty="0">
-                <a:latin typeface="Bahnschrift SemiBold" panose="020B0502040204020203" pitchFamily="34" charset="0"/>
-              </a:rPr>
-              <a:t> </a:t>
-            </a:r>
-            <a:r>
-              <a:rPr lang="en-US" sz="2400" dirty="0" err="1">
-                <a:latin typeface="Bahnschrift SemiBold" panose="020B0502040204020203" pitchFamily="34" charset="0"/>
-              </a:rPr>
-              <a:t>kao</a:t>
-            </a:r>
-            <a:r>
-              <a:rPr lang="en-US" sz="2400" dirty="0">
-                <a:latin typeface="Bahnschrift SemiBold" panose="020B0502040204020203" pitchFamily="34" charset="0"/>
-              </a:rPr>
-              <a:t> string.</a:t>
-            </a:r>
-          </a:p>
-          <a:p>
-            <a:r>
-              <a:rPr lang="en-US" sz="2400" dirty="0" err="1">
-                <a:solidFill>
-                  <a:srgbClr val="0070C0"/>
-                </a:solidFill>
-                <a:latin typeface="Bahnschrift SemiBold" panose="020B0502040204020203" pitchFamily="34" charset="0"/>
-              </a:rPr>
-              <a:t>CharacterBoundingBoxes</a:t>
-            </a:r>
-            <a:r>
-              <a:rPr lang="en-US" sz="2400" dirty="0">
-                <a:latin typeface="Bahnschrift SemiBold" panose="020B0502040204020203" pitchFamily="34" charset="0"/>
-              </a:rPr>
-              <a:t>: </a:t>
-            </a:r>
-            <a:r>
-              <a:rPr lang="en-US" sz="2400" dirty="0" err="1">
-                <a:latin typeface="Bahnschrift SemiBold" panose="020B0502040204020203" pitchFamily="34" charset="0"/>
-              </a:rPr>
-              <a:t>Matrica</a:t>
-            </a:r>
-            <a:r>
-              <a:rPr lang="en-US" sz="2400" dirty="0">
-                <a:latin typeface="Bahnschrift SemiBold" panose="020B0502040204020203" pitchFamily="34" charset="0"/>
-              </a:rPr>
-              <a:t> </a:t>
-            </a:r>
-            <a:r>
-              <a:rPr lang="en-US" sz="2400" dirty="0" err="1">
-                <a:latin typeface="Bahnschrift SemiBold" panose="020B0502040204020203" pitchFamily="34" charset="0"/>
-              </a:rPr>
-              <a:t>koja</a:t>
-            </a:r>
-            <a:r>
-              <a:rPr lang="en-US" sz="2400" dirty="0">
-                <a:latin typeface="Bahnschrift SemiBold" panose="020B0502040204020203" pitchFamily="34" charset="0"/>
-              </a:rPr>
-              <a:t> </a:t>
-            </a:r>
-            <a:r>
-              <a:rPr lang="en-US" sz="2400" dirty="0" err="1">
-                <a:latin typeface="Bahnschrift SemiBold" panose="020B0502040204020203" pitchFamily="34" charset="0"/>
-              </a:rPr>
-              <a:t>sadrži</a:t>
-            </a:r>
-            <a:r>
-              <a:rPr lang="en-US" sz="2400" dirty="0">
-                <a:latin typeface="Bahnschrift SemiBold" panose="020B0502040204020203" pitchFamily="34" charset="0"/>
-              </a:rPr>
-              <a:t> bounding box za </a:t>
-            </a:r>
-            <a:r>
-              <a:rPr lang="en-US" sz="2400" dirty="0" err="1">
-                <a:latin typeface="Bahnschrift SemiBold" panose="020B0502040204020203" pitchFamily="34" charset="0"/>
-              </a:rPr>
-              <a:t>svaki</a:t>
-            </a:r>
-            <a:r>
-              <a:rPr lang="en-US" sz="2400" dirty="0">
-                <a:latin typeface="Bahnschrift SemiBold" panose="020B0502040204020203" pitchFamily="34" charset="0"/>
-              </a:rPr>
-              <a:t> </a:t>
-            </a:r>
-            <a:r>
-              <a:rPr lang="en-US" sz="2400" dirty="0" err="1">
-                <a:latin typeface="Bahnschrift SemiBold" panose="020B0502040204020203" pitchFamily="34" charset="0"/>
-              </a:rPr>
-              <a:t>prepoznati</a:t>
-            </a:r>
-            <a:r>
-              <a:rPr lang="en-US" sz="2400" dirty="0">
-                <a:latin typeface="Bahnschrift SemiBold" panose="020B0502040204020203" pitchFamily="34" charset="0"/>
-              </a:rPr>
-              <a:t> </a:t>
-            </a:r>
-            <a:r>
-              <a:rPr lang="en-US" sz="2400" dirty="0" err="1">
-                <a:latin typeface="Bahnschrift SemiBold" panose="020B0502040204020203" pitchFamily="34" charset="0"/>
-              </a:rPr>
-              <a:t>znak</a:t>
-            </a:r>
-            <a:r>
-              <a:rPr lang="en-US" sz="2400" dirty="0">
-                <a:latin typeface="Bahnschrift SemiBold" panose="020B0502040204020203" pitchFamily="34" charset="0"/>
-              </a:rPr>
-              <a:t>.</a:t>
-            </a:r>
-          </a:p>
-          <a:p>
-            <a:r>
-              <a:rPr lang="en-US" sz="2400" dirty="0" err="1">
-                <a:solidFill>
-                  <a:srgbClr val="0070C0"/>
-                </a:solidFill>
-                <a:latin typeface="Bahnschrift SemiBold" panose="020B0502040204020203" pitchFamily="34" charset="0"/>
-              </a:rPr>
-              <a:t>CharacterConfidences</a:t>
-            </a:r>
-            <a:r>
-              <a:rPr lang="en-US" sz="2400" dirty="0">
-                <a:latin typeface="Bahnschrift SemiBold" panose="020B0502040204020203" pitchFamily="34" charset="0"/>
-              </a:rPr>
-              <a:t>: </a:t>
-            </a:r>
-            <a:r>
-              <a:rPr lang="en-US" sz="2400" dirty="0" err="1">
-                <a:latin typeface="Bahnschrift SemiBold" panose="020B0502040204020203" pitchFamily="34" charset="0"/>
-              </a:rPr>
-              <a:t>Vektor</a:t>
-            </a:r>
-            <a:r>
-              <a:rPr lang="en-US" sz="2400" dirty="0">
-                <a:latin typeface="Bahnschrift SemiBold" panose="020B0502040204020203" pitchFamily="34" charset="0"/>
-              </a:rPr>
-              <a:t> </a:t>
-            </a:r>
-            <a:r>
-              <a:rPr lang="en-US" sz="2400" dirty="0" err="1">
-                <a:latin typeface="Bahnschrift SemiBold" panose="020B0502040204020203" pitchFamily="34" charset="0"/>
-              </a:rPr>
-              <a:t>sa</a:t>
-            </a:r>
-            <a:r>
-              <a:rPr lang="en-US" sz="2400" dirty="0">
-                <a:latin typeface="Bahnschrift SemiBold" panose="020B0502040204020203" pitchFamily="34" charset="0"/>
-              </a:rPr>
-              <a:t> </a:t>
-            </a:r>
-            <a:r>
-              <a:rPr lang="en-US" sz="2400" dirty="0" err="1">
-                <a:latin typeface="Bahnschrift SemiBold" panose="020B0502040204020203" pitchFamily="34" charset="0"/>
-              </a:rPr>
-              <a:t>verovatnoćama</a:t>
-            </a:r>
-            <a:r>
-              <a:rPr lang="en-US" sz="2400" dirty="0">
+            <a:br>
+              <a:rPr lang="en-US" dirty="0">
+                <a:latin typeface="Bahnschrift SemiBold" panose="020B0502040204020203" pitchFamily="34" charset="0"/>
+              </a:rPr>
+            </a:br>
+            <a:r>
+              <a:rPr lang="en-US" dirty="0">
+                <a:latin typeface="Bahnschrift SemiBold" panose="020B0502040204020203" pitchFamily="34" charset="0"/>
+                <a:hlinkClick r:id="rId2"/>
+              </a:rPr>
+              <a:t>https://www.mathworks.com/discovery/image-analysis.html</a:t>
+            </a:r>
+            <a:br>
+              <a:rPr lang="en-US" dirty="0">
+                <a:latin typeface="Bahnschrift SemiBold" panose="020B0502040204020203" pitchFamily="34" charset="0"/>
+              </a:rPr>
+            </a:br>
+            <a:r>
+              <a:rPr lang="en-US" dirty="0">
+                <a:latin typeface="Bahnschrift SemiBold" panose="020B0502040204020203" pitchFamily="34" charset="0"/>
+                <a:hlinkClick r:id="rId3"/>
+              </a:rPr>
+              <a:t>https://www.mathworks.com/help/vision/ref/ocr.html</a:t>
+            </a:r>
+            <a:br>
+              <a:rPr lang="en-US" dirty="0">
+                <a:latin typeface="Bahnschrift SemiBold" panose="020B0502040204020203" pitchFamily="34" charset="0"/>
+              </a:rPr>
+            </a:br>
+            <a:r>
+              <a:rPr lang="en-US" dirty="0" err="1">
+                <a:latin typeface="Bahnschrift SemiBold" panose="020B0502040204020203" pitchFamily="34" charset="0"/>
+              </a:rPr>
+              <a:t>Prostorno</a:t>
+            </a:r>
+            <a:r>
+              <a:rPr lang="en-US" dirty="0">
+                <a:latin typeface="Bahnschrift SemiBold" panose="020B0502040204020203" pitchFamily="34" charset="0"/>
+              </a:rPr>
+              <a:t> </a:t>
+            </a:r>
+            <a:r>
+              <a:rPr lang="en-US" dirty="0" err="1">
+                <a:latin typeface="Bahnschrift SemiBold" panose="020B0502040204020203" pitchFamily="34" charset="0"/>
+              </a:rPr>
+              <a:t>filtriranje</a:t>
+            </a:r>
+            <a:r>
+              <a:rPr lang="en-US" dirty="0">
+                <a:latin typeface="Bahnschrift SemiBold" panose="020B0502040204020203" pitchFamily="34" charset="0"/>
+              </a:rPr>
+              <a:t> - </a:t>
+            </a:r>
+            <a:r>
+              <a:rPr lang="en-US" dirty="0" err="1">
+                <a:latin typeface="Bahnschrift SemiBold" panose="020B0502040204020203" pitchFamily="34" charset="0"/>
+              </a:rPr>
+              <a:t>Algoritmi</a:t>
+            </a:r>
+            <a:r>
+              <a:rPr lang="en-US" dirty="0">
+                <a:latin typeface="Bahnschrift SemiBold" panose="020B0502040204020203" pitchFamily="34" charset="0"/>
+              </a:rPr>
+              <a:t> </a:t>
+            </a:r>
+            <a:r>
+              <a:rPr lang="en-US" dirty="0" err="1">
+                <a:latin typeface="Bahnschrift SemiBold" panose="020B0502040204020203" pitchFamily="34" charset="0"/>
+              </a:rPr>
+              <a:t>obrade</a:t>
+            </a:r>
+            <a:r>
+              <a:rPr lang="en-US" dirty="0">
+                <a:latin typeface="Bahnschrift SemiBold" panose="020B0502040204020203" pitchFamily="34" charset="0"/>
+              </a:rPr>
+              <a:t> </a:t>
+            </a:r>
+            <a:r>
+              <a:rPr lang="en-US" dirty="0" err="1">
+                <a:latin typeface="Bahnschrift SemiBold" panose="020B0502040204020203" pitchFamily="34" charset="0"/>
+              </a:rPr>
+              <a:t>slike</a:t>
+            </a:r>
+            <a:r>
+              <a:rPr lang="en-US" dirty="0">
+                <a:latin typeface="Bahnschrift SemiBold" panose="020B0502040204020203" pitchFamily="34" charset="0"/>
+              </a:rPr>
+              <a:t> u </a:t>
+            </a:r>
+            <a:r>
+              <a:rPr lang="en-US" dirty="0" err="1">
+                <a:latin typeface="Bahnschrift SemiBold" panose="020B0502040204020203" pitchFamily="34" charset="0"/>
+              </a:rPr>
+              <a:t>automatici</a:t>
+            </a:r>
+            <a:r>
+              <a:rPr lang="en-US" dirty="0">
+                <a:latin typeface="Bahnschrift SemiBold" panose="020B0502040204020203" pitchFamily="34" charset="0"/>
+              </a:rPr>
+              <a:t>, 2024. </a:t>
+            </a:r>
+            <a:r>
+              <a:rPr lang="en-US" dirty="0" err="1">
+                <a:latin typeface="Bahnschrift SemiBold" panose="020B0502040204020203" pitchFamily="34" charset="0"/>
+              </a:rPr>
+              <a:t>Katedra</a:t>
+            </a:r>
+            <a:r>
+              <a:rPr lang="en-US" dirty="0">
                 <a:latin typeface="Bahnschrift SemiBold" panose="020B0502040204020203" pitchFamily="34" charset="0"/>
               </a:rPr>
               <a:t> za </a:t>
             </a:r>
             <a:r>
-              <a:rPr lang="en-US" sz="2400" dirty="0" err="1">
-                <a:latin typeface="Bahnschrift SemiBold" panose="020B0502040204020203" pitchFamily="34" charset="0"/>
-              </a:rPr>
-              <a:t>svaki</a:t>
-            </a:r>
-            <a:r>
-              <a:rPr lang="en-US" sz="2400" dirty="0">
-                <a:latin typeface="Bahnschrift SemiBold" panose="020B0502040204020203" pitchFamily="34" charset="0"/>
-              </a:rPr>
-              <a:t> </a:t>
-            </a:r>
-            <a:r>
-              <a:rPr lang="en-US" sz="2400" dirty="0" err="1">
-                <a:latin typeface="Bahnschrift SemiBold" panose="020B0502040204020203" pitchFamily="34" charset="0"/>
-              </a:rPr>
-              <a:t>prepoznati</a:t>
-            </a:r>
-            <a:r>
-              <a:rPr lang="en-US" sz="2400" dirty="0">
-                <a:latin typeface="Bahnschrift SemiBold" panose="020B0502040204020203" pitchFamily="34" charset="0"/>
-              </a:rPr>
-              <a:t> </a:t>
-            </a:r>
-            <a:r>
-              <a:rPr lang="en-US" sz="2400" dirty="0" err="1">
-                <a:latin typeface="Bahnschrift SemiBold" panose="020B0502040204020203" pitchFamily="34" charset="0"/>
-              </a:rPr>
-              <a:t>znak</a:t>
-            </a:r>
-            <a:r>
-              <a:rPr lang="en-US" sz="2400" dirty="0">
-                <a:latin typeface="Bahnschrift SemiBold" panose="020B0502040204020203" pitchFamily="34" charset="0"/>
-              </a:rPr>
-              <a:t>.</a:t>
-            </a:r>
-          </a:p>
-          <a:p>
-            <a:r>
-              <a:rPr lang="en-US" sz="2400" dirty="0">
-                <a:solidFill>
-                  <a:srgbClr val="0070C0"/>
-                </a:solidFill>
-                <a:latin typeface="Bahnschrift SemiBold" panose="020B0502040204020203" pitchFamily="34" charset="0"/>
-              </a:rPr>
-              <a:t>Words</a:t>
-            </a:r>
-            <a:r>
-              <a:rPr lang="en-US" sz="2400" dirty="0">
-                <a:latin typeface="Bahnschrift SemiBold" panose="020B0502040204020203" pitchFamily="34" charset="0"/>
-              </a:rPr>
-              <a:t>: Cell array </a:t>
-            </a:r>
-            <a:r>
-              <a:rPr lang="en-US" sz="2400" dirty="0" err="1">
-                <a:latin typeface="Bahnschrift SemiBold" panose="020B0502040204020203" pitchFamily="34" charset="0"/>
-              </a:rPr>
-              <a:t>sa</a:t>
-            </a:r>
-            <a:r>
-              <a:rPr lang="en-US" sz="2400" dirty="0">
-                <a:latin typeface="Bahnschrift SemiBold" panose="020B0502040204020203" pitchFamily="34" charset="0"/>
-              </a:rPr>
-              <a:t> </a:t>
-            </a:r>
-            <a:r>
-              <a:rPr lang="en-US" sz="2400" dirty="0" err="1">
-                <a:latin typeface="Bahnschrift SemiBold" panose="020B0502040204020203" pitchFamily="34" charset="0"/>
-              </a:rPr>
-              <a:t>prepoznatim</a:t>
-            </a:r>
-            <a:r>
-              <a:rPr lang="en-US" sz="2400" dirty="0">
-                <a:latin typeface="Bahnschrift SemiBold" panose="020B0502040204020203" pitchFamily="34" charset="0"/>
-              </a:rPr>
-              <a:t> </a:t>
-            </a:r>
-            <a:r>
-              <a:rPr lang="en-US" sz="2400" dirty="0" err="1">
-                <a:latin typeface="Bahnschrift SemiBold" panose="020B0502040204020203" pitchFamily="34" charset="0"/>
-              </a:rPr>
-              <a:t>rečima</a:t>
-            </a:r>
-            <a:r>
-              <a:rPr lang="en-US" sz="2400" dirty="0">
-                <a:latin typeface="Bahnschrift SemiBold" panose="020B0502040204020203" pitchFamily="34" charset="0"/>
-              </a:rPr>
-              <a:t>.</a:t>
-            </a:r>
-          </a:p>
-          <a:p>
-            <a:r>
-              <a:rPr lang="en-US" sz="2400" dirty="0" err="1">
-                <a:solidFill>
-                  <a:srgbClr val="0070C0"/>
-                </a:solidFill>
-                <a:latin typeface="Bahnschrift SemiBold" panose="020B0502040204020203" pitchFamily="34" charset="0"/>
-              </a:rPr>
-              <a:t>WordBoundingBoxes</a:t>
-            </a:r>
-            <a:r>
-              <a:rPr lang="en-US" sz="2400" dirty="0">
-                <a:latin typeface="Bahnschrift SemiBold" panose="020B0502040204020203" pitchFamily="34" charset="0"/>
-              </a:rPr>
-              <a:t>: </a:t>
-            </a:r>
-            <a:r>
-              <a:rPr lang="en-US" sz="2400" dirty="0" err="1">
-                <a:latin typeface="Bahnschrift SemiBold" panose="020B0502040204020203" pitchFamily="34" charset="0"/>
-              </a:rPr>
-              <a:t>Matrica</a:t>
-            </a:r>
-            <a:r>
-              <a:rPr lang="en-US" sz="2400" dirty="0">
-                <a:latin typeface="Bahnschrift SemiBold" panose="020B0502040204020203" pitchFamily="34" charset="0"/>
-              </a:rPr>
-              <a:t> </a:t>
-            </a:r>
-            <a:r>
-              <a:rPr lang="en-US" sz="2400" dirty="0" err="1">
-                <a:latin typeface="Bahnschrift SemiBold" panose="020B0502040204020203" pitchFamily="34" charset="0"/>
-              </a:rPr>
-              <a:t>koja</a:t>
-            </a:r>
-            <a:r>
-              <a:rPr lang="en-US" sz="2400" dirty="0">
-                <a:latin typeface="Bahnschrift SemiBold" panose="020B0502040204020203" pitchFamily="34" charset="0"/>
-              </a:rPr>
-              <a:t> </a:t>
-            </a:r>
-            <a:r>
-              <a:rPr lang="en-US" sz="2400" dirty="0" err="1">
-                <a:latin typeface="Bahnschrift SemiBold" panose="020B0502040204020203" pitchFamily="34" charset="0"/>
-              </a:rPr>
-              <a:t>sadrži</a:t>
-            </a:r>
-            <a:r>
-              <a:rPr lang="en-US" sz="2400" dirty="0">
-                <a:latin typeface="Bahnschrift SemiBold" panose="020B0502040204020203" pitchFamily="34" charset="0"/>
-              </a:rPr>
-              <a:t> bounding box za </a:t>
-            </a:r>
-            <a:r>
-              <a:rPr lang="en-US" sz="2400" dirty="0" err="1">
-                <a:latin typeface="Bahnschrift SemiBold" panose="020B0502040204020203" pitchFamily="34" charset="0"/>
-              </a:rPr>
-              <a:t>svaku</a:t>
-            </a:r>
-            <a:r>
-              <a:rPr lang="en-US" sz="2400" dirty="0">
-                <a:latin typeface="Bahnschrift SemiBold" panose="020B0502040204020203" pitchFamily="34" charset="0"/>
-              </a:rPr>
-              <a:t> </a:t>
-            </a:r>
-            <a:r>
-              <a:rPr lang="en-US" sz="2400" dirty="0" err="1">
-                <a:latin typeface="Bahnschrift SemiBold" panose="020B0502040204020203" pitchFamily="34" charset="0"/>
-              </a:rPr>
-              <a:t>prepoznatu</a:t>
-            </a:r>
-            <a:r>
-              <a:rPr lang="en-US" sz="2400" dirty="0">
-                <a:latin typeface="Bahnschrift SemiBold" panose="020B0502040204020203" pitchFamily="34" charset="0"/>
-              </a:rPr>
-              <a:t> </a:t>
-            </a:r>
-            <a:r>
-              <a:rPr lang="en-US" sz="2400" dirty="0" err="1">
-                <a:latin typeface="Bahnschrift SemiBold" panose="020B0502040204020203" pitchFamily="34" charset="0"/>
-              </a:rPr>
-              <a:t>reč</a:t>
-            </a:r>
-            <a:r>
-              <a:rPr lang="en-US" sz="2400" dirty="0">
-                <a:latin typeface="Bahnschrift SemiBold" panose="020B0502040204020203" pitchFamily="34" charset="0"/>
-              </a:rPr>
-              <a:t>.</a:t>
-            </a:r>
-          </a:p>
-          <a:p>
-            <a:r>
-              <a:rPr lang="en-US" sz="2400" dirty="0" err="1">
-                <a:solidFill>
-                  <a:srgbClr val="0070C0"/>
-                </a:solidFill>
-                <a:latin typeface="Bahnschrift SemiBold" panose="020B0502040204020203" pitchFamily="34" charset="0"/>
-              </a:rPr>
-              <a:t>WordConfidences</a:t>
-            </a:r>
-            <a:r>
-              <a:rPr lang="en-US" sz="2400" dirty="0">
-                <a:latin typeface="Bahnschrift SemiBold" panose="020B0502040204020203" pitchFamily="34" charset="0"/>
-              </a:rPr>
-              <a:t>: </a:t>
-            </a:r>
-            <a:r>
-              <a:rPr lang="en-US" sz="2400" dirty="0" err="1">
-                <a:latin typeface="Bahnschrift SemiBold" panose="020B0502040204020203" pitchFamily="34" charset="0"/>
-              </a:rPr>
-              <a:t>Vektor</a:t>
-            </a:r>
-            <a:r>
-              <a:rPr lang="en-US" sz="2400" dirty="0">
-                <a:latin typeface="Bahnschrift SemiBold" panose="020B0502040204020203" pitchFamily="34" charset="0"/>
-              </a:rPr>
-              <a:t> </a:t>
-            </a:r>
-            <a:r>
-              <a:rPr lang="en-US" sz="2400" dirty="0" err="1">
-                <a:latin typeface="Bahnschrift SemiBold" panose="020B0502040204020203" pitchFamily="34" charset="0"/>
-              </a:rPr>
-              <a:t>sa</a:t>
-            </a:r>
-            <a:r>
-              <a:rPr lang="en-US" sz="2400" dirty="0">
-                <a:latin typeface="Bahnschrift SemiBold" panose="020B0502040204020203" pitchFamily="34" charset="0"/>
-              </a:rPr>
-              <a:t> </a:t>
-            </a:r>
-            <a:r>
-              <a:rPr lang="en-US" sz="2400" dirty="0" err="1">
-                <a:latin typeface="Bahnschrift SemiBold" panose="020B0502040204020203" pitchFamily="34" charset="0"/>
-              </a:rPr>
-              <a:t>verovatnoćama</a:t>
-            </a:r>
-            <a:r>
-              <a:rPr lang="en-US" sz="2400" dirty="0">
-                <a:latin typeface="Bahnschrift SemiBold" panose="020B0502040204020203" pitchFamily="34" charset="0"/>
-              </a:rPr>
-              <a:t> za </a:t>
-            </a:r>
-            <a:r>
-              <a:rPr lang="en-US" sz="2400" dirty="0" err="1">
-                <a:latin typeface="Bahnschrift SemiBold" panose="020B0502040204020203" pitchFamily="34" charset="0"/>
-              </a:rPr>
-              <a:t>svaku</a:t>
-            </a:r>
-            <a:r>
-              <a:rPr lang="en-US" sz="2400" dirty="0">
-                <a:latin typeface="Bahnschrift SemiBold" panose="020B0502040204020203" pitchFamily="34" charset="0"/>
-              </a:rPr>
-              <a:t> </a:t>
-            </a:r>
-            <a:r>
-              <a:rPr lang="en-US" sz="2400" dirty="0" err="1">
-                <a:latin typeface="Bahnschrift SemiBold" panose="020B0502040204020203" pitchFamily="34" charset="0"/>
-              </a:rPr>
-              <a:t>prepoznatu</a:t>
-            </a:r>
-            <a:r>
-              <a:rPr lang="en-US" sz="2400" dirty="0">
-                <a:latin typeface="Bahnschrift SemiBold" panose="020B0502040204020203" pitchFamily="34" charset="0"/>
-              </a:rPr>
-              <a:t> </a:t>
-            </a:r>
-            <a:r>
-              <a:rPr lang="en-US" sz="2400" dirty="0" err="1">
-                <a:latin typeface="Bahnschrift SemiBold" panose="020B0502040204020203" pitchFamily="34" charset="0"/>
-              </a:rPr>
-              <a:t>reč</a:t>
-            </a:r>
-            <a:r>
-              <a:rPr lang="en-US" sz="2400" dirty="0">
-                <a:latin typeface="Bahnschrift SemiBold" panose="020B0502040204020203" pitchFamily="34" charset="0"/>
-              </a:rPr>
-              <a:t>.</a:t>
-            </a:r>
+              <a:rPr lang="en-US" dirty="0" err="1">
+                <a:latin typeface="Bahnschrift SemiBold" panose="020B0502040204020203" pitchFamily="34" charset="0"/>
+              </a:rPr>
+              <a:t>sisteme</a:t>
+            </a:r>
+            <a:r>
+              <a:rPr lang="en-US" dirty="0">
+                <a:latin typeface="Bahnschrift SemiBold" panose="020B0502040204020203" pitchFamily="34" charset="0"/>
+              </a:rPr>
+              <a:t>, </a:t>
+            </a:r>
+            <a:r>
+              <a:rPr lang="en-US" dirty="0" err="1">
+                <a:latin typeface="Bahnschrift SemiBold" panose="020B0502040204020203" pitchFamily="34" charset="0"/>
+              </a:rPr>
+              <a:t>signale</a:t>
+            </a:r>
+            <a:r>
+              <a:rPr lang="en-US" dirty="0">
+                <a:latin typeface="Bahnschrift SemiBold" panose="020B0502040204020203" pitchFamily="34" charset="0"/>
+              </a:rPr>
+              <a:t> </a:t>
+            </a:r>
+            <a:r>
+              <a:rPr lang="en-US" dirty="0" err="1">
+                <a:latin typeface="Bahnschrift SemiBold" panose="020B0502040204020203" pitchFamily="34" charset="0"/>
+              </a:rPr>
+              <a:t>i</a:t>
+            </a:r>
+            <a:r>
+              <a:rPr lang="en-US" dirty="0">
+                <a:latin typeface="Bahnschrift SemiBold" panose="020B0502040204020203" pitchFamily="34" charset="0"/>
+              </a:rPr>
+              <a:t> </a:t>
+            </a:r>
+            <a:r>
+              <a:rPr lang="en-US" dirty="0" err="1">
+                <a:latin typeface="Bahnschrift SemiBold" panose="020B0502040204020203" pitchFamily="34" charset="0"/>
+              </a:rPr>
+              <a:t>upravljanje</a:t>
+            </a:r>
+            <a:endParaRPr lang="en-US" dirty="0">
+              <a:latin typeface="Bahnschrift SemiBold" panose="020B0502040204020203" pitchFamily="34" charset="0"/>
+            </a:endParaRPr>
           </a:p>
         </p:txBody>
       </p:sp>
@@ -22802,14 +19483,14 @@
           <p:nvPr/>
         </p:nvPicPr>
         <p:blipFill>
-          <a:blip r:embed="rId2"/>
+          <a:blip r:embed="rId4"/>
           <a:stretch>
             <a:fillRect/>
           </a:stretch>
         </p:blipFill>
         <p:spPr>
           <a:xfrm>
-            <a:off x="1108823" y="991388"/>
+            <a:off x="-10507775" y="821927"/>
             <a:ext cx="10276354" cy="5492093"/>
           </a:xfrm>
           <a:prstGeom prst="rect">
@@ -22819,10 +19500,10 @@
       </p:pic>
       <p:sp>
         <p:nvSpPr>
-          <p:cNvPr id="7" name="TextBox 6">
+          <p:cNvPr id="3" name="TextBox 2">
             <a:extLst>
               <a:ext uri="{FF2B5EF4-FFF2-40B4-BE49-F238E27FC236}">
-                <a16:creationId xmlns:a16="http://schemas.microsoft.com/office/drawing/2014/main" id="{875AD7C7-E795-508B-CC42-99B85AFC4DD5}"/>
+                <a16:creationId xmlns:a16="http://schemas.microsoft.com/office/drawing/2014/main" id="{58759629-47B1-1B11-0E98-C672FBF16B96}"/>
               </a:ext>
             </a:extLst>
           </p:cNvPr>
@@ -22831,8 +19512,8 @@
         </p:nvSpPr>
         <p:spPr>
           <a:xfrm>
-            <a:off x="12945035" y="1547090"/>
-            <a:ext cx="11496073" cy="4154984"/>
+            <a:off x="1066175" y="-1506325"/>
+            <a:ext cx="10418237" cy="1569660"/>
           </a:xfrm>
           <a:prstGeom prst="rect">
             <a:avLst/>
@@ -22840,224 +19521,18 @@
           <a:noFill/>
         </p:spPr>
         <p:txBody>
-          <a:bodyPr wrap="square" rtlCol="0">
+          <a:bodyPr wrap="none" rtlCol="0">
             <a:spAutoFit/>
           </a:bodyPr>
           <a:lstStyle/>
           <a:p>
             <a:r>
-              <a:rPr lang="en-US" sz="2400" dirty="0" err="1">
-                <a:latin typeface="Bahnschrift SemiBold" panose="020B0502040204020203" pitchFamily="34" charset="0"/>
-              </a:rPr>
-              <a:t>Odre</a:t>
-            </a:r>
-            <a:r>
-              <a:rPr lang="sr-Latn-ME" sz="2400" dirty="0">
-                <a:latin typeface="Bahnschrift SemiBold" panose="020B0502040204020203" pitchFamily="34" charset="0"/>
-              </a:rPr>
-              <a:t>đene tablice, ukoliko se primene neke od transformacija, program savršeno prepoznaje, dok kod nekih drugih ne može najpreciznije sve karaktere prepoznati. Modifikacijom površine minimalne celine za tablicu se mogu poboljšati rezultati automatskog prepoznavanja pozicije tablice. Korisnik može i sam da iseče tablicu po primerima rađenim na vežbama ovog predmeta.</a:t>
-            </a:r>
-          </a:p>
-          <a:p>
-            <a:endParaRPr lang="sr-Latn-ME" sz="2400" dirty="0">
-              <a:latin typeface="Bahnschrift SemiBold" panose="020B0502040204020203" pitchFamily="34" charset="0"/>
-            </a:endParaRPr>
-          </a:p>
-          <a:p>
-            <a:r>
-              <a:rPr lang="sr-Latn-ME" sz="2400" dirty="0">
-                <a:latin typeface="Bahnschrift SemiBold" panose="020B0502040204020203" pitchFamily="34" charset="0"/>
-              </a:rPr>
-              <a:t>Od svih funkcija filtera najbolje rezultate je davala ili binarizacija sa pragom od 100 ili Laplasijan od </a:t>
-            </a:r>
-            <a:r>
-              <a:rPr lang="en-US" sz="2400" dirty="0">
-                <a:latin typeface="Bahnschrift SemiBold" panose="020B0502040204020203" pitchFamily="34" charset="0"/>
-              </a:rPr>
-              <a:t>-8</a:t>
-            </a:r>
-            <a:r>
-              <a:rPr lang="sr-Latn-ME" sz="2400" dirty="0">
-                <a:latin typeface="Bahnschrift SemiBold" panose="020B0502040204020203" pitchFamily="34" charset="0"/>
-              </a:rPr>
-              <a:t>, u zavisnosti od ugla slike i veličine tablice.</a:t>
-            </a:r>
-          </a:p>
-          <a:p>
-            <a:endParaRPr lang="sr-Latn-ME" sz="2400" dirty="0">
-              <a:latin typeface="Bahnschrift SemiBold" panose="020B0502040204020203" pitchFamily="34" charset="0"/>
-            </a:endParaRPr>
-          </a:p>
-          <a:p>
-            <a:r>
-              <a:rPr lang="sr-Latn-ME" sz="2400" dirty="0">
-                <a:latin typeface="Bahnschrift SemiBold" panose="020B0502040204020203" pitchFamily="34" charset="0"/>
-              </a:rPr>
-              <a:t>Kod funkcije </a:t>
-            </a:r>
-            <a:r>
-              <a:rPr lang="en-US" sz="2400" dirty="0">
-                <a:latin typeface="Bahnschrift SemiBold" panose="020B0502040204020203" pitchFamily="34" charset="0"/>
-              </a:rPr>
-              <a:t>‘edge’ </a:t>
-            </a:r>
-            <a:r>
-              <a:rPr lang="en-US" sz="2400" dirty="0" err="1">
-                <a:latin typeface="Bahnschrift SemiBold" panose="020B0502040204020203" pitchFamily="34" charset="0"/>
-              </a:rPr>
-              <a:t>kori</a:t>
-            </a:r>
-            <a:r>
-              <a:rPr lang="sr-Latn-ME" sz="2400" dirty="0">
-                <a:latin typeface="Bahnschrift SemiBold" panose="020B0502040204020203" pitchFamily="34" charset="0"/>
-              </a:rPr>
-              <a:t>šćena je </a:t>
-            </a:r>
-            <a:r>
-              <a:rPr lang="en-US" sz="2400" dirty="0" err="1">
-                <a:latin typeface="Bahnschrift SemiBold" panose="020B0502040204020203" pitchFamily="34" charset="0"/>
-              </a:rPr>
-              <a:t>metoda</a:t>
-            </a:r>
-            <a:r>
-              <a:rPr lang="en-US" sz="2400" dirty="0">
-                <a:latin typeface="Bahnschrift SemiBold" panose="020B0502040204020203" pitchFamily="34" charset="0"/>
-              </a:rPr>
-              <a:t> ‘Canny’ </a:t>
-            </a:r>
-            <a:r>
-              <a:rPr lang="en-US" sz="2400" dirty="0" err="1">
-                <a:latin typeface="Bahnschrift SemiBold" panose="020B0502040204020203" pitchFamily="34" charset="0"/>
-              </a:rPr>
-              <a:t>iako</a:t>
-            </a:r>
-            <a:r>
-              <a:rPr lang="en-US" sz="2400" dirty="0">
-                <a:latin typeface="Bahnschrift SemiBold" panose="020B0502040204020203" pitchFamily="34" charset="0"/>
-              </a:rPr>
-              <a:t> </a:t>
-            </a:r>
-            <a:r>
-              <a:rPr lang="en-US" sz="2400" dirty="0" err="1">
-                <a:latin typeface="Bahnschrift SemiBold" panose="020B0502040204020203" pitchFamily="34" charset="0"/>
-              </a:rPr>
-              <a:t>nije</a:t>
-            </a:r>
-            <a:r>
-              <a:rPr lang="en-US" sz="2400" dirty="0">
-                <a:latin typeface="Bahnschrift SemiBold" panose="020B0502040204020203" pitchFamily="34" charset="0"/>
-              </a:rPr>
-              <a:t> </a:t>
-            </a:r>
-            <a:r>
-              <a:rPr lang="en-US" sz="2400" dirty="0" err="1">
-                <a:latin typeface="Bahnschrift SemiBold" panose="020B0502040204020203" pitchFamily="34" charset="0"/>
-              </a:rPr>
-              <a:t>najbr</a:t>
-            </a:r>
-            <a:r>
-              <a:rPr lang="sr-Latn-ME" sz="2400" dirty="0">
-                <a:latin typeface="Bahnschrift SemiBold" panose="020B0502040204020203" pitchFamily="34" charset="0"/>
-              </a:rPr>
-              <a:t>ža, </a:t>
-            </a:r>
-            <a:r>
-              <a:rPr lang="en-US" sz="2400" dirty="0" err="1">
-                <a:latin typeface="Bahnschrift SemiBold" panose="020B0502040204020203" pitchFamily="34" charset="0"/>
-              </a:rPr>
-              <a:t>jer</a:t>
-            </a:r>
-            <a:r>
-              <a:rPr lang="en-US" sz="2400" dirty="0">
-                <a:latin typeface="Bahnschrift SemiBold" panose="020B0502040204020203" pitchFamily="34" charset="0"/>
-              </a:rPr>
-              <a:t> </a:t>
-            </a:r>
-            <a:r>
-              <a:rPr lang="en-US" sz="2400" dirty="0" err="1">
-                <a:latin typeface="Bahnschrift SemiBold" panose="020B0502040204020203" pitchFamily="34" charset="0"/>
-              </a:rPr>
-              <a:t>ostale</a:t>
-            </a:r>
-            <a:r>
-              <a:rPr lang="en-US" sz="2400" dirty="0">
-                <a:latin typeface="Bahnschrift SemiBold" panose="020B0502040204020203" pitchFamily="34" charset="0"/>
-              </a:rPr>
-              <a:t> </a:t>
-            </a:r>
-            <a:r>
-              <a:rPr lang="en-US" sz="2400" dirty="0" err="1">
-                <a:latin typeface="Bahnschrift SemiBold" panose="020B0502040204020203" pitchFamily="34" charset="0"/>
-              </a:rPr>
-              <a:t>poput</a:t>
-            </a:r>
-            <a:r>
-              <a:rPr lang="en-US" sz="2400" dirty="0">
-                <a:latin typeface="Bahnschrift SemiBold" panose="020B0502040204020203" pitchFamily="34" charset="0"/>
-              </a:rPr>
-              <a:t> ‘Sobel’, ‘log’, ‘Prewitt’ </a:t>
-            </a:r>
-            <a:r>
-              <a:rPr lang="sr-Latn-ME" sz="2400" dirty="0">
-                <a:latin typeface="Bahnschrift SemiBold" panose="020B0502040204020203" pitchFamily="34" charset="0"/>
-              </a:rPr>
-              <a:t>i</a:t>
-            </a:r>
-            <a:r>
-              <a:rPr lang="en-US" sz="2400" dirty="0">
-                <a:latin typeface="Bahnschrift SemiBold" panose="020B0502040204020203" pitchFamily="34" charset="0"/>
-              </a:rPr>
-              <a:t> ‘Roberts’ </a:t>
-            </a:r>
-            <a:r>
-              <a:rPr lang="en-US" sz="2400" dirty="0" err="1">
-                <a:latin typeface="Bahnschrift SemiBold" panose="020B0502040204020203" pitchFamily="34" charset="0"/>
-              </a:rPr>
-              <a:t>nisu</a:t>
-            </a:r>
-            <a:r>
-              <a:rPr lang="en-US" sz="2400" dirty="0">
-                <a:latin typeface="Bahnschrift SemiBold" panose="020B0502040204020203" pitchFamily="34" charset="0"/>
-              </a:rPr>
-              <a:t> </a:t>
-            </a:r>
-            <a:r>
-              <a:rPr lang="en-US" sz="2400" dirty="0" err="1">
-                <a:latin typeface="Bahnschrift SemiBold" panose="020B0502040204020203" pitchFamily="34" charset="0"/>
-              </a:rPr>
-              <a:t>bili</a:t>
-            </a:r>
-            <a:r>
-              <a:rPr lang="en-US" sz="2400" dirty="0">
-                <a:latin typeface="Bahnschrift SemiBold" panose="020B0502040204020203" pitchFamily="34" charset="0"/>
-              </a:rPr>
-              <a:t> </a:t>
-            </a:r>
-            <a:r>
-              <a:rPr lang="en-US" sz="2400" dirty="0" err="1">
-                <a:latin typeface="Bahnschrift SemiBold" panose="020B0502040204020203" pitchFamily="34" charset="0"/>
-              </a:rPr>
-              <a:t>precizni</a:t>
-            </a:r>
-            <a:r>
-              <a:rPr lang="en-US" sz="2400" dirty="0">
-                <a:latin typeface="Bahnschrift SemiBold" panose="020B0502040204020203" pitchFamily="34" charset="0"/>
-              </a:rPr>
-              <a:t> </a:t>
-            </a:r>
-            <a:r>
-              <a:rPr lang="en-US" sz="2400" dirty="0" err="1">
-                <a:latin typeface="Bahnschrift SemiBold" panose="020B0502040204020203" pitchFamily="34" charset="0"/>
-              </a:rPr>
-              <a:t>toliko</a:t>
-            </a:r>
-            <a:r>
-              <a:rPr lang="sr-Latn-ME" sz="2400" dirty="0">
-                <a:latin typeface="Bahnschrift SemiBold" panose="020B0502040204020203" pitchFamily="34" charset="0"/>
-              </a:rPr>
-              <a:t>.</a:t>
-            </a:r>
-            <a:endParaRPr lang="en-US" sz="2400" dirty="0">
+              <a:rPr lang="sr-Latn-ME" sz="9600" dirty="0">
+                <a:latin typeface="Bahnschrift SemiBold" panose="020B0502040204020203" pitchFamily="34" charset="0"/>
+              </a:rPr>
+              <a:t>HVALA NA PAŽNJI</a:t>
+            </a:r>
+            <a:endParaRPr lang="en-US" sz="9600" dirty="0">
               <a:latin typeface="Bahnschrift SemiBold" panose="020B0502040204020203" pitchFamily="34" charset="0"/>
             </a:endParaRPr>
           </a:p>
@@ -23066,16 +19541,25 @@
     </p:spTree>
     <p:extLst>
       <p:ext uri="{BB962C8B-B14F-4D97-AF65-F5344CB8AC3E}">
-        <p14:creationId xmlns:p14="http://schemas.microsoft.com/office/powerpoint/2010/main" val="2207653467"/>
+        <p14:creationId xmlns:p14="http://schemas.microsoft.com/office/powerpoint/2010/main" val="506454712"/>
       </p:ext>
     </p:extLst>
   </p:cSld>
   <p:clrMapOvr>
     <a:masterClrMapping/>
   </p:clrMapOvr>
-  <p:transition spd="slow">
-    <p:push dir="u"/>
-  </p:transition>
+  <mc:AlternateContent xmlns:mc="http://schemas.openxmlformats.org/markup-compatibility/2006" xmlns:p159="http://schemas.microsoft.com/office/powerpoint/2015/09/main">
+    <mc:Choice Requires="p159">
+      <p:transition xmlns:p14="http://schemas.microsoft.com/office/powerpoint/2010/main" spd="slow" p14:dur="2000">
+        <p159:morph option="byObject"/>
+      </p:transition>
+    </mc:Choice>
+    <mc:Fallback xmlns="">
+      <p:transition spd="slow">
+        <p:fade/>
+      </p:transition>
+    </mc:Fallback>
+  </mc:AlternateContent>
 </p:sld>
 </file>
 
@@ -24851,598 +21335,6 @@
 </file>
 
 <file path=ppt/slides/slide20.xml><?xml version="1.0" encoding="utf-8"?>
-<p:sld xmlns:a="http://schemas.openxmlformats.org/drawingml/2006/main" xmlns:r="http://schemas.openxmlformats.org/officeDocument/2006/relationships" xmlns:p="http://schemas.openxmlformats.org/presentationml/2006/main">
-  <p:cSld>
-    <p:spTree>
-      <p:nvGrpSpPr>
-        <p:cNvPr id="1" name=""/>
-        <p:cNvGrpSpPr/>
-        <p:nvPr/>
-      </p:nvGrpSpPr>
-      <p:grpSpPr>
-        <a:xfrm>
-          <a:off x="0" y="0"/>
-          <a:ext cx="0" cy="0"/>
-          <a:chOff x="0" y="0"/>
-          <a:chExt cx="0" cy="0"/>
-        </a:xfrm>
-      </p:grpSpPr>
-      <p:sp>
-        <p:nvSpPr>
-          <p:cNvPr id="4" name="Rectangle 3">
-            <a:extLst>
-              <a:ext uri="{FF2B5EF4-FFF2-40B4-BE49-F238E27FC236}">
-                <a16:creationId xmlns:a16="http://schemas.microsoft.com/office/drawing/2014/main" id="{19F834A7-DBDA-47BB-BC71-04C6B5DAB09F}"/>
-              </a:ext>
-            </a:extLst>
-          </p:cNvPr>
-          <p:cNvSpPr/>
-          <p:nvPr/>
-        </p:nvSpPr>
-        <p:spPr>
-          <a:xfrm flipH="1">
-            <a:off x="0" y="-43870"/>
-            <a:ext cx="12192000" cy="6921335"/>
-          </a:xfrm>
-          <a:prstGeom prst="rect">
-            <a:avLst/>
-          </a:prstGeom>
-          <a:solidFill>
-            <a:schemeClr val="accent6">
-              <a:lumMod val="60000"/>
-              <a:lumOff val="40000"/>
-              <a:alpha val="48000"/>
-            </a:schemeClr>
-          </a:solidFill>
-        </p:spPr>
-        <p:style>
-          <a:lnRef idx="2">
-            <a:schemeClr val="accent1">
-              <a:shade val="15000"/>
-            </a:schemeClr>
-          </a:lnRef>
-          <a:fillRef idx="1">
-            <a:schemeClr val="accent1"/>
-          </a:fillRef>
-          <a:effectRef idx="0">
-            <a:schemeClr val="accent1"/>
-          </a:effectRef>
-          <a:fontRef idx="minor">
-            <a:schemeClr val="lt1"/>
-          </a:fontRef>
-        </p:style>
-        <p:txBody>
-          <a:bodyPr rtlCol="0" anchor="ctr"/>
-          <a:lstStyle/>
-          <a:p>
-            <a:pPr algn="ctr"/>
-            <a:endParaRPr lang="en-US" dirty="0"/>
-          </a:p>
-        </p:txBody>
-      </p:sp>
-      <p:sp>
-        <p:nvSpPr>
-          <p:cNvPr id="6" name="TextBox 5">
-            <a:extLst>
-              <a:ext uri="{FF2B5EF4-FFF2-40B4-BE49-F238E27FC236}">
-                <a16:creationId xmlns:a16="http://schemas.microsoft.com/office/drawing/2014/main" id="{F5F7BF7A-787C-EAA9-56A1-05C39C8FD161}"/>
-              </a:ext>
-            </a:extLst>
-          </p:cNvPr>
-          <p:cNvSpPr txBox="1"/>
-          <p:nvPr/>
-        </p:nvSpPr>
-        <p:spPr>
-          <a:xfrm>
-            <a:off x="386166" y="7678192"/>
-            <a:ext cx="4253087" cy="707886"/>
-          </a:xfrm>
-          <a:prstGeom prst="rect">
-            <a:avLst/>
-          </a:prstGeom>
-          <a:noFill/>
-        </p:spPr>
-        <p:txBody>
-          <a:bodyPr wrap="none" rtlCol="0">
-            <a:spAutoFit/>
-          </a:bodyPr>
-          <a:lstStyle/>
-          <a:p>
-            <a:r>
-              <a:rPr lang="sr-Latn-ME" sz="2000" dirty="0">
-                <a:latin typeface="Cascadia Code SemiBold" panose="020B0609020000020004" pitchFamily="49" charset="0"/>
-                <a:cs typeface="Cascadia Code SemiBold" panose="020B0609020000020004" pitchFamily="49" charset="0"/>
-              </a:rPr>
-              <a:t>Profesor</a:t>
-            </a:r>
-            <a:r>
-              <a:rPr lang="en-US" sz="2000" dirty="0">
-                <a:latin typeface="Cascadia Code SemiBold" panose="020B0609020000020004" pitchFamily="49" charset="0"/>
-                <a:cs typeface="Cascadia Code SemiBold" panose="020B0609020000020004" pitchFamily="49" charset="0"/>
-              </a:rPr>
-              <a:t>:</a:t>
-            </a:r>
-            <a:r>
-              <a:rPr lang="sr-Latn-ME" sz="2000" dirty="0">
-                <a:latin typeface="Cascadia Code SemiBold" panose="020B0609020000020004" pitchFamily="49" charset="0"/>
-                <a:cs typeface="Cascadia Code SemiBold" panose="020B0609020000020004" pitchFamily="49" charset="0"/>
-              </a:rPr>
-              <a:t> Luka Mejić</a:t>
-            </a:r>
-          </a:p>
-          <a:p>
-            <a:r>
-              <a:rPr lang="sr-Latn-ME" sz="2000" dirty="0">
-                <a:latin typeface="Cascadia Code SemiBold" panose="020B0609020000020004" pitchFamily="49" charset="0"/>
-                <a:cs typeface="Cascadia Code SemiBold" panose="020B0609020000020004" pitchFamily="49" charset="0"/>
-              </a:rPr>
-              <a:t>Asisten</a:t>
-            </a:r>
-            <a:r>
-              <a:rPr lang="en-US" sz="2000" dirty="0">
-                <a:latin typeface="Cascadia Code SemiBold" panose="020B0609020000020004" pitchFamily="49" charset="0"/>
-                <a:cs typeface="Cascadia Code SemiBold" panose="020B0609020000020004" pitchFamily="49" charset="0"/>
-              </a:rPr>
-              <a:t>t:</a:t>
-            </a:r>
-            <a:r>
-              <a:rPr lang="sr-Latn-ME" sz="2000" dirty="0">
-                <a:latin typeface="Cascadia Code SemiBold" panose="020B0609020000020004" pitchFamily="49" charset="0"/>
-                <a:cs typeface="Cascadia Code SemiBold" panose="020B0609020000020004" pitchFamily="49" charset="0"/>
-              </a:rPr>
-              <a:t> Olivera Tomašević</a:t>
-            </a:r>
-            <a:endParaRPr lang="en-US" sz="2000" dirty="0">
-              <a:latin typeface="Cascadia Code SemiBold" panose="020B0609020000020004" pitchFamily="49" charset="0"/>
-              <a:cs typeface="Cascadia Code SemiBold" panose="020B0609020000020004" pitchFamily="49" charset="0"/>
-            </a:endParaRPr>
-          </a:p>
-        </p:txBody>
-      </p:sp>
-      <p:sp>
-        <p:nvSpPr>
-          <p:cNvPr id="12" name="Oval 11">
-            <a:extLst>
-              <a:ext uri="{FF2B5EF4-FFF2-40B4-BE49-F238E27FC236}">
-                <a16:creationId xmlns:a16="http://schemas.microsoft.com/office/drawing/2014/main" id="{B0C7D9DB-9E4D-AB4C-8184-72ECD246C458}"/>
-              </a:ext>
-            </a:extLst>
-          </p:cNvPr>
-          <p:cNvSpPr/>
-          <p:nvPr/>
-        </p:nvSpPr>
-        <p:spPr>
-          <a:xfrm>
-            <a:off x="462843" y="776208"/>
-            <a:ext cx="11266312" cy="45719"/>
-          </a:xfrm>
-          <a:prstGeom prst="ellipse">
-            <a:avLst/>
-          </a:prstGeom>
-          <a:solidFill>
-            <a:schemeClr val="tx1"/>
-          </a:solidFill>
-        </p:spPr>
-        <p:style>
-          <a:lnRef idx="2">
-            <a:schemeClr val="accent1">
-              <a:shade val="15000"/>
-            </a:schemeClr>
-          </a:lnRef>
-          <a:fillRef idx="1">
-            <a:schemeClr val="accent1"/>
-          </a:fillRef>
-          <a:effectRef idx="0">
-            <a:schemeClr val="accent1"/>
-          </a:effectRef>
-          <a:fontRef idx="minor">
-            <a:schemeClr val="lt1"/>
-          </a:fontRef>
-        </p:style>
-        <p:txBody>
-          <a:bodyPr rtlCol="0" anchor="ctr"/>
-          <a:lstStyle/>
-          <a:p>
-            <a:pPr algn="ctr"/>
-            <a:endParaRPr lang="en-US"/>
-          </a:p>
-        </p:txBody>
-      </p:sp>
-      <p:sp>
-        <p:nvSpPr>
-          <p:cNvPr id="2" name="TextBox 1">
-            <a:extLst>
-              <a:ext uri="{FF2B5EF4-FFF2-40B4-BE49-F238E27FC236}">
-                <a16:creationId xmlns:a16="http://schemas.microsoft.com/office/drawing/2014/main" id="{27EC66CF-90B1-95A1-40AC-30EEB204D0A7}"/>
-              </a:ext>
-            </a:extLst>
-          </p:cNvPr>
-          <p:cNvSpPr txBox="1"/>
-          <p:nvPr/>
-        </p:nvSpPr>
-        <p:spPr>
-          <a:xfrm>
-            <a:off x="0" y="63335"/>
-            <a:ext cx="12192000" cy="646331"/>
-          </a:xfrm>
-          <a:prstGeom prst="rect">
-            <a:avLst/>
-          </a:prstGeom>
-          <a:noFill/>
-        </p:spPr>
-        <p:txBody>
-          <a:bodyPr wrap="square" rtlCol="0">
-            <a:spAutoFit/>
-          </a:bodyPr>
-          <a:lstStyle/>
-          <a:p>
-            <a:pPr algn="ctr"/>
-            <a:r>
-              <a:rPr lang="en-US" sz="3200" dirty="0">
-                <a:latin typeface="Bahnschrift SemiBold" panose="020B0502040204020203" pitchFamily="34" charset="0"/>
-              </a:rPr>
-              <a:t> </a:t>
-            </a:r>
-            <a:r>
-              <a:rPr lang="en-US" sz="3600" dirty="0" err="1">
-                <a:latin typeface="Bahnschrift SemiBold" panose="020B0502040204020203" pitchFamily="34" charset="0"/>
-              </a:rPr>
-              <a:t>Zaklju</a:t>
-            </a:r>
-            <a:r>
-              <a:rPr lang="sr-Latn-ME" sz="3600" dirty="0">
-                <a:latin typeface="Bahnschrift SemiBold" panose="020B0502040204020203" pitchFamily="34" charset="0"/>
-              </a:rPr>
-              <a:t>čak</a:t>
-            </a:r>
-            <a:endParaRPr lang="en-US" sz="3600" dirty="0">
-              <a:latin typeface="Bahnschrift SemiBold" panose="020B0502040204020203" pitchFamily="34" charset="0"/>
-            </a:endParaRPr>
-          </a:p>
-        </p:txBody>
-      </p:sp>
-      <p:sp>
-        <p:nvSpPr>
-          <p:cNvPr id="17" name="TextBox 16">
-            <a:extLst>
-              <a:ext uri="{FF2B5EF4-FFF2-40B4-BE49-F238E27FC236}">
-                <a16:creationId xmlns:a16="http://schemas.microsoft.com/office/drawing/2014/main" id="{0E4F28DC-A58F-698A-D6AD-5F45BA062331}"/>
-              </a:ext>
-            </a:extLst>
-          </p:cNvPr>
-          <p:cNvSpPr txBox="1"/>
-          <p:nvPr/>
-        </p:nvSpPr>
-        <p:spPr>
-          <a:xfrm>
-            <a:off x="233082" y="1121551"/>
-            <a:ext cx="11496073" cy="4154984"/>
-          </a:xfrm>
-          <a:prstGeom prst="rect">
-            <a:avLst/>
-          </a:prstGeom>
-          <a:noFill/>
-        </p:spPr>
-        <p:txBody>
-          <a:bodyPr wrap="square" rtlCol="0">
-            <a:spAutoFit/>
-          </a:bodyPr>
-          <a:lstStyle/>
-          <a:p>
-            <a:r>
-              <a:rPr lang="en-US" sz="2400" dirty="0" err="1">
-                <a:latin typeface="Bahnschrift SemiBold" panose="020B0502040204020203" pitchFamily="34" charset="0"/>
-              </a:rPr>
-              <a:t>Odre</a:t>
-            </a:r>
-            <a:r>
-              <a:rPr lang="sr-Latn-ME" sz="2400" dirty="0">
-                <a:latin typeface="Bahnschrift SemiBold" panose="020B0502040204020203" pitchFamily="34" charset="0"/>
-              </a:rPr>
-              <a:t>đene tablice, ukoliko se primene neke od transformacija, program savršeno prepoznaje, dok kod nekih drugih ne može najpreciznije sve karaktere prepoznati. Modifikacijom površine minimalne celine za tablicu se mogu poboljšati rezultati automatskog prepoznavanja pozicije tablice. Korisnik može i sam da iseče tablicu po primerima rađenim na vežbama ovog predmeta.</a:t>
-            </a:r>
-          </a:p>
-          <a:p>
-            <a:endParaRPr lang="sr-Latn-ME" sz="2400" dirty="0">
-              <a:latin typeface="Bahnschrift SemiBold" panose="020B0502040204020203" pitchFamily="34" charset="0"/>
-            </a:endParaRPr>
-          </a:p>
-          <a:p>
-            <a:r>
-              <a:rPr lang="sr-Latn-ME" sz="2400" dirty="0">
-                <a:latin typeface="Bahnschrift SemiBold" panose="020B0502040204020203" pitchFamily="34" charset="0"/>
-              </a:rPr>
-              <a:t>Od svih funkcija filtera najbolje rezultate je davala ili binarizacija sa pragom od 100 ili Laplasijan od </a:t>
-            </a:r>
-            <a:r>
-              <a:rPr lang="en-US" sz="2400" dirty="0">
-                <a:latin typeface="Bahnschrift SemiBold" panose="020B0502040204020203" pitchFamily="34" charset="0"/>
-              </a:rPr>
-              <a:t>-8</a:t>
-            </a:r>
-            <a:r>
-              <a:rPr lang="sr-Latn-ME" sz="2400" dirty="0">
-                <a:latin typeface="Bahnschrift SemiBold" panose="020B0502040204020203" pitchFamily="34" charset="0"/>
-              </a:rPr>
-              <a:t>, u zavisnosti od ugla slike i veličine tablice.</a:t>
-            </a:r>
-          </a:p>
-          <a:p>
-            <a:endParaRPr lang="sr-Latn-ME" sz="2400" dirty="0">
-              <a:latin typeface="Bahnschrift SemiBold" panose="020B0502040204020203" pitchFamily="34" charset="0"/>
-            </a:endParaRPr>
-          </a:p>
-          <a:p>
-            <a:r>
-              <a:rPr lang="sr-Latn-ME" sz="2400" dirty="0">
-                <a:latin typeface="Bahnschrift SemiBold" panose="020B0502040204020203" pitchFamily="34" charset="0"/>
-              </a:rPr>
-              <a:t>Kod funkcije </a:t>
-            </a:r>
-            <a:r>
-              <a:rPr lang="en-US" sz="2400" dirty="0">
-                <a:latin typeface="Bahnschrift SemiBold" panose="020B0502040204020203" pitchFamily="34" charset="0"/>
-              </a:rPr>
-              <a:t>‘edge’ </a:t>
-            </a:r>
-            <a:r>
-              <a:rPr lang="en-US" sz="2400" dirty="0" err="1">
-                <a:latin typeface="Bahnschrift SemiBold" panose="020B0502040204020203" pitchFamily="34" charset="0"/>
-              </a:rPr>
-              <a:t>kori</a:t>
-            </a:r>
-            <a:r>
-              <a:rPr lang="sr-Latn-ME" sz="2400" dirty="0">
-                <a:latin typeface="Bahnschrift SemiBold" panose="020B0502040204020203" pitchFamily="34" charset="0"/>
-              </a:rPr>
-              <a:t>šćena je </a:t>
-            </a:r>
-            <a:r>
-              <a:rPr lang="en-US" sz="2400" dirty="0" err="1">
-                <a:latin typeface="Bahnschrift SemiBold" panose="020B0502040204020203" pitchFamily="34" charset="0"/>
-              </a:rPr>
-              <a:t>metoda</a:t>
-            </a:r>
-            <a:r>
-              <a:rPr lang="en-US" sz="2400" dirty="0">
-                <a:latin typeface="Bahnschrift SemiBold" panose="020B0502040204020203" pitchFamily="34" charset="0"/>
-              </a:rPr>
-              <a:t> ‘Canny’ </a:t>
-            </a:r>
-            <a:r>
-              <a:rPr lang="en-US" sz="2400" dirty="0" err="1">
-                <a:latin typeface="Bahnschrift SemiBold" panose="020B0502040204020203" pitchFamily="34" charset="0"/>
-              </a:rPr>
-              <a:t>iako</a:t>
-            </a:r>
-            <a:r>
-              <a:rPr lang="en-US" sz="2400" dirty="0">
-                <a:latin typeface="Bahnschrift SemiBold" panose="020B0502040204020203" pitchFamily="34" charset="0"/>
-              </a:rPr>
-              <a:t> </a:t>
-            </a:r>
-            <a:r>
-              <a:rPr lang="en-US" sz="2400" dirty="0" err="1">
-                <a:latin typeface="Bahnschrift SemiBold" panose="020B0502040204020203" pitchFamily="34" charset="0"/>
-              </a:rPr>
-              <a:t>nije</a:t>
-            </a:r>
-            <a:r>
-              <a:rPr lang="en-US" sz="2400" dirty="0">
-                <a:latin typeface="Bahnschrift SemiBold" panose="020B0502040204020203" pitchFamily="34" charset="0"/>
-              </a:rPr>
-              <a:t> </a:t>
-            </a:r>
-            <a:r>
-              <a:rPr lang="en-US" sz="2400" dirty="0" err="1">
-                <a:latin typeface="Bahnschrift SemiBold" panose="020B0502040204020203" pitchFamily="34" charset="0"/>
-              </a:rPr>
-              <a:t>najbr</a:t>
-            </a:r>
-            <a:r>
-              <a:rPr lang="sr-Latn-ME" sz="2400" dirty="0">
-                <a:latin typeface="Bahnschrift SemiBold" panose="020B0502040204020203" pitchFamily="34" charset="0"/>
-              </a:rPr>
-              <a:t>ža, </a:t>
-            </a:r>
-            <a:r>
-              <a:rPr lang="en-US" sz="2400" dirty="0" err="1">
-                <a:latin typeface="Bahnschrift SemiBold" panose="020B0502040204020203" pitchFamily="34" charset="0"/>
-              </a:rPr>
-              <a:t>jer</a:t>
-            </a:r>
-            <a:r>
-              <a:rPr lang="en-US" sz="2400" dirty="0">
-                <a:latin typeface="Bahnschrift SemiBold" panose="020B0502040204020203" pitchFamily="34" charset="0"/>
-              </a:rPr>
-              <a:t> </a:t>
-            </a:r>
-            <a:r>
-              <a:rPr lang="en-US" sz="2400" dirty="0" err="1">
-                <a:latin typeface="Bahnschrift SemiBold" panose="020B0502040204020203" pitchFamily="34" charset="0"/>
-              </a:rPr>
-              <a:t>ostale</a:t>
-            </a:r>
-            <a:r>
-              <a:rPr lang="en-US" sz="2400" dirty="0">
-                <a:latin typeface="Bahnschrift SemiBold" panose="020B0502040204020203" pitchFamily="34" charset="0"/>
-              </a:rPr>
-              <a:t> </a:t>
-            </a:r>
-            <a:r>
-              <a:rPr lang="en-US" sz="2400" dirty="0" err="1">
-                <a:latin typeface="Bahnschrift SemiBold" panose="020B0502040204020203" pitchFamily="34" charset="0"/>
-              </a:rPr>
-              <a:t>poput</a:t>
-            </a:r>
-            <a:r>
-              <a:rPr lang="en-US" sz="2400" dirty="0">
-                <a:latin typeface="Bahnschrift SemiBold" panose="020B0502040204020203" pitchFamily="34" charset="0"/>
-              </a:rPr>
-              <a:t> ‘Sobel’, ‘log’, ‘Prewitt’ </a:t>
-            </a:r>
-            <a:r>
-              <a:rPr lang="sr-Latn-ME" sz="2400" dirty="0">
-                <a:latin typeface="Bahnschrift SemiBold" panose="020B0502040204020203" pitchFamily="34" charset="0"/>
-              </a:rPr>
-              <a:t>i</a:t>
-            </a:r>
-            <a:r>
-              <a:rPr lang="en-US" sz="2400" dirty="0">
-                <a:latin typeface="Bahnschrift SemiBold" panose="020B0502040204020203" pitchFamily="34" charset="0"/>
-              </a:rPr>
-              <a:t> ‘Roberts’ </a:t>
-            </a:r>
-            <a:r>
-              <a:rPr lang="en-US" sz="2400" dirty="0" err="1">
-                <a:latin typeface="Bahnschrift SemiBold" panose="020B0502040204020203" pitchFamily="34" charset="0"/>
-              </a:rPr>
-              <a:t>nisu</a:t>
-            </a:r>
-            <a:r>
-              <a:rPr lang="en-US" sz="2400" dirty="0">
-                <a:latin typeface="Bahnschrift SemiBold" panose="020B0502040204020203" pitchFamily="34" charset="0"/>
-              </a:rPr>
-              <a:t> </a:t>
-            </a:r>
-            <a:r>
-              <a:rPr lang="en-US" sz="2400" dirty="0" err="1">
-                <a:latin typeface="Bahnschrift SemiBold" panose="020B0502040204020203" pitchFamily="34" charset="0"/>
-              </a:rPr>
-              <a:t>bili</a:t>
-            </a:r>
-            <a:r>
-              <a:rPr lang="en-US" sz="2400" dirty="0">
-                <a:latin typeface="Bahnschrift SemiBold" panose="020B0502040204020203" pitchFamily="34" charset="0"/>
-              </a:rPr>
-              <a:t> </a:t>
-            </a:r>
-            <a:r>
-              <a:rPr lang="en-US" sz="2400" dirty="0" err="1">
-                <a:latin typeface="Bahnschrift SemiBold" panose="020B0502040204020203" pitchFamily="34" charset="0"/>
-              </a:rPr>
-              <a:t>precizni</a:t>
-            </a:r>
-            <a:r>
-              <a:rPr lang="en-US" sz="2400" dirty="0">
-                <a:latin typeface="Bahnschrift SemiBold" panose="020B0502040204020203" pitchFamily="34" charset="0"/>
-              </a:rPr>
-              <a:t> </a:t>
-            </a:r>
-            <a:r>
-              <a:rPr lang="en-US" sz="2400" dirty="0" err="1">
-                <a:latin typeface="Bahnschrift SemiBold" panose="020B0502040204020203" pitchFamily="34" charset="0"/>
-              </a:rPr>
-              <a:t>toliko</a:t>
-            </a:r>
-            <a:r>
-              <a:rPr lang="sr-Latn-ME" sz="2400" dirty="0">
-                <a:latin typeface="Bahnschrift SemiBold" panose="020B0502040204020203" pitchFamily="34" charset="0"/>
-              </a:rPr>
-              <a:t>.</a:t>
-            </a:r>
-            <a:endParaRPr lang="en-US" sz="2400" dirty="0">
-              <a:latin typeface="Bahnschrift SemiBold" panose="020B0502040204020203" pitchFamily="34" charset="0"/>
-            </a:endParaRPr>
-          </a:p>
-        </p:txBody>
-      </p:sp>
-      <p:pic>
-        <p:nvPicPr>
-          <p:cNvPr id="5" name="Picture 4">
-            <a:extLst>
-              <a:ext uri="{FF2B5EF4-FFF2-40B4-BE49-F238E27FC236}">
-                <a16:creationId xmlns:a16="http://schemas.microsoft.com/office/drawing/2014/main" id="{4A10BC92-7B98-18BB-DBB2-259A870446C9}"/>
-              </a:ext>
-            </a:extLst>
-          </p:cNvPr>
-          <p:cNvPicPr>
-            <a:picLocks noChangeAspect="1"/>
-          </p:cNvPicPr>
-          <p:nvPr/>
-        </p:nvPicPr>
-        <p:blipFill>
-          <a:blip r:embed="rId2"/>
-          <a:stretch>
-            <a:fillRect/>
-          </a:stretch>
-        </p:blipFill>
-        <p:spPr>
-          <a:xfrm>
-            <a:off x="-10507775" y="821927"/>
-            <a:ext cx="10276354" cy="5492093"/>
-          </a:xfrm>
-          <a:prstGeom prst="rect">
-            <a:avLst/>
-          </a:prstGeom>
-        </p:spPr>
-      </p:pic>
-      <p:sp>
-        <p:nvSpPr>
-          <p:cNvPr id="3" name="TextBox 2">
-            <a:extLst>
-              <a:ext uri="{FF2B5EF4-FFF2-40B4-BE49-F238E27FC236}">
-                <a16:creationId xmlns:a16="http://schemas.microsoft.com/office/drawing/2014/main" id="{58759629-47B1-1B11-0E98-C672FBF16B96}"/>
-              </a:ext>
-            </a:extLst>
-          </p:cNvPr>
-          <p:cNvSpPr txBox="1"/>
-          <p:nvPr/>
-        </p:nvSpPr>
-        <p:spPr>
-          <a:xfrm>
-            <a:off x="1066175" y="-1506325"/>
-            <a:ext cx="10418237" cy="1569660"/>
-          </a:xfrm>
-          <a:prstGeom prst="rect">
-            <a:avLst/>
-          </a:prstGeom>
-          <a:noFill/>
-        </p:spPr>
-        <p:txBody>
-          <a:bodyPr wrap="none" rtlCol="0">
-            <a:spAutoFit/>
-          </a:bodyPr>
-          <a:lstStyle/>
-          <a:p>
-            <a:r>
-              <a:rPr lang="sr-Latn-ME" sz="9600" dirty="0">
-                <a:latin typeface="Bahnschrift SemiBold" panose="020B0502040204020203" pitchFamily="34" charset="0"/>
-              </a:rPr>
-              <a:t>HVALA NA PAŽNJI</a:t>
-            </a:r>
-            <a:endParaRPr lang="en-US" sz="9600" dirty="0">
-              <a:latin typeface="Bahnschrift SemiBold" panose="020B0502040204020203" pitchFamily="34" charset="0"/>
-            </a:endParaRPr>
-          </a:p>
-        </p:txBody>
-      </p:sp>
-    </p:spTree>
-    <p:extLst>
-      <p:ext uri="{BB962C8B-B14F-4D97-AF65-F5344CB8AC3E}">
-        <p14:creationId xmlns:p14="http://schemas.microsoft.com/office/powerpoint/2010/main" val="506454712"/>
-      </p:ext>
-    </p:extLst>
-  </p:cSld>
-  <p:clrMapOvr>
-    <a:masterClrMapping/>
-  </p:clrMapOvr>
-  <mc:AlternateContent xmlns:mc="http://schemas.openxmlformats.org/markup-compatibility/2006" xmlns:p159="http://schemas.microsoft.com/office/powerpoint/2015/09/main">
-    <mc:Choice Requires="p159">
-      <p:transition xmlns:p14="http://schemas.microsoft.com/office/powerpoint/2010/main" spd="slow" p14:dur="2000">
-        <p159:morph option="byObject"/>
-      </p:transition>
-    </mc:Choice>
-    <mc:Fallback xmlns="">
-      <p:transition spd="slow">
-        <p:fade/>
-      </p:transition>
-    </mc:Fallback>
-  </mc:AlternateContent>
-</p:sld>
-</file>
-
-<file path=ppt/slides/slide21.xml><?xml version="1.0" encoding="utf-8"?>
 <p:sld xmlns:a="http://schemas.openxmlformats.org/drawingml/2006/main" xmlns:r="http://schemas.openxmlformats.org/officeDocument/2006/relationships" xmlns:p="http://schemas.openxmlformats.org/presentationml/2006/main">
   <p:cSld>
     <p:spTree>
@@ -32934,7 +28826,7 @@
               <a:rPr lang="en-US" sz="3200" dirty="0" err="1">
                 <a:latin typeface="Bahnschrift SemiBold" panose="020B0502040204020203" pitchFamily="34" charset="0"/>
               </a:rPr>
-              <a:t>Pretvorba</a:t>
+              <a:t>Pretvaranje</a:t>
             </a:r>
             <a:r>
               <a:rPr lang="en-US" sz="3200" dirty="0">
@@ -34280,11 +30172,29 @@
               </a:rPr>
               <a:t>. </a:t>
             </a:r>
+          </a:p>
+          <a:p>
+            <a:endParaRPr lang="en-US" sz="2800" dirty="0">
+              <a:latin typeface="Bahnschrift SemiBold" panose="020B0502040204020203" pitchFamily="34" charset="0"/>
+            </a:endParaRPr>
+          </a:p>
+          <a:p>
+            <a:endParaRPr lang="en-US" sz="2800" dirty="0">
+              <a:latin typeface="Bahnschrift SemiBold" panose="020B0502040204020203" pitchFamily="34" charset="0"/>
+            </a:endParaRPr>
+          </a:p>
+          <a:p>
+            <a:r>
+              <a:rPr lang="en-US" sz="2800" dirty="0">
+                <a:latin typeface="Bahnschrift SemiBold" panose="020B0502040204020203" pitchFamily="34" charset="0"/>
+              </a:rPr>
+              <a:t>■ </a:t>
+            </a:r>
             <a:r>
               <a:rPr lang="en-US" sz="2800" dirty="0" err="1">
                 <a:latin typeface="Bahnschrift SemiBold" panose="020B0502040204020203" pitchFamily="34" charset="0"/>
               </a:rPr>
-              <a:t>Prag</a:t>
+              <a:t>Kako</a:t>
             </a:r>
             <a:r>
               <a:rPr lang="en-US" sz="2800" dirty="0">
@@ -34296,7 +30206,7 @@
               <a:rPr lang="en-US" sz="2800" dirty="0" err="1">
                 <a:latin typeface="Bahnschrift SemiBold" panose="020B0502040204020203" pitchFamily="34" charset="0"/>
               </a:rPr>
-              <a:t>korisnik</a:t>
+              <a:t>radi</a:t>
             </a:r>
             <a:r>
               <a:rPr lang="en-US" sz="2800" dirty="0">
@@ -34308,240 +30218,13 @@
               <a:rPr lang="en-US" sz="2800" dirty="0" err="1">
                 <a:latin typeface="Bahnschrift SemiBold" panose="020B0502040204020203" pitchFamily="34" charset="0"/>
               </a:rPr>
-              <a:t>unosi</a:t>
+              <a:t>binarizacija</a:t>
             </a:r>
             <a:r>
               <a:rPr lang="en-US" sz="2800" dirty="0">
                 <a:latin typeface="Bahnschrift SemiBold" panose="020B0502040204020203" pitchFamily="34" charset="0"/>
               </a:rPr>
-              <a:t>, da bi se </a:t>
-            </a:r>
-            <a:r>
-              <a:rPr lang="en-US" sz="2800" dirty="0" err="1">
-                <a:latin typeface="Bahnschrift SemiBold" panose="020B0502040204020203" pitchFamily="34" charset="0"/>
-              </a:rPr>
-              <a:t>videla</a:t>
-            </a:r>
-            <a:r>
-              <a:rPr lang="en-US" sz="2800" dirty="0">
-                <a:latin typeface="Bahnschrift SemiBold" panose="020B0502040204020203" pitchFamily="34" charset="0"/>
-              </a:rPr>
-              <a:t> </a:t>
-            </a:r>
-            <a:r>
-              <a:rPr lang="en-US" sz="2800" dirty="0" err="1">
-                <a:latin typeface="Bahnschrift SemiBold" panose="020B0502040204020203" pitchFamily="34" charset="0"/>
-              </a:rPr>
-              <a:t>razlika</a:t>
-            </a:r>
-            <a:r>
-              <a:rPr lang="en-US" sz="2800" dirty="0">
-                <a:latin typeface="Bahnschrift SemiBold" panose="020B0502040204020203" pitchFamily="34" charset="0"/>
-              </a:rPr>
-              <a:t> u </a:t>
-            </a:r>
-            <a:r>
-              <a:rPr lang="en-US" sz="2800" dirty="0" err="1">
-                <a:latin typeface="Bahnschrift SemiBold" panose="020B0502040204020203" pitchFamily="34" charset="0"/>
-              </a:rPr>
-              <a:t>zavisnosti</a:t>
-            </a:r>
-            <a:r>
-              <a:rPr lang="en-US" sz="2800" dirty="0">
-                <a:latin typeface="Bahnschrift SemiBold" panose="020B0502040204020203" pitchFamily="34" charset="0"/>
-              </a:rPr>
-              <a:t> od </a:t>
-            </a:r>
-            <a:r>
-              <a:rPr lang="en-US" sz="2800" dirty="0" err="1">
-                <a:latin typeface="Bahnschrift SemiBold" panose="020B0502040204020203" pitchFamily="34" charset="0"/>
-              </a:rPr>
-              <a:t>odabranog</a:t>
-            </a:r>
-            <a:r>
-              <a:rPr lang="en-US" sz="2800" dirty="0">
-                <a:latin typeface="Bahnschrift SemiBold" panose="020B0502040204020203" pitchFamily="34" charset="0"/>
-              </a:rPr>
-              <a:t> </a:t>
-            </a:r>
-            <a:r>
-              <a:rPr lang="en-US" sz="2800" dirty="0" err="1">
-                <a:latin typeface="Bahnschrift SemiBold" panose="020B0502040204020203" pitchFamily="34" charset="0"/>
-              </a:rPr>
-              <a:t>praga</a:t>
-            </a:r>
-            <a:r>
-              <a:rPr lang="en-US" sz="2800" dirty="0">
-                <a:latin typeface="Bahnschrift SemiBold" panose="020B0502040204020203" pitchFamily="34" charset="0"/>
-              </a:rPr>
-              <a:t>.</a:t>
-            </a:r>
-            <a:br>
-              <a:rPr lang="en-US" sz="2800" dirty="0">
-                <a:latin typeface="Bahnschrift SemiBold" panose="020B0502040204020203" pitchFamily="34" charset="0"/>
-              </a:rPr>
-            </a:br>
-            <a:r>
-              <a:rPr lang="en-US" sz="2800" dirty="0">
-                <a:latin typeface="Bahnschrift SemiBold" panose="020B0502040204020203" pitchFamily="34" charset="0"/>
-              </a:rPr>
-              <a:t>■ </a:t>
-            </a:r>
-            <a:r>
-              <a:rPr lang="en-US" sz="2800" dirty="0" err="1">
-                <a:latin typeface="Bahnschrift SemiBold" panose="020B0502040204020203" pitchFamily="34" charset="0"/>
-              </a:rPr>
-              <a:t>Pixeli</a:t>
-            </a:r>
-            <a:r>
-              <a:rPr lang="en-US" sz="2800" dirty="0">
-                <a:latin typeface="Bahnschrift SemiBold" panose="020B0502040204020203" pitchFamily="34" charset="0"/>
-              </a:rPr>
-              <a:t> koji </a:t>
-            </a:r>
-            <a:r>
-              <a:rPr lang="en-US" sz="2800" dirty="0" err="1">
-                <a:latin typeface="Bahnschrift SemiBold" panose="020B0502040204020203" pitchFamily="34" charset="0"/>
-              </a:rPr>
-              <a:t>imaju</a:t>
-            </a:r>
-            <a:r>
-              <a:rPr lang="en-US" sz="2800" dirty="0">
-                <a:latin typeface="Bahnschrift SemiBold" panose="020B0502040204020203" pitchFamily="34" charset="0"/>
-              </a:rPr>
-              <a:t> </a:t>
-            </a:r>
-            <a:r>
-              <a:rPr lang="en-US" sz="2800" dirty="0" err="1">
-                <a:latin typeface="Bahnschrift SemiBold" panose="020B0502040204020203" pitchFamily="34" charset="0"/>
-              </a:rPr>
-              <a:t>intezitet</a:t>
-            </a:r>
-            <a:r>
-              <a:rPr lang="en-US" sz="2800" dirty="0">
-                <a:latin typeface="Bahnschrift SemiBold" panose="020B0502040204020203" pitchFamily="34" charset="0"/>
-              </a:rPr>
-              <a:t> </a:t>
-            </a:r>
-            <a:r>
-              <a:rPr lang="en-US" sz="2800" dirty="0" err="1">
-                <a:latin typeface="Bahnschrift SemiBold" panose="020B0502040204020203" pitchFamily="34" charset="0"/>
-              </a:rPr>
-              <a:t>veci</a:t>
-            </a:r>
-            <a:r>
-              <a:rPr lang="en-US" sz="2800" dirty="0">
-                <a:latin typeface="Bahnschrift SemiBold" panose="020B0502040204020203" pitchFamily="34" charset="0"/>
-              </a:rPr>
-              <a:t> od </a:t>
-            </a:r>
-            <a:r>
-              <a:rPr lang="en-US" sz="2800" dirty="0" err="1">
-                <a:latin typeface="Bahnschrift SemiBold" panose="020B0502040204020203" pitchFamily="34" charset="0"/>
-              </a:rPr>
-              <a:t>praga</a:t>
-            </a:r>
-            <a:r>
-              <a:rPr lang="en-US" sz="2800" dirty="0">
-                <a:latin typeface="Bahnschrift SemiBold" panose="020B0502040204020203" pitchFamily="34" charset="0"/>
-              </a:rPr>
-              <a:t> </a:t>
-            </a:r>
-            <a:r>
-              <a:rPr lang="en-US" sz="2800" dirty="0" err="1">
-                <a:latin typeface="Bahnschrift SemiBold" panose="020B0502040204020203" pitchFamily="34" charset="0"/>
-              </a:rPr>
-              <a:t>dobijaju</a:t>
-            </a:r>
-            <a:r>
-              <a:rPr lang="en-US" sz="2800" dirty="0">
-                <a:latin typeface="Bahnschrift SemiBold" panose="020B0502040204020203" pitchFamily="34" charset="0"/>
-              </a:rPr>
-              <a:t> </a:t>
-            </a:r>
-            <a:r>
-              <a:rPr lang="en-US" sz="2800" dirty="0" err="1">
-                <a:latin typeface="Bahnschrift SemiBold" panose="020B0502040204020203" pitchFamily="34" charset="0"/>
-              </a:rPr>
-              <a:t>vrednost</a:t>
-            </a:r>
-            <a:r>
-              <a:rPr lang="en-US" sz="2800" dirty="0">
-                <a:latin typeface="Bahnschrift SemiBold" panose="020B0502040204020203" pitchFamily="34" charset="0"/>
-              </a:rPr>
-              <a:t> </a:t>
-            </a:r>
-            <a:r>
-              <a:rPr lang="en-US" sz="2800" dirty="0" err="1">
-                <a:latin typeface="Bahnschrift SemiBold" panose="020B0502040204020203" pitchFamily="34" charset="0"/>
-              </a:rPr>
-              <a:t>crnog</a:t>
-            </a:r>
-            <a:r>
-              <a:rPr lang="en-US" sz="2800" dirty="0">
-                <a:latin typeface="Bahnschrift SemiBold" panose="020B0502040204020203" pitchFamily="34" charset="0"/>
-              </a:rPr>
-              <a:t>, a </a:t>
-            </a:r>
-            <a:r>
-              <a:rPr lang="en-US" sz="2800" dirty="0" err="1">
-                <a:latin typeface="Bahnschrift SemiBold" panose="020B0502040204020203" pitchFamily="34" charset="0"/>
-              </a:rPr>
-              <a:t>oni</a:t>
-            </a:r>
-            <a:r>
-              <a:rPr lang="en-US" sz="2800" dirty="0">
-                <a:latin typeface="Bahnschrift SemiBold" panose="020B0502040204020203" pitchFamily="34" charset="0"/>
-              </a:rPr>
-              <a:t> </a:t>
-            </a:r>
-            <a:r>
-              <a:rPr lang="en-US" sz="2800" dirty="0" err="1">
-                <a:latin typeface="Bahnschrift SemiBold" panose="020B0502040204020203" pitchFamily="34" charset="0"/>
-              </a:rPr>
-              <a:t>ispod</a:t>
-            </a:r>
-            <a:r>
-              <a:rPr lang="en-US" sz="2800" dirty="0">
-                <a:latin typeface="Bahnschrift SemiBold" panose="020B0502040204020203" pitchFamily="34" charset="0"/>
-              </a:rPr>
-              <a:t> </a:t>
-            </a:r>
-            <a:r>
-              <a:rPr lang="en-US" sz="2800" dirty="0" err="1">
-                <a:latin typeface="Bahnschrift SemiBold" panose="020B0502040204020203" pitchFamily="34" charset="0"/>
-              </a:rPr>
-              <a:t>bivaju</a:t>
-            </a:r>
-            <a:r>
-              <a:rPr lang="en-US" sz="2800" dirty="0">
-                <a:latin typeface="Bahnschrift SemiBold" panose="020B0502040204020203" pitchFamily="34" charset="0"/>
-              </a:rPr>
-              <a:t> </a:t>
-            </a:r>
-            <a:r>
-              <a:rPr lang="en-US" sz="2800" dirty="0" err="1">
-                <a:latin typeface="Bahnschrift SemiBold" panose="020B0502040204020203" pitchFamily="34" charset="0"/>
-              </a:rPr>
-              <a:t>obojeni</a:t>
-            </a:r>
-            <a:r>
-              <a:rPr lang="en-US" sz="2800" dirty="0">
-                <a:latin typeface="Bahnschrift SemiBold" panose="020B0502040204020203" pitchFamily="34" charset="0"/>
-              </a:rPr>
-              <a:t> u </a:t>
-            </a:r>
-            <a:r>
-              <a:rPr lang="en-US" sz="2800" dirty="0" err="1">
-                <a:latin typeface="Bahnschrift SemiBold" panose="020B0502040204020203" pitchFamily="34" charset="0"/>
-              </a:rPr>
-              <a:t>belo</a:t>
-            </a:r>
-            <a:r>
-              <a:rPr lang="en-US" sz="2800" dirty="0">
-                <a:latin typeface="Bahnschrift SemiBold" panose="020B0502040204020203" pitchFamily="34" charset="0"/>
-              </a:rPr>
-              <a:t>.</a:t>
+              <a:t>?</a:t>
             </a:r>
           </a:p>
         </p:txBody>
@@ -37484,9 +33167,12 @@
               </a:rPr>
               <a:t>slike</a:t>
             </a:r>
-            <a:endParaRPr lang="en-US" sz="2400" dirty="0">
-              <a:latin typeface="Bahnschrift SemiBold" panose="020B0502040204020203" pitchFamily="34" charset="0"/>
-            </a:endParaRPr>
+            <a:r>
+              <a:rPr lang="en-US" sz="2400" dirty="0">
+                <a:latin typeface="Bahnschrift SemiBold" panose="020B0502040204020203" pitchFamily="34" charset="0"/>
+              </a:rPr>
+              <a:t>.</a:t>
+            </a:r>
           </a:p>
         </p:txBody>
       </p:sp>
